--- a/Poster - Luisas Arbeitskopie, merge vermeiden.pptx
+++ b/Poster - Luisas Arbeitskopie, merge vermeiden.pptx
@@ -367,7 +367,7 @@
           <a:p>
             <a:fld id="{C3DFFD0B-8A86-49B4-B585-C3C192A21CEB}" type="slidenum">
               <a:rPr lang="de-DE" smtClean="0"/>
-              <a:t>‹#›</a:t>
+              <a:t>‹Nr.›</a:t>
             </a:fld>
             <a:endParaRPr lang="de-DE"/>
           </a:p>
@@ -757,7 +757,7 @@
           <a:p>
             <a:fld id="{A2ACB64B-D1A6-7D41-9BDE-3BC41FA5B95B}" type="slidenum">
               <a:rPr lang="en-US" smtClean="0"/>
-              <a:t>‹#›</a:t>
+              <a:t>‹Nr.›</a:t>
             </a:fld>
             <a:endParaRPr lang="en-US"/>
           </a:p>
@@ -927,7 +927,7 @@
           <a:p>
             <a:fld id="{A2ACB64B-D1A6-7D41-9BDE-3BC41FA5B95B}" type="slidenum">
               <a:rPr lang="en-US" smtClean="0"/>
-              <a:t>‹#›</a:t>
+              <a:t>‹Nr.›</a:t>
             </a:fld>
             <a:endParaRPr lang="en-US"/>
           </a:p>
@@ -1107,7 +1107,7 @@
           <a:p>
             <a:fld id="{A2ACB64B-D1A6-7D41-9BDE-3BC41FA5B95B}" type="slidenum">
               <a:rPr lang="en-US" smtClean="0"/>
-              <a:t>‹#›</a:t>
+              <a:t>‹Nr.›</a:t>
             </a:fld>
             <a:endParaRPr lang="en-US"/>
           </a:p>
@@ -1277,7 +1277,7 @@
           <a:p>
             <a:fld id="{A2ACB64B-D1A6-7D41-9BDE-3BC41FA5B95B}" type="slidenum">
               <a:rPr lang="en-US" smtClean="0"/>
-              <a:t>‹#›</a:t>
+              <a:t>‹Nr.›</a:t>
             </a:fld>
             <a:endParaRPr lang="en-US"/>
           </a:p>
@@ -1521,7 +1521,7 @@
           <a:p>
             <a:fld id="{A2ACB64B-D1A6-7D41-9BDE-3BC41FA5B95B}" type="slidenum">
               <a:rPr lang="en-US" smtClean="0"/>
-              <a:t>‹#›</a:t>
+              <a:t>‹Nr.›</a:t>
             </a:fld>
             <a:endParaRPr lang="en-US"/>
           </a:p>
@@ -1753,7 +1753,7 @@
           <a:p>
             <a:fld id="{A2ACB64B-D1A6-7D41-9BDE-3BC41FA5B95B}" type="slidenum">
               <a:rPr lang="en-US" smtClean="0"/>
-              <a:t>‹#›</a:t>
+              <a:t>‹Nr.›</a:t>
             </a:fld>
             <a:endParaRPr lang="en-US"/>
           </a:p>
@@ -2120,7 +2120,7 @@
           <a:p>
             <a:fld id="{A2ACB64B-D1A6-7D41-9BDE-3BC41FA5B95B}" type="slidenum">
               <a:rPr lang="en-US" smtClean="0"/>
-              <a:t>‹#›</a:t>
+              <a:t>‹Nr.›</a:t>
             </a:fld>
             <a:endParaRPr lang="en-US"/>
           </a:p>
@@ -2238,7 +2238,7 @@
           <a:p>
             <a:fld id="{A2ACB64B-D1A6-7D41-9BDE-3BC41FA5B95B}" type="slidenum">
               <a:rPr lang="en-US" smtClean="0"/>
-              <a:t>‹#›</a:t>
+              <a:t>‹Nr.›</a:t>
             </a:fld>
             <a:endParaRPr lang="en-US"/>
           </a:p>
@@ -2333,7 +2333,7 @@
           <a:p>
             <a:fld id="{A2ACB64B-D1A6-7D41-9BDE-3BC41FA5B95B}" type="slidenum">
               <a:rPr lang="en-US" smtClean="0"/>
-              <a:t>‹#›</a:t>
+              <a:t>‹Nr.›</a:t>
             </a:fld>
             <a:endParaRPr lang="en-US"/>
           </a:p>
@@ -2610,7 +2610,7 @@
           <a:p>
             <a:fld id="{A2ACB64B-D1A6-7D41-9BDE-3BC41FA5B95B}" type="slidenum">
               <a:rPr lang="en-US" smtClean="0"/>
-              <a:t>‹#›</a:t>
+              <a:t>‹Nr.›</a:t>
             </a:fld>
             <a:endParaRPr lang="en-US"/>
           </a:p>
@@ -2867,7 +2867,7 @@
           <a:p>
             <a:fld id="{A2ACB64B-D1A6-7D41-9BDE-3BC41FA5B95B}" type="slidenum">
               <a:rPr lang="en-US" smtClean="0"/>
-              <a:t>‹#›</a:t>
+              <a:t>‹Nr.›</a:t>
             </a:fld>
             <a:endParaRPr lang="en-US"/>
           </a:p>
@@ -3116,7 +3116,7 @@
           <a:p>
             <a:fld id="{A2ACB64B-D1A6-7D41-9BDE-3BC41FA5B95B}" type="slidenum">
               <a:rPr lang="en-US" smtClean="0"/>
-              <a:t>‹#›</a:t>
+              <a:t>‹Nr.›</a:t>
             </a:fld>
             <a:endParaRPr lang="en-US"/>
           </a:p>
@@ -4467,7 +4467,7 @@
           <a:p>
             <a:r>
               <a:rPr lang="en-GB" sz="6000" b="1" noProof="0" dirty="0"/>
-              <a:t>                  Our Approach</a:t>
+              <a:t>                  Our Approach and Results</a:t>
             </a:r>
             <a:endParaRPr lang="en-GB" sz="1500" b="1" noProof="0" dirty="0"/>
           </a:p>
@@ -5146,8 +5146,8 @@
         </p:nvGrpSpPr>
         <p:grpSpPr>
           <a:xfrm>
-            <a:off x="11999198" y="16210552"/>
-            <a:ext cx="17171804" cy="8336937"/>
+            <a:off x="13453847" y="16210552"/>
+            <a:ext cx="15717156" cy="7731488"/>
             <a:chOff x="11999198" y="16210552"/>
             <a:chExt cx="17171804" cy="8336937"/>
           </a:xfrm>
@@ -7248,7 +7248,7 @@
                   <a:srgbClr val="842332"/>
                 </a:solidFill>
               </a:rPr>
-              <a:t>&lt; 0,7</a:t>
+              <a:t>&lt; 0.7</a:t>
             </a:r>
           </a:p>
         </p:txBody>
@@ -7326,7 +7326,7 @@
                   <a:srgbClr val="191970"/>
                 </a:solidFill>
               </a:rPr>
-              <a:t>≥ 0,7</a:t>
+              <a:t>≥ 0.7</a:t>
             </a:r>
           </a:p>
         </p:txBody>
@@ -7928,6 +7928,1164 @@
           </a:fontRef>
         </p:style>
       </p:cxnSp>
+      <p:sp>
+        <p:nvSpPr>
+          <p:cNvPr id="2" name="Textfeld 1">
+            <a:extLst>
+              <a:ext uri="{FF2B5EF4-FFF2-40B4-BE49-F238E27FC236}">
+                <a16:creationId xmlns:a16="http://schemas.microsoft.com/office/drawing/2014/main" id="{002F6548-8D92-C755-018F-1E50DA196084}"/>
+              </a:ext>
+            </a:extLst>
+          </p:cNvPr>
+          <p:cNvSpPr txBox="1"/>
+          <p:nvPr/>
+        </p:nvSpPr>
+        <p:spPr>
+          <a:xfrm>
+            <a:off x="1429593" y="23666683"/>
+            <a:ext cx="9848007" cy="2862322"/>
+          </a:xfrm>
+          <a:prstGeom prst="rect">
+            <a:avLst/>
+          </a:prstGeom>
+          <a:noFill/>
+        </p:spPr>
+        <p:txBody>
+          <a:bodyPr wrap="square" rtlCol="0">
+            <a:spAutoFit/>
+          </a:bodyPr>
+          <a:lstStyle/>
+          <a:p>
+            <a:r>
+              <a:rPr lang="de-DE" sz="2000" b="1" dirty="0"/>
+              <a:t>Fig. 3 </a:t>
+            </a:r>
+            <a:r>
+              <a:rPr lang="de-DE" sz="2000" dirty="0" err="1"/>
+              <a:t>Selection</a:t>
+            </a:r>
+            <a:r>
+              <a:rPr lang="de-DE" sz="2000" dirty="0"/>
+              <a:t> </a:t>
+            </a:r>
+            <a:r>
+              <a:rPr lang="de-DE" sz="2000" dirty="0" err="1"/>
+              <a:t>criteria</a:t>
+            </a:r>
+            <a:r>
+              <a:rPr lang="de-DE" sz="2000" dirty="0"/>
+              <a:t> </a:t>
+            </a:r>
+            <a:r>
+              <a:rPr lang="de-DE" sz="2000" dirty="0" err="1"/>
+              <a:t>used</a:t>
+            </a:r>
+            <a:r>
+              <a:rPr lang="de-DE" sz="2000" dirty="0"/>
+              <a:t> </a:t>
+            </a:r>
+            <a:r>
+              <a:rPr lang="de-DE" sz="2000" dirty="0" err="1"/>
+              <a:t>for</a:t>
+            </a:r>
+            <a:r>
+              <a:rPr lang="de-DE" sz="2000" dirty="0"/>
+              <a:t> </a:t>
+            </a:r>
+            <a:r>
+              <a:rPr lang="de-DE" sz="2000" dirty="0" err="1"/>
+              <a:t>the</a:t>
+            </a:r>
+            <a:r>
+              <a:rPr lang="de-DE" sz="2000" dirty="0"/>
+              <a:t> </a:t>
+            </a:r>
+            <a:r>
+              <a:rPr lang="de-DE" sz="2000" dirty="0" err="1"/>
+              <a:t>identification</a:t>
+            </a:r>
+            <a:r>
+              <a:rPr lang="de-DE" sz="2000" dirty="0"/>
+              <a:t> </a:t>
+            </a:r>
+            <a:r>
+              <a:rPr lang="de-DE" sz="2000" dirty="0" err="1"/>
+              <a:t>of</a:t>
+            </a:r>
+            <a:r>
+              <a:rPr lang="de-DE" sz="2000" dirty="0"/>
+              <a:t> RNA-</a:t>
+            </a:r>
+            <a:r>
+              <a:rPr lang="de-DE" sz="2000" dirty="0" err="1"/>
+              <a:t>dependent</a:t>
+            </a:r>
+            <a:r>
+              <a:rPr lang="de-DE" sz="2000" dirty="0"/>
+              <a:t> (</a:t>
+            </a:r>
+            <a:r>
+              <a:rPr lang="de-DE" sz="2000" dirty="0" err="1"/>
+              <a:t>selected</a:t>
+            </a:r>
+            <a:r>
+              <a:rPr lang="de-DE" sz="2000" dirty="0"/>
+              <a:t>) and not RNA-</a:t>
+            </a:r>
+            <a:r>
+              <a:rPr lang="de-DE" sz="2000" dirty="0" err="1"/>
+              <a:t>dependent</a:t>
+            </a:r>
+            <a:r>
+              <a:rPr lang="de-DE" sz="2000" dirty="0"/>
+              <a:t> (not </a:t>
+            </a:r>
+            <a:r>
+              <a:rPr lang="de-DE" sz="2000" dirty="0" err="1"/>
+              <a:t>selected</a:t>
+            </a:r>
+            <a:r>
+              <a:rPr lang="de-DE" sz="2000" dirty="0"/>
+              <a:t>) </a:t>
+            </a:r>
+            <a:r>
+              <a:rPr lang="de-DE" sz="2000" dirty="0" err="1"/>
+              <a:t>proteins</a:t>
+            </a:r>
+            <a:r>
+              <a:rPr lang="de-DE" sz="2000" dirty="0"/>
+              <a:t> </a:t>
+            </a:r>
+          </a:p>
+          <a:p>
+            <a:endParaRPr lang="de-DE" sz="2000" dirty="0"/>
+          </a:p>
+          <a:p>
+            <a:r>
+              <a:rPr lang="de-DE" sz="2000" dirty="0"/>
+              <a:t>Proteins </a:t>
+            </a:r>
+            <a:r>
+              <a:rPr lang="de-DE" sz="2000" dirty="0" err="1"/>
+              <a:t>were</a:t>
+            </a:r>
+            <a:r>
+              <a:rPr lang="de-DE" sz="2000" dirty="0"/>
+              <a:t> </a:t>
+            </a:r>
+            <a:r>
+              <a:rPr lang="de-DE" sz="2000" dirty="0" err="1"/>
+              <a:t>selected</a:t>
+            </a:r>
+            <a:r>
+              <a:rPr lang="de-DE" sz="2000" dirty="0"/>
+              <a:t> </a:t>
+            </a:r>
+            <a:r>
+              <a:rPr lang="de-DE" sz="2000" dirty="0" err="1"/>
+              <a:t>based</a:t>
+            </a:r>
+            <a:r>
+              <a:rPr lang="de-DE" sz="2000" dirty="0"/>
+              <a:t> on a </a:t>
+            </a:r>
+            <a:r>
+              <a:rPr lang="de-DE" sz="2000" dirty="0" err="1"/>
+              <a:t>sequence</a:t>
+            </a:r>
+            <a:r>
+              <a:rPr lang="de-DE" sz="2000" dirty="0"/>
+              <a:t> </a:t>
+            </a:r>
+            <a:r>
+              <a:rPr lang="de-DE" sz="2000" dirty="0" err="1"/>
+              <a:t>ofcriteria</a:t>
+            </a:r>
+            <a:r>
+              <a:rPr lang="de-DE" sz="2000" dirty="0"/>
+              <a:t>. The </a:t>
+            </a:r>
+            <a:r>
+              <a:rPr lang="de-DE" sz="2000" dirty="0" err="1"/>
+              <a:t>selected</a:t>
+            </a:r>
+            <a:r>
+              <a:rPr lang="de-DE" sz="2000" dirty="0"/>
+              <a:t> </a:t>
+            </a:r>
+            <a:r>
+              <a:rPr lang="de-DE" sz="2000" dirty="0" err="1"/>
+              <a:t>proteins</a:t>
+            </a:r>
+            <a:r>
+              <a:rPr lang="de-DE" sz="2000" dirty="0"/>
+              <a:t> </a:t>
+            </a:r>
+            <a:r>
+              <a:rPr lang="de-DE" sz="2000" dirty="0" err="1"/>
+              <a:t>either</a:t>
+            </a:r>
+            <a:r>
+              <a:rPr lang="de-DE" sz="2000" dirty="0"/>
+              <a:t> </a:t>
+            </a:r>
+            <a:r>
+              <a:rPr lang="de-DE" sz="2000" dirty="0" err="1"/>
+              <a:t>had</a:t>
+            </a:r>
+            <a:r>
+              <a:rPr lang="de-DE" sz="2000" dirty="0"/>
+              <a:t> a </a:t>
+            </a:r>
+            <a:r>
+              <a:rPr lang="de-DE" sz="2000" dirty="0" err="1"/>
+              <a:t>center</a:t>
+            </a:r>
+            <a:r>
+              <a:rPr lang="de-DE" sz="2000" dirty="0"/>
+              <a:t> </a:t>
+            </a:r>
+            <a:r>
+              <a:rPr lang="de-DE" sz="2000" dirty="0" err="1"/>
+              <a:t>of</a:t>
+            </a:r>
+            <a:r>
+              <a:rPr lang="de-DE" sz="2000" dirty="0"/>
+              <a:t> </a:t>
+            </a:r>
+            <a:r>
+              <a:rPr lang="de-DE" sz="2000" dirty="0" err="1"/>
+              <a:t>mass</a:t>
+            </a:r>
+            <a:r>
+              <a:rPr lang="de-DE" sz="2000" dirty="0"/>
+              <a:t> shift ≥ 2 </a:t>
+            </a:r>
+            <a:r>
+              <a:rPr lang="de-DE" sz="2000" dirty="0" err="1"/>
+              <a:t>fractions</a:t>
+            </a:r>
+            <a:r>
+              <a:rPr lang="de-DE" sz="2000" dirty="0"/>
+              <a:t>, </a:t>
+            </a:r>
+            <a:r>
+              <a:rPr lang="de-DE" sz="2000" dirty="0" err="1"/>
+              <a:t>or</a:t>
+            </a:r>
+            <a:r>
+              <a:rPr lang="de-DE" sz="2000" dirty="0"/>
+              <a:t> </a:t>
+            </a:r>
+            <a:r>
+              <a:rPr lang="de-DE" sz="2000" dirty="0" err="1"/>
+              <a:t>had</a:t>
+            </a:r>
+            <a:r>
+              <a:rPr lang="de-DE" sz="2000" dirty="0"/>
+              <a:t> </a:t>
+            </a:r>
+            <a:r>
+              <a:rPr lang="de-DE" sz="2000" dirty="0" err="1"/>
+              <a:t>no</a:t>
+            </a:r>
+            <a:r>
+              <a:rPr lang="de-DE" sz="2000" dirty="0"/>
+              <a:t> </a:t>
+            </a:r>
+            <a:r>
+              <a:rPr lang="de-DE" sz="2000" dirty="0" err="1"/>
+              <a:t>center</a:t>
+            </a:r>
+            <a:r>
+              <a:rPr lang="de-DE" sz="2000" dirty="0"/>
+              <a:t> </a:t>
+            </a:r>
+            <a:r>
+              <a:rPr lang="de-DE" sz="2000" dirty="0" err="1"/>
+              <a:t>of</a:t>
+            </a:r>
+            <a:r>
+              <a:rPr lang="de-DE" sz="2000" dirty="0"/>
+              <a:t> </a:t>
+            </a:r>
+            <a:r>
+              <a:rPr lang="de-DE" sz="2000" dirty="0" err="1"/>
+              <a:t>mass</a:t>
+            </a:r>
+            <a:r>
+              <a:rPr lang="de-DE" sz="2000" dirty="0"/>
+              <a:t> shift, but </a:t>
+            </a:r>
+            <a:r>
+              <a:rPr lang="de-DE" sz="2000" dirty="0" err="1"/>
+              <a:t>had</a:t>
+            </a:r>
+            <a:r>
+              <a:rPr lang="de-DE" sz="2000" dirty="0"/>
+              <a:t> a </a:t>
+            </a:r>
+            <a:r>
+              <a:rPr lang="de-DE" sz="2000" dirty="0" err="1"/>
+              <a:t>main</a:t>
+            </a:r>
+            <a:r>
+              <a:rPr lang="de-DE" sz="2000" dirty="0"/>
+              <a:t> maximum shift ≥ 3 </a:t>
+            </a:r>
+            <a:r>
+              <a:rPr lang="de-DE" sz="2000" dirty="0" err="1"/>
+              <a:t>fractions</a:t>
+            </a:r>
+            <a:r>
+              <a:rPr lang="de-DE" sz="2000" dirty="0"/>
+              <a:t>, and </a:t>
+            </a:r>
+            <a:r>
+              <a:rPr lang="de-DE" sz="2000" dirty="0" err="1"/>
+              <a:t>additionally</a:t>
+            </a:r>
+            <a:r>
+              <a:rPr lang="de-DE" sz="2000" dirty="0"/>
+              <a:t> a </a:t>
+            </a:r>
+            <a:r>
+              <a:rPr lang="de-DE" sz="2000" dirty="0" err="1"/>
+              <a:t>correlation</a:t>
+            </a:r>
+            <a:r>
+              <a:rPr lang="de-DE" sz="2000" dirty="0"/>
+              <a:t> </a:t>
+            </a:r>
+            <a:r>
+              <a:rPr lang="de-DE" sz="2000" dirty="0" err="1"/>
+              <a:t>value</a:t>
+            </a:r>
+            <a:r>
+              <a:rPr lang="de-DE" sz="2000" dirty="0"/>
+              <a:t> </a:t>
+            </a:r>
+            <a:r>
+              <a:rPr lang="de-DE" sz="2000" dirty="0" err="1"/>
+              <a:t>of</a:t>
+            </a:r>
+            <a:r>
+              <a:rPr lang="de-DE" sz="2000" dirty="0"/>
+              <a:t> &lt; 0.7 </a:t>
+            </a:r>
+            <a:r>
+              <a:rPr lang="de-DE" sz="2000" dirty="0" err="1"/>
+              <a:t>between</a:t>
+            </a:r>
+            <a:r>
+              <a:rPr lang="de-DE" sz="2000" dirty="0"/>
+              <a:t> </a:t>
+            </a:r>
+            <a:r>
+              <a:rPr lang="de-DE" sz="2000" dirty="0" err="1"/>
+              <a:t>control</a:t>
+            </a:r>
+            <a:r>
+              <a:rPr lang="de-DE" sz="2000" dirty="0"/>
+              <a:t> and </a:t>
+            </a:r>
+            <a:r>
+              <a:rPr lang="de-DE" sz="2000" dirty="0" err="1"/>
+              <a:t>rnase</a:t>
+            </a:r>
+            <a:r>
+              <a:rPr lang="de-DE" sz="2000" dirty="0"/>
+              <a:t> .  The not </a:t>
+            </a:r>
+            <a:r>
+              <a:rPr lang="de-DE" sz="2000" dirty="0" err="1"/>
+              <a:t>selected</a:t>
+            </a:r>
+            <a:r>
+              <a:rPr lang="de-DE" sz="2000" dirty="0"/>
+              <a:t> </a:t>
+            </a:r>
+            <a:r>
+              <a:rPr lang="de-DE" sz="2000" dirty="0" err="1"/>
+              <a:t>proteins</a:t>
+            </a:r>
+            <a:r>
+              <a:rPr lang="de-DE" sz="2000" dirty="0"/>
+              <a:t> </a:t>
+            </a:r>
+            <a:r>
+              <a:rPr lang="de-DE" sz="2000" dirty="0" err="1"/>
+              <a:t>either</a:t>
+            </a:r>
+            <a:r>
+              <a:rPr lang="de-DE" sz="2000" dirty="0"/>
+              <a:t> </a:t>
+            </a:r>
+            <a:r>
+              <a:rPr lang="de-DE" sz="2000" dirty="0" err="1"/>
+              <a:t>had</a:t>
+            </a:r>
+            <a:r>
+              <a:rPr lang="de-DE" sz="2000" dirty="0"/>
+              <a:t> </a:t>
+            </a:r>
+            <a:r>
+              <a:rPr lang="de-DE" sz="2000" dirty="0" err="1"/>
+              <a:t>no</a:t>
+            </a:r>
+            <a:r>
+              <a:rPr lang="de-DE" sz="2000" dirty="0"/>
+              <a:t> </a:t>
+            </a:r>
+            <a:r>
+              <a:rPr lang="de-DE" sz="2000" dirty="0" err="1"/>
+              <a:t>center</a:t>
+            </a:r>
+            <a:r>
+              <a:rPr lang="de-DE" sz="2000" dirty="0"/>
+              <a:t> </a:t>
+            </a:r>
+            <a:r>
+              <a:rPr lang="de-DE" sz="2000" dirty="0" err="1"/>
+              <a:t>of</a:t>
+            </a:r>
+            <a:r>
+              <a:rPr lang="de-DE" sz="2000" dirty="0"/>
+              <a:t> </a:t>
+            </a:r>
+            <a:r>
+              <a:rPr lang="de-DE" sz="2000" dirty="0" err="1"/>
+              <a:t>mass</a:t>
+            </a:r>
+            <a:r>
+              <a:rPr lang="de-DE" sz="2000" dirty="0"/>
+              <a:t> shift ≥ 2 </a:t>
+            </a:r>
+            <a:r>
+              <a:rPr lang="de-DE" sz="2000" dirty="0" err="1"/>
+              <a:t>fractions</a:t>
+            </a:r>
+            <a:r>
+              <a:rPr lang="de-DE" sz="2000" dirty="0"/>
+              <a:t> and </a:t>
+            </a:r>
+            <a:r>
+              <a:rPr lang="de-DE" sz="2000" dirty="0" err="1"/>
+              <a:t>no</a:t>
+            </a:r>
+            <a:r>
+              <a:rPr lang="de-DE" sz="2000" dirty="0"/>
+              <a:t> </a:t>
+            </a:r>
+            <a:r>
+              <a:rPr lang="de-DE" sz="2000" dirty="0" err="1"/>
+              <a:t>main</a:t>
+            </a:r>
+            <a:r>
+              <a:rPr lang="de-DE" sz="2000" dirty="0"/>
+              <a:t> maximum shift </a:t>
+            </a:r>
+            <a:r>
+              <a:rPr lang="de-DE" sz="2000" dirty="0">
+                <a:solidFill>
+                  <a:srgbClr val="191970"/>
+                </a:solidFill>
+              </a:rPr>
+              <a:t>≥ 3</a:t>
+            </a:r>
+            <a:r>
+              <a:rPr lang="de-DE" sz="2000" dirty="0"/>
+              <a:t> </a:t>
+            </a:r>
+            <a:r>
+              <a:rPr lang="de-DE" sz="2000" dirty="0" err="1"/>
+              <a:t>fractions</a:t>
+            </a:r>
+            <a:r>
+              <a:rPr lang="de-DE" sz="2000" dirty="0"/>
+              <a:t>, </a:t>
+            </a:r>
+            <a:r>
+              <a:rPr lang="de-DE" sz="2000" dirty="0" err="1"/>
+              <a:t>or</a:t>
+            </a:r>
+            <a:r>
+              <a:rPr lang="de-DE" sz="2000" dirty="0"/>
+              <a:t> </a:t>
+            </a:r>
+            <a:r>
+              <a:rPr lang="de-DE" sz="2000" dirty="0" err="1"/>
+              <a:t>had</a:t>
+            </a:r>
+            <a:r>
+              <a:rPr lang="de-DE" sz="2000" dirty="0"/>
+              <a:t> </a:t>
+            </a:r>
+            <a:r>
+              <a:rPr lang="de-DE" sz="2000" dirty="0" err="1"/>
+              <a:t>no</a:t>
+            </a:r>
+            <a:r>
+              <a:rPr lang="de-DE" sz="2000" dirty="0"/>
+              <a:t> </a:t>
+            </a:r>
+            <a:r>
+              <a:rPr lang="de-DE" sz="2000" dirty="0" err="1"/>
+              <a:t>center</a:t>
+            </a:r>
+            <a:r>
+              <a:rPr lang="de-DE" sz="2000" dirty="0"/>
+              <a:t> </a:t>
+            </a:r>
+            <a:r>
+              <a:rPr lang="de-DE" sz="2000" dirty="0" err="1"/>
+              <a:t>of</a:t>
+            </a:r>
+            <a:r>
+              <a:rPr lang="de-DE" sz="2000" dirty="0"/>
+              <a:t> </a:t>
+            </a:r>
+            <a:r>
+              <a:rPr lang="de-DE" sz="2000" dirty="0" err="1"/>
+              <a:t>mass</a:t>
+            </a:r>
+            <a:r>
+              <a:rPr lang="de-DE" sz="2000" dirty="0"/>
+              <a:t> shift, but a </a:t>
+            </a:r>
+            <a:r>
+              <a:rPr lang="de-DE" sz="2000" dirty="0" err="1"/>
+              <a:t>main</a:t>
+            </a:r>
+            <a:r>
+              <a:rPr lang="de-DE" sz="2000" dirty="0"/>
+              <a:t> maximum shift and </a:t>
+            </a:r>
+            <a:r>
+              <a:rPr lang="de-DE" sz="2000" dirty="0" err="1"/>
+              <a:t>additionally</a:t>
+            </a:r>
+            <a:r>
+              <a:rPr lang="de-DE" sz="2000" dirty="0"/>
+              <a:t> a </a:t>
+            </a:r>
+            <a:r>
+              <a:rPr lang="de-DE" sz="2000" dirty="0" err="1"/>
+              <a:t>correlaction</a:t>
+            </a:r>
+            <a:r>
+              <a:rPr lang="de-DE" sz="2000" dirty="0"/>
+              <a:t> </a:t>
+            </a:r>
+            <a:r>
+              <a:rPr lang="de-DE" sz="2000" dirty="0" err="1"/>
+              <a:t>value</a:t>
+            </a:r>
+            <a:r>
+              <a:rPr lang="de-DE" sz="2000" dirty="0"/>
+              <a:t> ≥ 0.7 </a:t>
+            </a:r>
+            <a:r>
+              <a:rPr lang="de-DE" sz="2000" dirty="0" err="1"/>
+              <a:t>between</a:t>
+            </a:r>
+            <a:r>
+              <a:rPr lang="de-DE" sz="2000" dirty="0"/>
+              <a:t> </a:t>
+            </a:r>
+            <a:r>
+              <a:rPr lang="de-DE" sz="2000" dirty="0" err="1"/>
+              <a:t>contro</a:t>
+            </a:r>
+            <a:r>
+              <a:rPr lang="de-DE" sz="2000" dirty="0"/>
+              <a:t>, and </a:t>
+            </a:r>
+            <a:r>
+              <a:rPr lang="de-DE" sz="2000" dirty="0" err="1"/>
+              <a:t>rnase</a:t>
+            </a:r>
+            <a:r>
+              <a:rPr lang="de-DE" sz="2000" dirty="0"/>
+              <a:t>. </a:t>
+            </a:r>
+          </a:p>
+        </p:txBody>
+      </p:sp>
+      <p:pic>
+        <p:nvPicPr>
+          <p:cNvPr id="5" name="Grafik 4">
+            <a:extLst>
+              <a:ext uri="{FF2B5EF4-FFF2-40B4-BE49-F238E27FC236}">
+                <a16:creationId xmlns:a16="http://schemas.microsoft.com/office/drawing/2014/main" id="{989D5533-9B2F-5E4F-BFF9-FDA622B3EFD6}"/>
+              </a:ext>
+            </a:extLst>
+          </p:cNvPr>
+          <p:cNvPicPr>
+            <a:picLocks noChangeAspect="1"/>
+          </p:cNvPicPr>
+          <p:nvPr/>
+        </p:nvPicPr>
+        <p:blipFill>
+          <a:blip r:embed="rId25"/>
+          <a:stretch>
+            <a:fillRect/>
+          </a:stretch>
+        </p:blipFill>
+        <p:spPr>
+          <a:xfrm>
+            <a:off x="14941610" y="21402919"/>
+            <a:ext cx="8608993" cy="4143581"/>
+          </a:xfrm>
+          <a:prstGeom prst="rect">
+            <a:avLst/>
+          </a:prstGeom>
+        </p:spPr>
+      </p:pic>
+      <p:sp>
+        <p:nvSpPr>
+          <p:cNvPr id="16" name="Textfeld 15">
+            <a:extLst>
+              <a:ext uri="{FF2B5EF4-FFF2-40B4-BE49-F238E27FC236}">
+                <a16:creationId xmlns:a16="http://schemas.microsoft.com/office/drawing/2014/main" id="{447642A8-D5C5-97E6-FC45-3440DC69F80C}"/>
+              </a:ext>
+            </a:extLst>
+          </p:cNvPr>
+          <p:cNvSpPr txBox="1"/>
+          <p:nvPr/>
+        </p:nvSpPr>
+        <p:spPr>
+          <a:xfrm>
+            <a:off x="13186252" y="24830961"/>
+            <a:ext cx="11094443" cy="1754326"/>
+          </a:xfrm>
+          <a:prstGeom prst="rect">
+            <a:avLst/>
+          </a:prstGeom>
+          <a:noFill/>
+        </p:spPr>
+        <p:txBody>
+          <a:bodyPr wrap="square" rtlCol="0">
+            <a:spAutoFit/>
+          </a:bodyPr>
+          <a:lstStyle/>
+          <a:p>
+            <a:r>
+              <a:rPr lang="de-DE" b="1" dirty="0"/>
+              <a:t>Fig 4 </a:t>
+            </a:r>
+            <a:r>
+              <a:rPr lang="de-DE" dirty="0" err="1"/>
+              <a:t>Scatter</a:t>
+            </a:r>
+            <a:r>
+              <a:rPr lang="de-DE" dirty="0"/>
+              <a:t> Plots </a:t>
+            </a:r>
+            <a:r>
+              <a:rPr lang="de-DE" dirty="0" err="1"/>
+              <a:t>of</a:t>
+            </a:r>
+            <a:r>
+              <a:rPr lang="de-DE" dirty="0"/>
+              <a:t> </a:t>
+            </a:r>
+            <a:r>
+              <a:rPr lang="de-DE" dirty="0" err="1"/>
+              <a:t>the</a:t>
+            </a:r>
+            <a:r>
+              <a:rPr lang="de-DE" dirty="0"/>
+              <a:t> </a:t>
+            </a:r>
+            <a:r>
+              <a:rPr lang="de-DE" dirty="0" err="1"/>
+              <a:t>center</a:t>
+            </a:r>
+            <a:r>
+              <a:rPr lang="de-DE" dirty="0"/>
+              <a:t> </a:t>
+            </a:r>
+            <a:r>
+              <a:rPr lang="de-DE" dirty="0" err="1"/>
+              <a:t>of</a:t>
+            </a:r>
+            <a:r>
+              <a:rPr lang="de-DE" dirty="0"/>
+              <a:t> </a:t>
+            </a:r>
+            <a:r>
+              <a:rPr lang="de-DE" dirty="0" err="1"/>
+              <a:t>mass</a:t>
+            </a:r>
+            <a:r>
+              <a:rPr lang="de-DE" dirty="0"/>
+              <a:t> </a:t>
+            </a:r>
+            <a:r>
+              <a:rPr lang="de-DE" dirty="0" err="1"/>
+              <a:t>values</a:t>
+            </a:r>
+            <a:r>
+              <a:rPr lang="de-DE" dirty="0"/>
+              <a:t> </a:t>
+            </a:r>
+            <a:r>
+              <a:rPr lang="de-DE" dirty="0" err="1"/>
+              <a:t>between</a:t>
+            </a:r>
+            <a:r>
+              <a:rPr lang="de-DE" dirty="0"/>
+              <a:t> </a:t>
+            </a:r>
+            <a:r>
+              <a:rPr lang="de-DE" dirty="0" err="1"/>
+              <a:t>control</a:t>
+            </a:r>
+            <a:r>
+              <a:rPr lang="de-DE" dirty="0"/>
+              <a:t> and </a:t>
+            </a:r>
+            <a:r>
+              <a:rPr lang="de-DE" dirty="0" err="1"/>
+              <a:t>rnase</a:t>
+            </a:r>
+            <a:r>
+              <a:rPr lang="de-DE" dirty="0"/>
+              <a:t> </a:t>
+            </a:r>
+          </a:p>
+          <a:p>
+            <a:endParaRPr lang="de-DE" dirty="0"/>
+          </a:p>
+          <a:p>
+            <a:r>
+              <a:rPr lang="de-DE" dirty="0" err="1"/>
+              <a:t>Each</a:t>
+            </a:r>
+            <a:r>
+              <a:rPr lang="de-DE" dirty="0"/>
+              <a:t> </a:t>
+            </a:r>
+            <a:r>
+              <a:rPr lang="de-DE" dirty="0" err="1"/>
+              <a:t>dot</a:t>
+            </a:r>
+            <a:r>
+              <a:rPr lang="de-DE" dirty="0"/>
+              <a:t> </a:t>
+            </a:r>
+            <a:r>
+              <a:rPr lang="de-DE" dirty="0" err="1"/>
+              <a:t>represents</a:t>
+            </a:r>
+            <a:r>
+              <a:rPr lang="de-DE" dirty="0"/>
+              <a:t> a </a:t>
+            </a:r>
+            <a:r>
+              <a:rPr lang="de-DE" dirty="0" err="1"/>
+              <a:t>protein</a:t>
+            </a:r>
+            <a:r>
+              <a:rPr lang="de-DE" dirty="0"/>
+              <a:t>. </a:t>
+            </a:r>
+            <a:r>
+              <a:rPr lang="de-DE" b="1" dirty="0"/>
+              <a:t>A) </a:t>
+            </a:r>
+            <a:r>
+              <a:rPr lang="de-DE" dirty="0" err="1"/>
+              <a:t>Scatter</a:t>
+            </a:r>
+            <a:r>
+              <a:rPr lang="de-DE" dirty="0"/>
+              <a:t> </a:t>
+            </a:r>
+            <a:r>
+              <a:rPr lang="de-DE" dirty="0" err="1"/>
+              <a:t>plot</a:t>
+            </a:r>
+            <a:r>
+              <a:rPr lang="de-DE" dirty="0"/>
+              <a:t> </a:t>
+            </a:r>
+            <a:r>
+              <a:rPr lang="de-DE" dirty="0" err="1"/>
+              <a:t>for</a:t>
+            </a:r>
+            <a:r>
+              <a:rPr lang="de-DE" dirty="0"/>
+              <a:t> </a:t>
+            </a:r>
+            <a:r>
+              <a:rPr lang="de-DE" dirty="0" err="1"/>
+              <a:t>the</a:t>
+            </a:r>
+            <a:r>
+              <a:rPr lang="de-DE" dirty="0"/>
+              <a:t> </a:t>
+            </a:r>
+            <a:r>
+              <a:rPr lang="de-DE" dirty="0" err="1"/>
+              <a:t>selected</a:t>
+            </a:r>
+            <a:r>
+              <a:rPr lang="de-DE" dirty="0"/>
+              <a:t> </a:t>
+            </a:r>
+            <a:r>
+              <a:rPr lang="de-DE" dirty="0" err="1"/>
+              <a:t>proteins</a:t>
+            </a:r>
+            <a:r>
+              <a:rPr lang="de-DE" dirty="0"/>
+              <a:t>. The COM </a:t>
+            </a:r>
+            <a:r>
+              <a:rPr lang="de-DE" dirty="0" err="1"/>
+              <a:t>values</a:t>
+            </a:r>
+            <a:r>
+              <a:rPr lang="de-DE" dirty="0"/>
+              <a:t> </a:t>
+            </a:r>
+            <a:r>
+              <a:rPr lang="de-DE" dirty="0" err="1"/>
+              <a:t>for</a:t>
+            </a:r>
+            <a:r>
+              <a:rPr lang="de-DE" dirty="0"/>
+              <a:t> </a:t>
+            </a:r>
+            <a:r>
+              <a:rPr lang="de-DE" dirty="0" err="1"/>
+              <a:t>the</a:t>
+            </a:r>
+            <a:r>
+              <a:rPr lang="de-DE" dirty="0"/>
+              <a:t> </a:t>
+            </a:r>
+            <a:r>
+              <a:rPr lang="de-DE" dirty="0" err="1"/>
+              <a:t>protein</a:t>
+            </a:r>
+            <a:r>
+              <a:rPr lang="de-DE" dirty="0"/>
+              <a:t> in </a:t>
+            </a:r>
+            <a:r>
+              <a:rPr lang="de-DE" dirty="0" err="1"/>
+              <a:t>the</a:t>
+            </a:r>
+            <a:r>
+              <a:rPr lang="de-DE" dirty="0"/>
+              <a:t> </a:t>
+            </a:r>
+            <a:r>
+              <a:rPr lang="de-DE" dirty="0" err="1"/>
+              <a:t>control</a:t>
+            </a:r>
+            <a:r>
+              <a:rPr lang="de-DE" dirty="0"/>
+              <a:t> </a:t>
+            </a:r>
+            <a:r>
+              <a:rPr lang="de-DE" dirty="0" err="1"/>
+              <a:t>approach</a:t>
+            </a:r>
+            <a:r>
+              <a:rPr lang="de-DE" dirty="0"/>
+              <a:t> </a:t>
+            </a:r>
+            <a:r>
+              <a:rPr lang="de-DE" dirty="0" err="1"/>
+              <a:t>are</a:t>
+            </a:r>
+            <a:r>
+              <a:rPr lang="de-DE" dirty="0"/>
+              <a:t> on </a:t>
+            </a:r>
+            <a:r>
+              <a:rPr lang="de-DE" dirty="0" err="1"/>
+              <a:t>the</a:t>
+            </a:r>
+            <a:r>
+              <a:rPr lang="de-DE" dirty="0"/>
+              <a:t> x-</a:t>
+            </a:r>
+            <a:r>
+              <a:rPr lang="de-DE" dirty="0" err="1"/>
+              <a:t>axis</a:t>
+            </a:r>
+            <a:r>
+              <a:rPr lang="de-DE" dirty="0"/>
+              <a:t>, </a:t>
+            </a:r>
+            <a:r>
+              <a:rPr lang="de-DE" dirty="0" err="1"/>
+              <a:t>those</a:t>
+            </a:r>
+            <a:r>
+              <a:rPr lang="de-DE" dirty="0"/>
+              <a:t> </a:t>
+            </a:r>
+            <a:r>
+              <a:rPr lang="de-DE" dirty="0" err="1"/>
+              <a:t>for</a:t>
+            </a:r>
+            <a:r>
+              <a:rPr lang="de-DE" dirty="0"/>
+              <a:t> </a:t>
+            </a:r>
+            <a:r>
+              <a:rPr lang="de-DE" dirty="0" err="1"/>
+              <a:t>the</a:t>
+            </a:r>
+            <a:r>
+              <a:rPr lang="de-DE" dirty="0"/>
+              <a:t> </a:t>
+            </a:r>
+            <a:r>
+              <a:rPr lang="de-DE" dirty="0" err="1"/>
+              <a:t>rnase</a:t>
+            </a:r>
+            <a:r>
+              <a:rPr lang="de-DE" dirty="0"/>
+              <a:t> </a:t>
+            </a:r>
+            <a:r>
+              <a:rPr lang="de-DE" dirty="0" err="1"/>
+              <a:t>approach</a:t>
+            </a:r>
+            <a:r>
+              <a:rPr lang="de-DE" dirty="0"/>
+              <a:t> </a:t>
+            </a:r>
+            <a:r>
+              <a:rPr lang="de-DE" dirty="0" err="1"/>
+              <a:t>are</a:t>
+            </a:r>
+            <a:r>
+              <a:rPr lang="de-DE" dirty="0"/>
+              <a:t> on </a:t>
+            </a:r>
+            <a:r>
+              <a:rPr lang="de-DE" dirty="0" err="1"/>
+              <a:t>the</a:t>
+            </a:r>
+            <a:r>
+              <a:rPr lang="de-DE" dirty="0"/>
+              <a:t> y-</a:t>
+            </a:r>
+            <a:r>
+              <a:rPr lang="de-DE" dirty="0" err="1"/>
+              <a:t>axis</a:t>
+            </a:r>
+            <a:r>
+              <a:rPr lang="de-DE" dirty="0"/>
+              <a:t>. </a:t>
+            </a:r>
+            <a:r>
+              <a:rPr lang="de-DE" b="1" dirty="0"/>
+              <a:t>B) </a:t>
+            </a:r>
+            <a:r>
+              <a:rPr lang="de-DE" dirty="0" err="1"/>
+              <a:t>Scatter</a:t>
+            </a:r>
+            <a:r>
+              <a:rPr lang="de-DE" dirty="0"/>
+              <a:t> </a:t>
+            </a:r>
+            <a:r>
+              <a:rPr lang="de-DE" dirty="0" err="1"/>
+              <a:t>plot</a:t>
+            </a:r>
+            <a:r>
+              <a:rPr lang="de-DE" dirty="0"/>
+              <a:t> </a:t>
+            </a:r>
+            <a:r>
+              <a:rPr lang="de-DE" dirty="0" err="1"/>
+              <a:t>for</a:t>
+            </a:r>
+            <a:r>
+              <a:rPr lang="de-DE" dirty="0"/>
+              <a:t> </a:t>
+            </a:r>
+            <a:r>
+              <a:rPr lang="de-DE" dirty="0" err="1"/>
+              <a:t>the</a:t>
+            </a:r>
+            <a:r>
+              <a:rPr lang="de-DE" dirty="0"/>
+              <a:t> not </a:t>
+            </a:r>
+            <a:r>
+              <a:rPr lang="de-DE" dirty="0" err="1"/>
+              <a:t>selected</a:t>
+            </a:r>
+            <a:r>
+              <a:rPr lang="de-DE" dirty="0"/>
+              <a:t> </a:t>
+            </a:r>
+            <a:r>
+              <a:rPr lang="de-DE" dirty="0" err="1"/>
+              <a:t>proteins</a:t>
+            </a:r>
+            <a:r>
+              <a:rPr lang="de-DE" dirty="0"/>
+              <a:t>. The COM </a:t>
+            </a:r>
+            <a:r>
+              <a:rPr lang="de-DE" dirty="0" err="1"/>
+              <a:t>values</a:t>
+            </a:r>
+            <a:r>
+              <a:rPr lang="de-DE" dirty="0"/>
+              <a:t> </a:t>
+            </a:r>
+            <a:r>
+              <a:rPr lang="de-DE" dirty="0" err="1"/>
+              <a:t>for</a:t>
+            </a:r>
+            <a:r>
+              <a:rPr lang="de-DE" dirty="0"/>
+              <a:t> </a:t>
+            </a:r>
+            <a:r>
+              <a:rPr lang="de-DE" dirty="0" err="1"/>
+              <a:t>the</a:t>
+            </a:r>
+            <a:r>
+              <a:rPr lang="de-DE" dirty="0"/>
+              <a:t> </a:t>
+            </a:r>
+            <a:r>
+              <a:rPr lang="de-DE" dirty="0" err="1"/>
+              <a:t>protein</a:t>
+            </a:r>
+            <a:r>
+              <a:rPr lang="de-DE" dirty="0"/>
+              <a:t> in </a:t>
+            </a:r>
+            <a:r>
+              <a:rPr lang="de-DE" dirty="0" err="1"/>
+              <a:t>the</a:t>
+            </a:r>
+            <a:r>
+              <a:rPr lang="de-DE" dirty="0"/>
+              <a:t> </a:t>
+            </a:r>
+            <a:r>
+              <a:rPr lang="de-DE" dirty="0" err="1"/>
+              <a:t>control</a:t>
+            </a:r>
+            <a:r>
+              <a:rPr lang="de-DE" dirty="0"/>
+              <a:t> </a:t>
+            </a:r>
+            <a:r>
+              <a:rPr lang="de-DE" dirty="0" err="1"/>
+              <a:t>approach</a:t>
+            </a:r>
+            <a:r>
+              <a:rPr lang="de-DE" dirty="0"/>
+              <a:t> </a:t>
+            </a:r>
+            <a:r>
+              <a:rPr lang="de-DE" dirty="0" err="1"/>
+              <a:t>are</a:t>
+            </a:r>
+            <a:r>
+              <a:rPr lang="de-DE" dirty="0"/>
+              <a:t> on </a:t>
+            </a:r>
+            <a:r>
+              <a:rPr lang="de-DE" dirty="0" err="1"/>
+              <a:t>the</a:t>
+            </a:r>
+            <a:r>
+              <a:rPr lang="de-DE" dirty="0"/>
+              <a:t> x-</a:t>
+            </a:r>
+            <a:r>
+              <a:rPr lang="de-DE" dirty="0" err="1"/>
+              <a:t>axis</a:t>
+            </a:r>
+            <a:r>
+              <a:rPr lang="de-DE" dirty="0"/>
+              <a:t>, </a:t>
+            </a:r>
+            <a:r>
+              <a:rPr lang="de-DE" dirty="0" err="1"/>
+              <a:t>those</a:t>
+            </a:r>
+            <a:r>
+              <a:rPr lang="de-DE" dirty="0"/>
+              <a:t> </a:t>
+            </a:r>
+            <a:r>
+              <a:rPr lang="de-DE" dirty="0" err="1"/>
+              <a:t>for</a:t>
+            </a:r>
+            <a:r>
+              <a:rPr lang="de-DE" dirty="0"/>
+              <a:t> </a:t>
+            </a:r>
+            <a:r>
+              <a:rPr lang="de-DE" dirty="0" err="1"/>
+              <a:t>the</a:t>
+            </a:r>
+            <a:r>
+              <a:rPr lang="de-DE" dirty="0"/>
+              <a:t> </a:t>
+            </a:r>
+            <a:r>
+              <a:rPr lang="de-DE" dirty="0" err="1"/>
+              <a:t>rnase</a:t>
+            </a:r>
+            <a:r>
+              <a:rPr lang="de-DE" dirty="0"/>
+              <a:t> </a:t>
+            </a:r>
+            <a:r>
+              <a:rPr lang="de-DE" dirty="0" err="1"/>
+              <a:t>approach</a:t>
+            </a:r>
+            <a:r>
+              <a:rPr lang="de-DE" dirty="0"/>
+              <a:t> </a:t>
+            </a:r>
+            <a:r>
+              <a:rPr lang="de-DE" dirty="0" err="1"/>
+              <a:t>are</a:t>
+            </a:r>
+            <a:r>
+              <a:rPr lang="de-DE" dirty="0"/>
+              <a:t> on </a:t>
+            </a:r>
+            <a:r>
+              <a:rPr lang="de-DE" dirty="0" err="1"/>
+              <a:t>the</a:t>
+            </a:r>
+            <a:r>
+              <a:rPr lang="de-DE" dirty="0"/>
+              <a:t> y-</a:t>
+            </a:r>
+            <a:r>
+              <a:rPr lang="de-DE" dirty="0" err="1"/>
+              <a:t>axis</a:t>
+            </a:r>
+            <a:r>
+              <a:rPr lang="de-DE" dirty="0"/>
+              <a:t>. </a:t>
+            </a:r>
+          </a:p>
+        </p:txBody>
+      </p:sp>
     </p:spTree>
     <p:extLst>
       <p:ext uri="{BB962C8B-B14F-4D97-AF65-F5344CB8AC3E}">

--- a/Poster - Luisas Arbeitskopie, merge vermeiden.pptx
+++ b/Poster - Luisas Arbeitskopie, merge vermeiden.pptx
@@ -3451,6 +3451,62 @@
       </p:grpSpPr>
       <p:sp>
         <p:nvSpPr>
+          <p:cNvPr id="120" name="Rectangle: Rounded Corners 12">
+            <a:extLst>
+              <a:ext uri="{FF2B5EF4-FFF2-40B4-BE49-F238E27FC236}">
+                <a16:creationId xmlns:a16="http://schemas.microsoft.com/office/drawing/2014/main" id="{57E8C4AE-7046-62BB-D865-74CDE8A47503}"/>
+              </a:ext>
+            </a:extLst>
+          </p:cNvPr>
+          <p:cNvSpPr/>
+          <p:nvPr/>
+        </p:nvSpPr>
+        <p:spPr>
+          <a:xfrm>
+            <a:off x="619432" y="14005644"/>
+            <a:ext cx="29054323" cy="13032673"/>
+          </a:xfrm>
+          <a:prstGeom prst="roundRect">
+            <a:avLst>
+              <a:gd name="adj" fmla="val 1883"/>
+            </a:avLst>
+          </a:prstGeom>
+          <a:solidFill>
+            <a:schemeClr val="bg1"/>
+          </a:solidFill>
+          <a:ln w="254000">
+            <a:solidFill>
+              <a:srgbClr val="141F4C"/>
+            </a:solidFill>
+          </a:ln>
+        </p:spPr>
+        <p:style>
+          <a:lnRef idx="2">
+            <a:schemeClr val="accent1">
+              <a:shade val="15000"/>
+            </a:schemeClr>
+          </a:lnRef>
+          <a:fillRef idx="1">
+            <a:schemeClr val="accent1"/>
+          </a:fillRef>
+          <a:effectRef idx="0">
+            <a:schemeClr val="accent1"/>
+          </a:effectRef>
+          <a:fontRef idx="minor">
+            <a:schemeClr val="lt1"/>
+          </a:fontRef>
+        </p:style>
+        <p:txBody>
+          <a:bodyPr rtlCol="0" anchor="ctr"/>
+          <a:lstStyle/>
+          <a:p>
+            <a:pPr algn="ctr"/>
+            <a:endParaRPr lang="en-GB" noProof="0" dirty="0"/>
+          </a:p>
+        </p:txBody>
+      </p:sp>
+      <p:sp>
+        <p:nvSpPr>
           <p:cNvPr id="14" name="Rectangle: Rounded Corners 13">
             <a:extLst>
               <a:ext uri="{FF2B5EF4-FFF2-40B4-BE49-F238E27FC236}">
@@ -3502,9 +3558,10 @@
           <a:p>
             <a:pPr algn="ctr"/>
             <a:r>
-              <a:rPr lang="en-GB" noProof="0" dirty="0"/>
-              <a:t> </a:t>
-            </a:r>
+              <a:rPr lang="en-GB" noProof="0"/>
+              <a:t>https://media.discordapp.net/attachments/942220665635880990/1391120974107250830/image.png?ex=686abdde&amp;is=68696c5e&amp;hm=aba124b02f32de4a0951fec1e1f4ec30cc92823908418468efea0b60f3d38706&amp;=&amp;format=webp&amp;quality=lossless</a:t>
+            </a:r>
+            <a:endParaRPr lang="en-GB" noProof="0" dirty="0"/>
           </a:p>
         </p:txBody>
       </p:sp>
@@ -3763,62 +3820,6 @@
           <a:ln w="254000">
             <a:solidFill>
               <a:srgbClr val="413D59"/>
-            </a:solidFill>
-          </a:ln>
-        </p:spPr>
-        <p:style>
-          <a:lnRef idx="2">
-            <a:schemeClr val="accent1">
-              <a:shade val="15000"/>
-            </a:schemeClr>
-          </a:lnRef>
-          <a:fillRef idx="1">
-            <a:schemeClr val="accent1"/>
-          </a:fillRef>
-          <a:effectRef idx="0">
-            <a:schemeClr val="accent1"/>
-          </a:effectRef>
-          <a:fontRef idx="minor">
-            <a:schemeClr val="lt1"/>
-          </a:fontRef>
-        </p:style>
-        <p:txBody>
-          <a:bodyPr rtlCol="0" anchor="ctr"/>
-          <a:lstStyle/>
-          <a:p>
-            <a:pPr algn="ctr"/>
-            <a:endParaRPr lang="en-GB" noProof="0" dirty="0"/>
-          </a:p>
-        </p:txBody>
-      </p:sp>
-      <p:sp>
-        <p:nvSpPr>
-          <p:cNvPr id="13" name="Rectangle: Rounded Corners 12">
-            <a:extLst>
-              <a:ext uri="{FF2B5EF4-FFF2-40B4-BE49-F238E27FC236}">
-                <a16:creationId xmlns:a16="http://schemas.microsoft.com/office/drawing/2014/main" id="{DE457751-A963-D0CD-EC18-6A027C6507FC}"/>
-              </a:ext>
-            </a:extLst>
-          </p:cNvPr>
-          <p:cNvSpPr/>
-          <p:nvPr/>
-        </p:nvSpPr>
-        <p:spPr>
-          <a:xfrm>
-            <a:off x="568333" y="13949423"/>
-            <a:ext cx="29054323" cy="13032673"/>
-          </a:xfrm>
-          <a:prstGeom prst="roundRect">
-            <a:avLst>
-              <a:gd name="adj" fmla="val 1883"/>
-            </a:avLst>
-          </a:prstGeom>
-          <a:solidFill>
-            <a:schemeClr val="bg1"/>
-          </a:solidFill>
-          <a:ln w="254000">
-            <a:solidFill>
-              <a:srgbClr val="141F4C"/>
             </a:solidFill>
           </a:ln>
         </p:spPr>
@@ -5146,8 +5147,8 @@
         </p:nvGrpSpPr>
         <p:grpSpPr>
           <a:xfrm>
-            <a:off x="13453847" y="16210552"/>
-            <a:ext cx="15717156" cy="7731488"/>
+            <a:off x="13248700" y="11982917"/>
+            <a:ext cx="12030333" cy="5870080"/>
             <a:chOff x="11999198" y="16210552"/>
             <a:chExt cx="17171804" cy="8336937"/>
           </a:xfrm>
@@ -5895,8 +5896,12 @@
             <a:lstStyle/>
             <a:p>
               <a:r>
+                <a:rPr lang="en-GB" sz="2400" b="1" dirty="0"/>
+                <a:t>2</a:t>
+              </a:r>
+              <a:r>
                 <a:rPr lang="en-GB" sz="2400" b="1" noProof="0" dirty="0"/>
-                <a:t>1A</a:t>
+                <a:t>A</a:t>
               </a:r>
             </a:p>
           </p:txBody>
@@ -5931,7 +5936,7 @@
             <a:p>
               <a:r>
                 <a:rPr lang="en-GB" sz="2000" b="1" noProof="0" dirty="0"/>
-                <a:t>Fig. 1 </a:t>
+                <a:t>Fig. 2 </a:t>
               </a:r>
               <a:r>
                 <a:rPr lang="en-GB" sz="2000" noProof="0" dirty="0"/>
@@ -5956,7 +5961,15 @@
               </a:r>
               <a:r>
                 <a:rPr lang="en-GB" sz="2000" noProof="0" dirty="0"/>
-                <a:t>The protein DDX21_HUMAN is plotted. It is part of the selected proteins and shows a significant shift between RNASE and CTRL. </a:t>
+                <a:t>The protein DDX21_HUMAN is plotted. It is part of the selected proteins and shows a </a:t>
+              </a:r>
+              <a:r>
+                <a:rPr lang="en-GB" sz="2000" dirty="0"/>
+                <a:t>clear </a:t>
+              </a:r>
+              <a:r>
+                <a:rPr lang="en-GB" sz="2000" noProof="0" dirty="0"/>
+                <a:t>shift between RNASE and CTRL. </a:t>
               </a:r>
               <a:r>
                 <a:rPr lang="en-GB" sz="2000" b="1" noProof="0" dirty="0"/>
@@ -5972,7 +5985,15 @@
               </a:r>
               <a:r>
                 <a:rPr lang="en-GB" sz="2000" noProof="0" dirty="0"/>
-                <a:t>_HUMAN is plotted and shows no shift.</a:t>
+                <a:t>_HUMAN </a:t>
+              </a:r>
+              <a:r>
+                <a:rPr lang="en-GB" sz="2000" dirty="0"/>
+                <a:t>from the not selected proteins</a:t>
+              </a:r>
+              <a:r>
+                <a:rPr lang="en-GB" sz="2000" noProof="0" dirty="0"/>
+                <a:t> and no shift.</a:t>
               </a:r>
             </a:p>
           </p:txBody>
@@ -6780,12 +6801,1641 @@
           </a:p>
         </p:txBody>
       </p:sp>
+      <p:grpSp>
+        <p:nvGrpSpPr>
+          <p:cNvPr id="85" name="Gruppieren 84">
+            <a:extLst>
+              <a:ext uri="{FF2B5EF4-FFF2-40B4-BE49-F238E27FC236}">
+                <a16:creationId xmlns:a16="http://schemas.microsoft.com/office/drawing/2014/main" id="{707B83BC-C96B-0EF1-FDF0-90EA73B0ADBC}"/>
+              </a:ext>
+            </a:extLst>
+          </p:cNvPr>
+          <p:cNvGrpSpPr/>
+          <p:nvPr/>
+        </p:nvGrpSpPr>
+        <p:grpSpPr>
+          <a:xfrm>
+            <a:off x="1429593" y="16532598"/>
+            <a:ext cx="10082469" cy="9115045"/>
+            <a:chOff x="1429593" y="16532598"/>
+            <a:chExt cx="11250087" cy="10304184"/>
+          </a:xfrm>
+        </p:grpSpPr>
+        <p:sp>
+          <p:nvSpPr>
+            <p:cNvPr id="2" name="Textfeld 1">
+              <a:extLst>
+                <a:ext uri="{FF2B5EF4-FFF2-40B4-BE49-F238E27FC236}">
+                  <a16:creationId xmlns:a16="http://schemas.microsoft.com/office/drawing/2014/main" id="{002F6548-8D92-C755-018F-1E50DA196084}"/>
+                </a:ext>
+              </a:extLst>
+            </p:cNvPr>
+            <p:cNvSpPr txBox="1"/>
+            <p:nvPr/>
+          </p:nvSpPr>
+          <p:spPr>
+            <a:xfrm>
+              <a:off x="1429593" y="23666683"/>
+              <a:ext cx="11250087" cy="3170099"/>
+            </a:xfrm>
+            <a:prstGeom prst="rect">
+              <a:avLst/>
+            </a:prstGeom>
+            <a:noFill/>
+          </p:spPr>
+          <p:txBody>
+            <a:bodyPr wrap="square" rtlCol="0">
+              <a:spAutoFit/>
+            </a:bodyPr>
+            <a:lstStyle/>
+            <a:p>
+              <a:r>
+                <a:rPr lang="de-DE" sz="2000" b="1" dirty="0"/>
+                <a:t>Fig. 3 </a:t>
+              </a:r>
+              <a:r>
+                <a:rPr lang="de-DE" sz="2000" dirty="0" err="1"/>
+                <a:t>Criteria</a:t>
+              </a:r>
+              <a:r>
+                <a:rPr lang="de-DE" sz="2000" dirty="0"/>
+                <a:t> </a:t>
+              </a:r>
+              <a:r>
+                <a:rPr lang="de-DE" sz="2000" dirty="0" err="1"/>
+                <a:t>used</a:t>
+              </a:r>
+              <a:r>
+                <a:rPr lang="de-DE" sz="2000" dirty="0"/>
+                <a:t> </a:t>
+              </a:r>
+              <a:r>
+                <a:rPr lang="de-DE" sz="2000" dirty="0" err="1"/>
+                <a:t>to</a:t>
+              </a:r>
+              <a:r>
+                <a:rPr lang="de-DE" sz="2000" dirty="0"/>
+                <a:t> </a:t>
+              </a:r>
+              <a:r>
+                <a:rPr lang="de-DE" sz="2000" dirty="0" err="1"/>
+                <a:t>classify</a:t>
+              </a:r>
+              <a:r>
+                <a:rPr lang="de-DE" sz="2000" dirty="0"/>
+                <a:t> </a:t>
+              </a:r>
+              <a:r>
+                <a:rPr lang="de-DE" sz="2000" dirty="0" err="1"/>
+                <a:t>proteins</a:t>
+              </a:r>
+              <a:r>
+                <a:rPr lang="de-DE" sz="2000" dirty="0"/>
+                <a:t> </a:t>
+              </a:r>
+              <a:r>
+                <a:rPr lang="de-DE" sz="2000" dirty="0" err="1"/>
+                <a:t>as</a:t>
+              </a:r>
+              <a:r>
+                <a:rPr lang="de-DE" sz="2000" dirty="0"/>
+                <a:t> RNA-</a:t>
+              </a:r>
+              <a:r>
+                <a:rPr lang="de-DE" sz="2000" dirty="0" err="1"/>
+                <a:t>dependent</a:t>
+              </a:r>
+              <a:r>
+                <a:rPr lang="de-DE" sz="2000" dirty="0"/>
+                <a:t> (</a:t>
+              </a:r>
+              <a:r>
+                <a:rPr lang="de-DE" sz="2000" dirty="0" err="1"/>
+                <a:t>selected</a:t>
+              </a:r>
+              <a:r>
+                <a:rPr lang="de-DE" sz="2000" dirty="0"/>
+                <a:t>) </a:t>
+              </a:r>
+              <a:r>
+                <a:rPr lang="de-DE" sz="2000" dirty="0" err="1"/>
+                <a:t>or</a:t>
+              </a:r>
+              <a:r>
+                <a:rPr lang="de-DE" sz="2000" dirty="0"/>
+                <a:t> non-RNA-</a:t>
+              </a:r>
+              <a:r>
+                <a:rPr lang="de-DE" sz="2000" dirty="0" err="1"/>
+                <a:t>dependent</a:t>
+              </a:r>
+              <a:r>
+                <a:rPr lang="de-DE" sz="2000" dirty="0"/>
+                <a:t> (not </a:t>
+              </a:r>
+              <a:r>
+                <a:rPr lang="de-DE" sz="2000" dirty="0" err="1"/>
+                <a:t>selected</a:t>
+              </a:r>
+              <a:r>
+                <a:rPr lang="de-DE" sz="2000" dirty="0"/>
+                <a:t>)</a:t>
+              </a:r>
+            </a:p>
+            <a:p>
+              <a:endParaRPr lang="de-DE" sz="2000" dirty="0"/>
+            </a:p>
+            <a:p>
+              <a:r>
+                <a:rPr lang="en-US" sz="2000" b="1" dirty="0"/>
+                <a:t>Selected proteins</a:t>
+              </a:r>
+              <a:r>
+                <a:rPr lang="en-US" sz="2000" dirty="0"/>
+                <a:t> met one of the following conditions:</a:t>
+              </a:r>
+              <a:br>
+                <a:rPr lang="en-US" sz="2000" dirty="0"/>
+              </a:br>
+              <a:r>
+                <a:rPr lang="en-US" sz="2000" dirty="0"/>
+                <a:t>– A center of mass (COM) shift of ≥ 2 fractions (color: orange)</a:t>
+              </a:r>
+              <a:br>
+                <a:rPr lang="en-US" sz="2000" dirty="0"/>
+              </a:br>
+              <a:r>
+                <a:rPr lang="en-US" sz="2000" dirty="0"/>
+                <a:t>– No COM shift, but a main maximum shift of ≥ 3 fractions and a correlation value &lt; 0.7 between control (CTRL) and RNase samples (RNASE) (color: red)</a:t>
+              </a:r>
+            </a:p>
+            <a:p>
+              <a:r>
+                <a:rPr lang="en-US" sz="2000" b="1" dirty="0"/>
+                <a:t>Not selected proteins</a:t>
+              </a:r>
+              <a:r>
+                <a:rPr lang="en-US" sz="2000" dirty="0"/>
+                <a:t> met one of the following:</a:t>
+              </a:r>
+              <a:br>
+                <a:rPr lang="en-US" sz="2000" dirty="0"/>
+              </a:br>
+              <a:r>
+                <a:rPr lang="en-US" sz="2000" dirty="0"/>
+                <a:t>– No COM shift ≥ 2 fractions and no main maximum shift ≥ 3 fractions (color: purple)</a:t>
+              </a:r>
+              <a:br>
+                <a:rPr lang="en-US" sz="2000" dirty="0"/>
+              </a:br>
+              <a:r>
+                <a:rPr lang="en-US" sz="2000" dirty="0"/>
+                <a:t>– Or a main maximum shift with no COM shift, and a correlation value ≥ 0.7 between CTRL and RNASE (color: dark blue)</a:t>
+              </a:r>
+            </a:p>
+          </p:txBody>
+        </p:sp>
+        <p:pic>
+          <p:nvPicPr>
+            <p:cNvPr id="60" name="Grafik 59">
+              <a:extLst>
+                <a:ext uri="{FF2B5EF4-FFF2-40B4-BE49-F238E27FC236}">
+                  <a16:creationId xmlns:a16="http://schemas.microsoft.com/office/drawing/2014/main" id="{963F1382-0DBC-3FD8-6DA5-3D88F773039D}"/>
+                </a:ext>
+              </a:extLst>
+            </p:cNvPr>
+            <p:cNvPicPr>
+              <a:picLocks noChangeAspect="1"/>
+            </p:cNvPicPr>
+            <p:nvPr/>
+          </p:nvPicPr>
+          <p:blipFill>
+            <a:blip r:embed="rId24"/>
+            <a:stretch>
+              <a:fillRect/>
+            </a:stretch>
+          </p:blipFill>
+          <p:spPr>
+            <a:xfrm>
+              <a:off x="1568156" y="16621751"/>
+              <a:ext cx="8275902" cy="6698123"/>
+            </a:xfrm>
+            <a:prstGeom prst="rect">
+              <a:avLst/>
+            </a:prstGeom>
+          </p:spPr>
+        </p:pic>
+        <p:sp>
+          <p:nvSpPr>
+            <p:cNvPr id="61" name="Textfeld 60">
+              <a:extLst>
+                <a:ext uri="{FF2B5EF4-FFF2-40B4-BE49-F238E27FC236}">
+                  <a16:creationId xmlns:a16="http://schemas.microsoft.com/office/drawing/2014/main" id="{01896766-33B8-1218-665C-8402047C5AE2}"/>
+                </a:ext>
+              </a:extLst>
+            </p:cNvPr>
+            <p:cNvSpPr txBox="1"/>
+            <p:nvPr/>
+          </p:nvSpPr>
+          <p:spPr>
+            <a:xfrm>
+              <a:off x="2640338" y="16532598"/>
+              <a:ext cx="560060" cy="461665"/>
+            </a:xfrm>
+            <a:prstGeom prst="rect">
+              <a:avLst/>
+            </a:prstGeom>
+            <a:noFill/>
+          </p:spPr>
+          <p:txBody>
+            <a:bodyPr wrap="square" rtlCol="0">
+              <a:spAutoFit/>
+            </a:bodyPr>
+            <a:lstStyle/>
+            <a:p>
+              <a:r>
+                <a:rPr lang="de-DE" sz="2400" b="1" dirty="0"/>
+                <a:t>3</a:t>
+              </a:r>
+            </a:p>
+          </p:txBody>
+        </p:sp>
+      </p:grpSp>
+      <p:grpSp>
+        <p:nvGrpSpPr>
+          <p:cNvPr id="111" name="Gruppieren 110">
+            <a:extLst>
+              <a:ext uri="{FF2B5EF4-FFF2-40B4-BE49-F238E27FC236}">
+                <a16:creationId xmlns:a16="http://schemas.microsoft.com/office/drawing/2014/main" id="{9C9CBD95-5602-5446-4D28-C330E2CDC2E5}"/>
+              </a:ext>
+            </a:extLst>
+          </p:cNvPr>
+          <p:cNvGrpSpPr/>
+          <p:nvPr/>
+        </p:nvGrpSpPr>
+        <p:grpSpPr>
+          <a:xfrm>
+            <a:off x="15792737" y="19237043"/>
+            <a:ext cx="11502103" cy="7126596"/>
+            <a:chOff x="15792737" y="19237043"/>
+            <a:chExt cx="11502103" cy="7126596"/>
+          </a:xfrm>
+        </p:grpSpPr>
+        <p:grpSp>
+          <p:nvGrpSpPr>
+            <p:cNvPr id="107" name="Gruppieren 106">
+              <a:extLst>
+                <a:ext uri="{FF2B5EF4-FFF2-40B4-BE49-F238E27FC236}">
+                  <a16:creationId xmlns:a16="http://schemas.microsoft.com/office/drawing/2014/main" id="{23C62F07-7DE6-4BE2-833A-3997C63B4C72}"/>
+                </a:ext>
+              </a:extLst>
+            </p:cNvPr>
+            <p:cNvGrpSpPr/>
+            <p:nvPr/>
+          </p:nvGrpSpPr>
+          <p:grpSpPr>
+            <a:xfrm>
+              <a:off x="15792737" y="19237043"/>
+              <a:ext cx="11502103" cy="7126596"/>
+              <a:chOff x="15792737" y="19622701"/>
+              <a:chExt cx="11502103" cy="7126596"/>
+            </a:xfrm>
+          </p:grpSpPr>
+          <p:grpSp>
+            <p:nvGrpSpPr>
+              <p:cNvPr id="58" name="Gruppieren 57">
+                <a:extLst>
+                  <a:ext uri="{FF2B5EF4-FFF2-40B4-BE49-F238E27FC236}">
+                    <a16:creationId xmlns:a16="http://schemas.microsoft.com/office/drawing/2014/main" id="{C9DAA528-66BB-4FAA-43DD-8EB3808217E5}"/>
+                  </a:ext>
+                </a:extLst>
+              </p:cNvPr>
+              <p:cNvGrpSpPr/>
+              <p:nvPr/>
+            </p:nvGrpSpPr>
+            <p:grpSpPr>
+              <a:xfrm>
+                <a:off x="15792737" y="19648112"/>
+                <a:ext cx="11502103" cy="7101185"/>
+                <a:chOff x="11739278" y="20640668"/>
+                <a:chExt cx="11094443" cy="7101185"/>
+              </a:xfrm>
+            </p:grpSpPr>
+            <p:sp>
+              <p:nvSpPr>
+                <p:cNvPr id="16" name="Textfeld 15">
+                  <a:extLst>
+                    <a:ext uri="{FF2B5EF4-FFF2-40B4-BE49-F238E27FC236}">
+                      <a16:creationId xmlns:a16="http://schemas.microsoft.com/office/drawing/2014/main" id="{447642A8-D5C5-97E6-FC45-3440DC69F80C}"/>
+                    </a:ext>
+                  </a:extLst>
+                </p:cNvPr>
+                <p:cNvSpPr txBox="1"/>
+                <p:nvPr/>
+              </p:nvSpPr>
+              <p:spPr>
+                <a:xfrm>
+                  <a:off x="11739278" y="25433529"/>
+                  <a:ext cx="11094443" cy="2308324"/>
+                </a:xfrm>
+                <a:prstGeom prst="rect">
+                  <a:avLst/>
+                </a:prstGeom>
+                <a:noFill/>
+              </p:spPr>
+              <p:txBody>
+                <a:bodyPr wrap="square" rtlCol="0">
+                  <a:spAutoFit/>
+                </a:bodyPr>
+                <a:lstStyle/>
+                <a:p>
+                  <a:r>
+                    <a:rPr lang="de-DE" b="1" dirty="0"/>
+                    <a:t>Fig 4 </a:t>
+                  </a:r>
+                  <a:r>
+                    <a:rPr lang="de-DE" dirty="0" err="1"/>
+                    <a:t>Scatter</a:t>
+                  </a:r>
+                  <a:r>
+                    <a:rPr lang="de-DE" dirty="0"/>
+                    <a:t> Plots </a:t>
+                  </a:r>
+                  <a:r>
+                    <a:rPr lang="de-DE" dirty="0" err="1"/>
+                    <a:t>showing</a:t>
+                  </a:r>
+                  <a:r>
+                    <a:rPr lang="de-DE" dirty="0"/>
+                    <a:t> </a:t>
+                  </a:r>
+                  <a:r>
+                    <a:rPr lang="de-DE" dirty="0" err="1"/>
+                    <a:t>altered</a:t>
+                  </a:r>
+                  <a:r>
+                    <a:rPr lang="de-DE" dirty="0"/>
+                    <a:t> </a:t>
+                  </a:r>
+                  <a:r>
+                    <a:rPr lang="de-DE" dirty="0" err="1"/>
+                    <a:t>locations</a:t>
+                  </a:r>
+                  <a:r>
+                    <a:rPr lang="de-DE" dirty="0"/>
+                    <a:t> </a:t>
+                  </a:r>
+                  <a:r>
+                    <a:rPr lang="de-DE" dirty="0" err="1"/>
+                    <a:t>for</a:t>
+                  </a:r>
+                  <a:r>
+                    <a:rPr lang="de-DE" dirty="0"/>
+                    <a:t> </a:t>
+                  </a:r>
+                  <a:r>
+                    <a:rPr lang="de-DE" dirty="0" err="1"/>
+                    <a:t>the</a:t>
+                  </a:r>
+                  <a:r>
+                    <a:rPr lang="de-DE" dirty="0"/>
+                    <a:t> </a:t>
+                  </a:r>
+                  <a:r>
+                    <a:rPr lang="de-DE" dirty="0" err="1"/>
+                    <a:t>center</a:t>
+                  </a:r>
+                  <a:r>
+                    <a:rPr lang="de-DE" dirty="0"/>
+                    <a:t> </a:t>
+                  </a:r>
+                  <a:r>
+                    <a:rPr lang="de-DE" dirty="0" err="1"/>
+                    <a:t>of</a:t>
+                  </a:r>
+                  <a:r>
+                    <a:rPr lang="de-DE" dirty="0"/>
+                    <a:t> </a:t>
+                  </a:r>
+                  <a:r>
+                    <a:rPr lang="de-DE" dirty="0" err="1"/>
+                    <a:t>mass</a:t>
+                  </a:r>
+                  <a:r>
+                    <a:rPr lang="de-DE" dirty="0"/>
+                    <a:t> (COM) </a:t>
+                  </a:r>
+                  <a:r>
+                    <a:rPr lang="de-DE" dirty="0" err="1"/>
+                    <a:t>values</a:t>
+                  </a:r>
+                  <a:r>
+                    <a:rPr lang="de-DE" dirty="0"/>
+                    <a:t> </a:t>
+                  </a:r>
+                  <a:r>
+                    <a:rPr lang="de-DE" dirty="0" err="1"/>
+                    <a:t>between</a:t>
+                  </a:r>
+                  <a:r>
+                    <a:rPr lang="de-DE" dirty="0"/>
+                    <a:t> </a:t>
+                  </a:r>
+                  <a:r>
+                    <a:rPr lang="de-DE" dirty="0" err="1"/>
+                    <a:t>control</a:t>
+                  </a:r>
+                  <a:r>
+                    <a:rPr lang="de-DE" dirty="0"/>
+                    <a:t> and </a:t>
+                  </a:r>
+                  <a:r>
+                    <a:rPr lang="de-DE" dirty="0" err="1"/>
+                    <a:t>rnase</a:t>
+                  </a:r>
+                  <a:r>
+                    <a:rPr lang="de-DE" dirty="0"/>
+                    <a:t> </a:t>
+                  </a:r>
+                  <a:r>
+                    <a:rPr lang="de-DE" dirty="0" err="1"/>
+                    <a:t>for</a:t>
+                  </a:r>
+                  <a:r>
+                    <a:rPr lang="de-DE" dirty="0"/>
+                    <a:t> </a:t>
+                  </a:r>
+                  <a:r>
+                    <a:rPr lang="de-DE" dirty="0" err="1"/>
+                    <a:t>the</a:t>
+                  </a:r>
+                  <a:r>
+                    <a:rPr lang="de-DE" dirty="0"/>
+                    <a:t> </a:t>
+                  </a:r>
+                  <a:r>
+                    <a:rPr lang="de-DE" dirty="0" err="1"/>
+                    <a:t>selected</a:t>
+                  </a:r>
+                  <a:r>
+                    <a:rPr lang="de-DE" dirty="0"/>
+                    <a:t> and not </a:t>
+                  </a:r>
+                  <a:r>
+                    <a:rPr lang="de-DE" dirty="0" err="1"/>
+                    <a:t>selected</a:t>
+                  </a:r>
+                  <a:r>
+                    <a:rPr lang="de-DE" dirty="0"/>
+                    <a:t> </a:t>
+                  </a:r>
+                  <a:r>
+                    <a:rPr lang="de-DE" dirty="0" err="1"/>
+                    <a:t>proteins</a:t>
+                  </a:r>
+                  <a:endParaRPr lang="de-DE" dirty="0"/>
+                </a:p>
+                <a:p>
+                  <a:endParaRPr lang="de-DE" dirty="0"/>
+                </a:p>
+                <a:p>
+                  <a:r>
+                    <a:rPr lang="de-DE" dirty="0" err="1"/>
+                    <a:t>Each</a:t>
+                  </a:r>
+                  <a:r>
+                    <a:rPr lang="de-DE" dirty="0"/>
+                    <a:t> </a:t>
+                  </a:r>
+                  <a:r>
+                    <a:rPr lang="de-DE" dirty="0" err="1"/>
+                    <a:t>dot</a:t>
+                  </a:r>
+                  <a:r>
+                    <a:rPr lang="de-DE" dirty="0"/>
+                    <a:t> </a:t>
+                  </a:r>
+                  <a:r>
+                    <a:rPr lang="de-DE" dirty="0" err="1"/>
+                    <a:t>represents</a:t>
+                  </a:r>
+                  <a:r>
+                    <a:rPr lang="de-DE" dirty="0"/>
+                    <a:t> a </a:t>
+                  </a:r>
+                  <a:r>
+                    <a:rPr lang="de-DE" dirty="0" err="1"/>
+                    <a:t>protein</a:t>
+                  </a:r>
+                  <a:r>
+                    <a:rPr lang="de-DE" dirty="0"/>
+                    <a:t>. </a:t>
+                  </a:r>
+                  <a:r>
+                    <a:rPr lang="de-DE" b="1" dirty="0"/>
+                    <a:t>A) </a:t>
+                  </a:r>
+                  <a:r>
+                    <a:rPr lang="de-DE" dirty="0" err="1"/>
+                    <a:t>Scatter</a:t>
+                  </a:r>
+                  <a:r>
+                    <a:rPr lang="de-DE" dirty="0"/>
+                    <a:t> </a:t>
+                  </a:r>
+                  <a:r>
+                    <a:rPr lang="de-DE" dirty="0" err="1"/>
+                    <a:t>plot</a:t>
+                  </a:r>
+                  <a:r>
+                    <a:rPr lang="de-DE" dirty="0"/>
+                    <a:t> </a:t>
+                  </a:r>
+                  <a:r>
+                    <a:rPr lang="de-DE" dirty="0" err="1"/>
+                    <a:t>for</a:t>
+                  </a:r>
+                  <a:r>
+                    <a:rPr lang="de-DE" dirty="0"/>
+                    <a:t> </a:t>
+                  </a:r>
+                  <a:r>
+                    <a:rPr lang="de-DE" dirty="0" err="1"/>
+                    <a:t>the</a:t>
+                  </a:r>
+                  <a:r>
+                    <a:rPr lang="de-DE" dirty="0"/>
+                    <a:t> </a:t>
+                  </a:r>
+                  <a:r>
+                    <a:rPr lang="de-DE" dirty="0" err="1"/>
+                    <a:t>selected</a:t>
+                  </a:r>
+                  <a:r>
+                    <a:rPr lang="de-DE" dirty="0"/>
+                    <a:t> </a:t>
+                  </a:r>
+                  <a:r>
+                    <a:rPr lang="de-DE" dirty="0" err="1"/>
+                    <a:t>proteins</a:t>
+                  </a:r>
+                  <a:r>
+                    <a:rPr lang="de-DE" dirty="0"/>
+                    <a:t>. The COM </a:t>
+                  </a:r>
+                  <a:r>
+                    <a:rPr lang="de-DE" dirty="0" err="1"/>
+                    <a:t>values</a:t>
+                  </a:r>
+                  <a:r>
+                    <a:rPr lang="de-DE" dirty="0"/>
+                    <a:t> </a:t>
+                  </a:r>
+                  <a:r>
+                    <a:rPr lang="de-DE" dirty="0" err="1"/>
+                    <a:t>for</a:t>
+                  </a:r>
+                  <a:r>
+                    <a:rPr lang="de-DE" dirty="0"/>
+                    <a:t> </a:t>
+                  </a:r>
+                  <a:r>
+                    <a:rPr lang="de-DE" dirty="0" err="1"/>
+                    <a:t>the</a:t>
+                  </a:r>
+                  <a:r>
+                    <a:rPr lang="de-DE" dirty="0"/>
+                    <a:t> </a:t>
+                  </a:r>
+                  <a:r>
+                    <a:rPr lang="de-DE" dirty="0" err="1"/>
+                    <a:t>protein</a:t>
+                  </a:r>
+                  <a:r>
+                    <a:rPr lang="de-DE" dirty="0"/>
+                    <a:t> in </a:t>
+                  </a:r>
+                  <a:r>
+                    <a:rPr lang="de-DE" dirty="0" err="1"/>
+                    <a:t>the</a:t>
+                  </a:r>
+                  <a:r>
+                    <a:rPr lang="de-DE" dirty="0"/>
+                    <a:t> </a:t>
+                  </a:r>
+                  <a:r>
+                    <a:rPr lang="de-DE" dirty="0" err="1"/>
+                    <a:t>control</a:t>
+                  </a:r>
+                  <a:r>
+                    <a:rPr lang="de-DE" dirty="0"/>
+                    <a:t> </a:t>
+                  </a:r>
+                  <a:r>
+                    <a:rPr lang="de-DE" dirty="0" err="1"/>
+                    <a:t>distributions</a:t>
+                  </a:r>
+                  <a:r>
+                    <a:rPr lang="de-DE" dirty="0"/>
+                    <a:t> </a:t>
+                  </a:r>
+                  <a:r>
+                    <a:rPr lang="de-DE" dirty="0" err="1"/>
+                    <a:t>are</a:t>
+                  </a:r>
+                  <a:r>
+                    <a:rPr lang="de-DE" dirty="0"/>
+                    <a:t> on </a:t>
+                  </a:r>
+                  <a:r>
+                    <a:rPr lang="de-DE" dirty="0" err="1"/>
+                    <a:t>the</a:t>
+                  </a:r>
+                  <a:r>
+                    <a:rPr lang="de-DE" dirty="0"/>
+                    <a:t> x-</a:t>
+                  </a:r>
+                  <a:r>
+                    <a:rPr lang="de-DE" dirty="0" err="1"/>
+                    <a:t>axis</a:t>
+                  </a:r>
+                  <a:r>
+                    <a:rPr lang="de-DE" dirty="0"/>
+                    <a:t>, </a:t>
+                  </a:r>
+                  <a:r>
+                    <a:rPr lang="de-DE" dirty="0" err="1"/>
+                    <a:t>those</a:t>
+                  </a:r>
+                  <a:r>
+                    <a:rPr lang="de-DE" dirty="0"/>
+                    <a:t> </a:t>
+                  </a:r>
+                  <a:r>
+                    <a:rPr lang="de-DE" dirty="0" err="1"/>
+                    <a:t>for</a:t>
+                  </a:r>
+                  <a:r>
+                    <a:rPr lang="de-DE" dirty="0"/>
+                    <a:t> </a:t>
+                  </a:r>
+                  <a:r>
+                    <a:rPr lang="de-DE" dirty="0" err="1"/>
+                    <a:t>the</a:t>
+                  </a:r>
+                  <a:r>
+                    <a:rPr lang="de-DE" dirty="0"/>
+                    <a:t> </a:t>
+                  </a:r>
+                  <a:r>
+                    <a:rPr lang="de-DE" dirty="0" err="1"/>
+                    <a:t>rnase</a:t>
+                  </a:r>
+                  <a:r>
+                    <a:rPr lang="de-DE" dirty="0"/>
+                    <a:t> </a:t>
+                  </a:r>
+                  <a:r>
+                    <a:rPr lang="de-DE" dirty="0" err="1"/>
+                    <a:t>distributions</a:t>
+                  </a:r>
+                  <a:r>
+                    <a:rPr lang="de-DE" dirty="0"/>
+                    <a:t> </a:t>
+                  </a:r>
+                  <a:r>
+                    <a:rPr lang="de-DE" dirty="0" err="1"/>
+                    <a:t>are</a:t>
+                  </a:r>
+                  <a:r>
+                    <a:rPr lang="de-DE" dirty="0"/>
+                    <a:t> on </a:t>
+                  </a:r>
+                  <a:r>
+                    <a:rPr lang="de-DE" dirty="0" err="1"/>
+                    <a:t>the</a:t>
+                  </a:r>
+                  <a:r>
+                    <a:rPr lang="de-DE" dirty="0"/>
+                    <a:t> y-</a:t>
+                  </a:r>
+                  <a:r>
+                    <a:rPr lang="de-DE" dirty="0" err="1"/>
+                    <a:t>axis</a:t>
+                  </a:r>
+                  <a:r>
+                    <a:rPr lang="de-DE" dirty="0"/>
+                    <a:t>. The </a:t>
+                  </a:r>
+                  <a:r>
+                    <a:rPr lang="de-DE" dirty="0" err="1"/>
+                    <a:t>colors</a:t>
+                  </a:r>
+                  <a:r>
+                    <a:rPr lang="de-DE" dirty="0"/>
+                    <a:t> </a:t>
+                  </a:r>
+                  <a:r>
+                    <a:rPr lang="de-DE" dirty="0" err="1"/>
+                    <a:t>are</a:t>
+                  </a:r>
+                  <a:r>
+                    <a:rPr lang="de-DE" dirty="0"/>
+                    <a:t> </a:t>
+                  </a:r>
+                  <a:r>
+                    <a:rPr lang="de-DE" dirty="0" err="1"/>
+                    <a:t>the</a:t>
+                  </a:r>
+                  <a:r>
+                    <a:rPr lang="de-DE" dirty="0"/>
+                    <a:t> same </a:t>
+                  </a:r>
+                  <a:r>
+                    <a:rPr lang="de-DE" dirty="0" err="1"/>
+                    <a:t>as</a:t>
+                  </a:r>
+                  <a:r>
+                    <a:rPr lang="de-DE" dirty="0"/>
+                    <a:t> in Fig 3, and </a:t>
+                  </a:r>
+                  <a:r>
+                    <a:rPr lang="de-DE" dirty="0" err="1"/>
+                    <a:t>describe</a:t>
+                  </a:r>
+                  <a:r>
+                    <a:rPr lang="de-DE" dirty="0"/>
+                    <a:t> </a:t>
+                  </a:r>
+                  <a:r>
+                    <a:rPr lang="de-DE" dirty="0" err="1"/>
+                    <a:t>the</a:t>
+                  </a:r>
+                  <a:r>
+                    <a:rPr lang="de-DE" dirty="0"/>
+                    <a:t> </a:t>
+                  </a:r>
+                  <a:r>
+                    <a:rPr lang="de-DE" dirty="0" err="1"/>
+                    <a:t>substes</a:t>
+                  </a:r>
+                  <a:r>
+                    <a:rPr lang="de-DE" dirty="0"/>
+                    <a:t> </a:t>
+                  </a:r>
+                  <a:r>
+                    <a:rPr lang="de-DE" dirty="0" err="1"/>
+                    <a:t>of</a:t>
+                  </a:r>
+                  <a:r>
+                    <a:rPr lang="de-DE" dirty="0"/>
+                    <a:t> </a:t>
+                  </a:r>
+                  <a:r>
+                    <a:rPr lang="de-DE" dirty="0" err="1"/>
+                    <a:t>the</a:t>
+                  </a:r>
+                  <a:r>
+                    <a:rPr lang="de-DE" dirty="0"/>
+                    <a:t> </a:t>
+                  </a:r>
+                  <a:r>
+                    <a:rPr lang="de-DE" dirty="0" err="1"/>
+                    <a:t>selected</a:t>
+                  </a:r>
+                  <a:r>
+                    <a:rPr lang="de-DE" dirty="0"/>
+                    <a:t> </a:t>
+                  </a:r>
+                  <a:r>
+                    <a:rPr lang="de-DE" dirty="0" err="1"/>
+                    <a:t>proteins</a:t>
+                  </a:r>
+                  <a:r>
+                    <a:rPr lang="de-DE" dirty="0"/>
+                    <a:t>. </a:t>
+                  </a:r>
+                  <a:r>
+                    <a:rPr lang="de-DE" b="1" dirty="0"/>
+                    <a:t>B) </a:t>
+                  </a:r>
+                  <a:r>
+                    <a:rPr lang="de-DE" dirty="0" err="1"/>
+                    <a:t>Scatter</a:t>
+                  </a:r>
+                  <a:r>
+                    <a:rPr lang="de-DE" dirty="0"/>
+                    <a:t> </a:t>
+                  </a:r>
+                  <a:r>
+                    <a:rPr lang="de-DE" dirty="0" err="1"/>
+                    <a:t>plot</a:t>
+                  </a:r>
+                  <a:r>
+                    <a:rPr lang="de-DE" dirty="0"/>
+                    <a:t> </a:t>
+                  </a:r>
+                  <a:r>
+                    <a:rPr lang="de-DE" dirty="0" err="1"/>
+                    <a:t>for</a:t>
+                  </a:r>
+                  <a:r>
+                    <a:rPr lang="de-DE" dirty="0"/>
+                    <a:t> </a:t>
+                  </a:r>
+                  <a:r>
+                    <a:rPr lang="de-DE" dirty="0" err="1"/>
+                    <a:t>the</a:t>
+                  </a:r>
+                  <a:r>
+                    <a:rPr lang="de-DE" dirty="0"/>
+                    <a:t> not </a:t>
+                  </a:r>
+                  <a:r>
+                    <a:rPr lang="de-DE" dirty="0" err="1"/>
+                    <a:t>selected</a:t>
+                  </a:r>
+                  <a:r>
+                    <a:rPr lang="de-DE" dirty="0"/>
+                    <a:t> </a:t>
+                  </a:r>
+                  <a:r>
+                    <a:rPr lang="de-DE" dirty="0" err="1"/>
+                    <a:t>proteins</a:t>
+                  </a:r>
+                  <a:r>
+                    <a:rPr lang="de-DE" dirty="0"/>
+                    <a:t>. The COM </a:t>
+                  </a:r>
+                  <a:r>
+                    <a:rPr lang="de-DE" dirty="0" err="1"/>
+                    <a:t>values</a:t>
+                  </a:r>
+                  <a:r>
+                    <a:rPr lang="de-DE" dirty="0"/>
+                    <a:t> </a:t>
+                  </a:r>
+                  <a:r>
+                    <a:rPr lang="de-DE" dirty="0" err="1"/>
+                    <a:t>for</a:t>
+                  </a:r>
+                  <a:r>
+                    <a:rPr lang="de-DE" dirty="0"/>
+                    <a:t> </a:t>
+                  </a:r>
+                  <a:r>
+                    <a:rPr lang="de-DE" dirty="0" err="1"/>
+                    <a:t>the</a:t>
+                  </a:r>
+                  <a:r>
+                    <a:rPr lang="de-DE" dirty="0"/>
+                    <a:t> </a:t>
+                  </a:r>
+                  <a:r>
+                    <a:rPr lang="de-DE" dirty="0" err="1"/>
+                    <a:t>proteins</a:t>
+                  </a:r>
+                  <a:r>
+                    <a:rPr lang="de-DE" dirty="0"/>
+                    <a:t> in </a:t>
+                  </a:r>
+                  <a:r>
+                    <a:rPr lang="de-DE" dirty="0" err="1"/>
+                    <a:t>the</a:t>
+                  </a:r>
+                  <a:r>
+                    <a:rPr lang="de-DE" dirty="0"/>
+                    <a:t> </a:t>
+                  </a:r>
+                  <a:r>
+                    <a:rPr lang="de-DE" dirty="0" err="1"/>
+                    <a:t>control</a:t>
+                  </a:r>
+                  <a:r>
+                    <a:rPr lang="de-DE" dirty="0"/>
+                    <a:t> </a:t>
+                  </a:r>
+                  <a:r>
+                    <a:rPr lang="de-DE" dirty="0" err="1"/>
+                    <a:t>distributions</a:t>
+                  </a:r>
+                  <a:r>
+                    <a:rPr lang="de-DE" dirty="0"/>
+                    <a:t> </a:t>
+                  </a:r>
+                  <a:r>
+                    <a:rPr lang="de-DE" dirty="0" err="1"/>
+                    <a:t>are</a:t>
+                  </a:r>
+                  <a:r>
+                    <a:rPr lang="de-DE" dirty="0"/>
+                    <a:t> on </a:t>
+                  </a:r>
+                  <a:r>
+                    <a:rPr lang="de-DE" dirty="0" err="1"/>
+                    <a:t>the</a:t>
+                  </a:r>
+                  <a:r>
+                    <a:rPr lang="de-DE" dirty="0"/>
+                    <a:t> x-</a:t>
+                  </a:r>
+                  <a:r>
+                    <a:rPr lang="de-DE" dirty="0" err="1"/>
+                    <a:t>axis</a:t>
+                  </a:r>
+                  <a:r>
+                    <a:rPr lang="de-DE" dirty="0"/>
+                    <a:t>, </a:t>
+                  </a:r>
+                  <a:r>
+                    <a:rPr lang="de-DE" dirty="0" err="1"/>
+                    <a:t>those</a:t>
+                  </a:r>
+                  <a:r>
+                    <a:rPr lang="de-DE" dirty="0"/>
+                    <a:t> </a:t>
+                  </a:r>
+                  <a:r>
+                    <a:rPr lang="de-DE" dirty="0" err="1"/>
+                    <a:t>for</a:t>
+                  </a:r>
+                  <a:r>
+                    <a:rPr lang="de-DE" dirty="0"/>
+                    <a:t> </a:t>
+                  </a:r>
+                  <a:r>
+                    <a:rPr lang="de-DE" dirty="0" err="1"/>
+                    <a:t>the</a:t>
+                  </a:r>
+                  <a:r>
+                    <a:rPr lang="de-DE" dirty="0"/>
+                    <a:t> </a:t>
+                  </a:r>
+                  <a:r>
+                    <a:rPr lang="de-DE" dirty="0" err="1"/>
+                    <a:t>rnase</a:t>
+                  </a:r>
+                  <a:r>
+                    <a:rPr lang="de-DE" dirty="0"/>
+                    <a:t> </a:t>
+                  </a:r>
+                  <a:r>
+                    <a:rPr lang="de-DE" dirty="0" err="1"/>
+                    <a:t>distributions</a:t>
+                  </a:r>
+                  <a:r>
+                    <a:rPr lang="de-DE" dirty="0"/>
+                    <a:t> </a:t>
+                  </a:r>
+                  <a:r>
+                    <a:rPr lang="de-DE" dirty="0" err="1"/>
+                    <a:t>are</a:t>
+                  </a:r>
+                  <a:r>
+                    <a:rPr lang="de-DE" dirty="0"/>
+                    <a:t> on </a:t>
+                  </a:r>
+                  <a:r>
+                    <a:rPr lang="de-DE" dirty="0" err="1"/>
+                    <a:t>the</a:t>
+                  </a:r>
+                  <a:r>
+                    <a:rPr lang="de-DE" dirty="0"/>
+                    <a:t> y-</a:t>
+                  </a:r>
+                  <a:r>
+                    <a:rPr lang="de-DE" dirty="0" err="1"/>
+                    <a:t>axis</a:t>
+                  </a:r>
+                  <a:r>
+                    <a:rPr lang="de-DE" dirty="0"/>
+                    <a:t>. The </a:t>
+                  </a:r>
+                  <a:r>
+                    <a:rPr lang="de-DE" dirty="0" err="1"/>
+                    <a:t>colors</a:t>
+                  </a:r>
+                  <a:r>
+                    <a:rPr lang="de-DE" dirty="0"/>
+                    <a:t> </a:t>
+                  </a:r>
+                  <a:r>
+                    <a:rPr lang="de-DE" dirty="0" err="1"/>
+                    <a:t>are</a:t>
+                  </a:r>
+                  <a:r>
+                    <a:rPr lang="de-DE" dirty="0"/>
+                    <a:t> </a:t>
+                  </a:r>
+                  <a:r>
+                    <a:rPr lang="de-DE" dirty="0" err="1"/>
+                    <a:t>the</a:t>
+                  </a:r>
+                  <a:r>
+                    <a:rPr lang="de-DE" dirty="0"/>
+                    <a:t> same </a:t>
+                  </a:r>
+                  <a:r>
+                    <a:rPr lang="de-DE" dirty="0" err="1"/>
+                    <a:t>as</a:t>
+                  </a:r>
+                  <a:r>
+                    <a:rPr lang="de-DE" dirty="0"/>
+                    <a:t> in Fig 3 and </a:t>
+                  </a:r>
+                  <a:r>
+                    <a:rPr lang="de-DE" dirty="0" err="1"/>
+                    <a:t>describe</a:t>
+                  </a:r>
+                  <a:r>
+                    <a:rPr lang="de-DE" dirty="0"/>
+                    <a:t> </a:t>
+                  </a:r>
+                  <a:r>
+                    <a:rPr lang="de-DE" dirty="0" err="1"/>
+                    <a:t>the</a:t>
+                  </a:r>
+                  <a:r>
+                    <a:rPr lang="de-DE" dirty="0"/>
+                    <a:t> </a:t>
+                  </a:r>
+                  <a:r>
+                    <a:rPr lang="de-DE" dirty="0" err="1"/>
+                    <a:t>subsets</a:t>
+                  </a:r>
+                  <a:r>
+                    <a:rPr lang="de-DE" dirty="0"/>
+                    <a:t> </a:t>
+                  </a:r>
+                  <a:r>
+                    <a:rPr lang="de-DE" dirty="0" err="1"/>
+                    <a:t>of</a:t>
+                  </a:r>
+                  <a:r>
+                    <a:rPr lang="de-DE" dirty="0"/>
+                    <a:t> </a:t>
+                  </a:r>
+                  <a:r>
+                    <a:rPr lang="de-DE" dirty="0" err="1"/>
+                    <a:t>the</a:t>
+                  </a:r>
+                  <a:r>
+                    <a:rPr lang="de-DE" dirty="0"/>
+                    <a:t> not </a:t>
+                  </a:r>
+                  <a:r>
+                    <a:rPr lang="de-DE" dirty="0" err="1"/>
+                    <a:t>selected</a:t>
+                  </a:r>
+                  <a:r>
+                    <a:rPr lang="de-DE" dirty="0"/>
+                    <a:t> </a:t>
+                  </a:r>
+                  <a:r>
+                    <a:rPr lang="de-DE" dirty="0" err="1"/>
+                    <a:t>proteins</a:t>
+                  </a:r>
+                  <a:r>
+                    <a:rPr lang="de-DE" dirty="0"/>
+                    <a:t>.</a:t>
+                  </a:r>
+                </a:p>
+              </p:txBody>
+            </p:sp>
+            <p:pic>
+              <p:nvPicPr>
+                <p:cNvPr id="3" name="Grafik 2">
+                  <a:extLst>
+                    <a:ext uri="{FF2B5EF4-FFF2-40B4-BE49-F238E27FC236}">
+                      <a16:creationId xmlns:a16="http://schemas.microsoft.com/office/drawing/2014/main" id="{E350437B-ED1C-6C1F-B7B5-D62894857DEB}"/>
+                    </a:ext>
+                  </a:extLst>
+                </p:cNvPr>
+                <p:cNvPicPr>
+                  <a:picLocks noChangeAspect="1"/>
+                </p:cNvPicPr>
+                <p:nvPr/>
+              </p:nvPicPr>
+              <p:blipFill>
+                <a:blip r:embed="rId25"/>
+                <a:stretch>
+                  <a:fillRect/>
+                </a:stretch>
+              </p:blipFill>
+              <p:spPr>
+                <a:xfrm>
+                  <a:off x="12223018" y="21360021"/>
+                  <a:ext cx="7429500" cy="3581400"/>
+                </a:xfrm>
+                <a:prstGeom prst="rect">
+                  <a:avLst/>
+                </a:prstGeom>
+              </p:spPr>
+            </p:pic>
+            <p:sp>
+              <p:nvSpPr>
+                <p:cNvPr id="13" name="Textfeld 12">
+                  <a:extLst>
+                    <a:ext uri="{FF2B5EF4-FFF2-40B4-BE49-F238E27FC236}">
+                      <a16:creationId xmlns:a16="http://schemas.microsoft.com/office/drawing/2014/main" id="{F73536A9-0711-76AB-2150-D8D633ED16E4}"/>
+                    </a:ext>
+                  </a:extLst>
+                </p:cNvPr>
+                <p:cNvSpPr txBox="1"/>
+                <p:nvPr/>
+              </p:nvSpPr>
+              <p:spPr>
+                <a:xfrm>
+                  <a:off x="11844917" y="20640668"/>
+                  <a:ext cx="562670" cy="461665"/>
+                </a:xfrm>
+                <a:prstGeom prst="rect">
+                  <a:avLst/>
+                </a:prstGeom>
+                <a:noFill/>
+              </p:spPr>
+              <p:txBody>
+                <a:bodyPr wrap="square" rtlCol="0">
+                  <a:spAutoFit/>
+                </a:bodyPr>
+                <a:lstStyle/>
+                <a:p>
+                  <a:r>
+                    <a:rPr lang="de-DE" sz="2400" b="1" dirty="0"/>
+                    <a:t>4A</a:t>
+                  </a:r>
+                </a:p>
+              </p:txBody>
+            </p:sp>
+          </p:grpSp>
+          <p:sp>
+            <p:nvSpPr>
+              <p:cNvPr id="86" name="Textfeld 85">
+                <a:extLst>
+                  <a:ext uri="{FF2B5EF4-FFF2-40B4-BE49-F238E27FC236}">
+                    <a16:creationId xmlns:a16="http://schemas.microsoft.com/office/drawing/2014/main" id="{8F383064-90E6-5A65-5B94-9D70E31CEB09}"/>
+                  </a:ext>
+                </a:extLst>
+              </p:cNvPr>
+              <p:cNvSpPr txBox="1"/>
+              <p:nvPr/>
+            </p:nvSpPr>
+            <p:spPr>
+              <a:xfrm>
+                <a:off x="16652542" y="19659579"/>
+                <a:ext cx="3192312" cy="707886"/>
+              </a:xfrm>
+              <a:prstGeom prst="rect">
+                <a:avLst/>
+              </a:prstGeom>
+              <a:noFill/>
+            </p:spPr>
+            <p:txBody>
+              <a:bodyPr wrap="square" rtlCol="0">
+                <a:spAutoFit/>
+              </a:bodyPr>
+              <a:lstStyle/>
+              <a:p>
+                <a:pPr algn="ctr"/>
+                <a:r>
+                  <a:rPr lang="de-DE" sz="2000" dirty="0" err="1"/>
+                  <a:t>Comparison</a:t>
+                </a:r>
+                <a:r>
+                  <a:rPr lang="de-DE" sz="2000" dirty="0"/>
+                  <a:t> </a:t>
+                </a:r>
+                <a:r>
+                  <a:rPr lang="de-DE" sz="2000" dirty="0" err="1"/>
+                  <a:t>of</a:t>
+                </a:r>
+                <a:r>
+                  <a:rPr lang="de-DE" sz="2000" dirty="0"/>
+                  <a:t> COM </a:t>
+                </a:r>
+                <a:r>
+                  <a:rPr lang="de-DE" sz="2000" dirty="0" err="1"/>
+                  <a:t>values</a:t>
+                </a:r>
+                <a:r>
+                  <a:rPr lang="de-DE" sz="2000" dirty="0"/>
+                  <a:t> </a:t>
+                </a:r>
+                <a:r>
+                  <a:rPr lang="de-DE" sz="2000" dirty="0" err="1"/>
+                  <a:t>among</a:t>
+                </a:r>
+                <a:r>
+                  <a:rPr lang="de-DE" sz="2000" dirty="0"/>
+                  <a:t> </a:t>
+                </a:r>
+                <a:r>
+                  <a:rPr lang="de-DE" sz="2000" dirty="0" err="1"/>
+                  <a:t>selected</a:t>
+                </a:r>
+                <a:r>
+                  <a:rPr lang="de-DE" sz="2000" dirty="0"/>
+                  <a:t> </a:t>
+                </a:r>
+                <a:r>
+                  <a:rPr lang="de-DE" sz="2000" dirty="0" err="1"/>
+                  <a:t>proteins</a:t>
+                </a:r>
+                <a:endParaRPr lang="de-DE" sz="2000" dirty="0"/>
+              </a:p>
+            </p:txBody>
+          </p:sp>
+          <p:sp>
+            <p:nvSpPr>
+              <p:cNvPr id="103" name="Textfeld 102">
+                <a:extLst>
+                  <a:ext uri="{FF2B5EF4-FFF2-40B4-BE49-F238E27FC236}">
+                    <a16:creationId xmlns:a16="http://schemas.microsoft.com/office/drawing/2014/main" id="{AB4E7CB8-A598-13F0-B9B2-D78BEC70F685}"/>
+                  </a:ext>
+                </a:extLst>
+              </p:cNvPr>
+              <p:cNvSpPr txBox="1"/>
+              <p:nvPr/>
+            </p:nvSpPr>
+            <p:spPr>
+              <a:xfrm>
+                <a:off x="20852867" y="19622701"/>
+                <a:ext cx="3251015" cy="707886"/>
+              </a:xfrm>
+              <a:prstGeom prst="rect">
+                <a:avLst/>
+              </a:prstGeom>
+              <a:noFill/>
+            </p:spPr>
+            <p:txBody>
+              <a:bodyPr wrap="square" rtlCol="0">
+                <a:spAutoFit/>
+              </a:bodyPr>
+              <a:lstStyle/>
+              <a:p>
+                <a:pPr algn="ctr"/>
+                <a:r>
+                  <a:rPr lang="de-DE" sz="2000" dirty="0" err="1"/>
+                  <a:t>Comparison</a:t>
+                </a:r>
+                <a:r>
+                  <a:rPr lang="de-DE" sz="2000" dirty="0"/>
+                  <a:t> </a:t>
+                </a:r>
+                <a:r>
+                  <a:rPr lang="de-DE" sz="2000" dirty="0" err="1"/>
+                  <a:t>of</a:t>
+                </a:r>
+                <a:r>
+                  <a:rPr lang="de-DE" sz="2000" dirty="0"/>
+                  <a:t> COM </a:t>
+                </a:r>
+                <a:r>
+                  <a:rPr lang="de-DE" sz="2000" dirty="0" err="1"/>
+                  <a:t>values</a:t>
+                </a:r>
+                <a:r>
+                  <a:rPr lang="de-DE" sz="2000" dirty="0"/>
+                  <a:t> </a:t>
+                </a:r>
+                <a:r>
+                  <a:rPr lang="de-DE" sz="2000" dirty="0" err="1"/>
+                  <a:t>among</a:t>
+                </a:r>
+                <a:r>
+                  <a:rPr lang="de-DE" sz="2000" dirty="0"/>
+                  <a:t> not </a:t>
+                </a:r>
+                <a:r>
+                  <a:rPr lang="de-DE" sz="2000" dirty="0" err="1"/>
+                  <a:t>selected</a:t>
+                </a:r>
+                <a:r>
+                  <a:rPr lang="de-DE" sz="2000" dirty="0"/>
+                  <a:t> </a:t>
+                </a:r>
+                <a:r>
+                  <a:rPr lang="de-DE" sz="2000" dirty="0" err="1"/>
+                  <a:t>proteins</a:t>
+                </a:r>
+                <a:r>
+                  <a:rPr lang="de-DE" sz="2000" dirty="0"/>
+                  <a:t> </a:t>
+                </a:r>
+              </a:p>
+            </p:txBody>
+          </p:sp>
+        </p:grpSp>
+        <p:sp>
+          <p:nvSpPr>
+            <p:cNvPr id="105" name="Textfeld 104">
+              <a:extLst>
+                <a:ext uri="{FF2B5EF4-FFF2-40B4-BE49-F238E27FC236}">
+                  <a16:creationId xmlns:a16="http://schemas.microsoft.com/office/drawing/2014/main" id="{5F9ED2BC-0A0F-C483-4F5D-F873DE275C76}"/>
+                </a:ext>
+              </a:extLst>
+            </p:cNvPr>
+            <p:cNvSpPr txBox="1"/>
+            <p:nvPr/>
+          </p:nvSpPr>
+          <p:spPr>
+            <a:xfrm rot="16200000">
+              <a:off x="14651364" y="21422911"/>
+              <a:ext cx="2935032" cy="369332"/>
+            </a:xfrm>
+            <a:prstGeom prst="rect">
+              <a:avLst/>
+            </a:prstGeom>
+            <a:noFill/>
+          </p:spPr>
+          <p:txBody>
+            <a:bodyPr wrap="square" rtlCol="0">
+              <a:spAutoFit/>
+            </a:bodyPr>
+            <a:lstStyle/>
+            <a:p>
+              <a:r>
+                <a:rPr lang="de-DE" dirty="0"/>
+                <a:t>COM </a:t>
+              </a:r>
+              <a:r>
+                <a:rPr lang="de-DE" dirty="0" err="1"/>
+                <a:t>values</a:t>
+              </a:r>
+              <a:r>
+                <a:rPr lang="de-DE" dirty="0"/>
+                <a:t> </a:t>
+              </a:r>
+              <a:r>
+                <a:rPr lang="de-DE" dirty="0" err="1"/>
+                <a:t>for</a:t>
+              </a:r>
+              <a:r>
+                <a:rPr lang="de-DE" dirty="0"/>
+                <a:t> </a:t>
+              </a:r>
+              <a:r>
+                <a:rPr lang="de-DE" dirty="0" err="1"/>
+                <a:t>rnase</a:t>
+              </a:r>
+              <a:r>
+                <a:rPr lang="de-DE" dirty="0"/>
+                <a:t> </a:t>
+              </a:r>
+              <a:r>
+                <a:rPr lang="de-DE" dirty="0" err="1"/>
+                <a:t>subset</a:t>
+              </a:r>
+              <a:r>
+                <a:rPr lang="de-DE" dirty="0"/>
+                <a:t> </a:t>
+              </a:r>
+            </a:p>
+          </p:txBody>
+        </p:sp>
+        <p:sp>
+          <p:nvSpPr>
+            <p:cNvPr id="106" name="Textfeld 105">
+              <a:extLst>
+                <a:ext uri="{FF2B5EF4-FFF2-40B4-BE49-F238E27FC236}">
+                  <a16:creationId xmlns:a16="http://schemas.microsoft.com/office/drawing/2014/main" id="{8D1B04E8-EAF5-ECB8-5E63-D5FF547E5ADE}"/>
+                </a:ext>
+              </a:extLst>
+            </p:cNvPr>
+            <p:cNvSpPr txBox="1"/>
+            <p:nvPr/>
+          </p:nvSpPr>
+          <p:spPr>
+            <a:xfrm>
+              <a:off x="16610403" y="23466005"/>
+              <a:ext cx="3362669" cy="369332"/>
+            </a:xfrm>
+            <a:prstGeom prst="rect">
+              <a:avLst/>
+            </a:prstGeom>
+            <a:noFill/>
+          </p:spPr>
+          <p:txBody>
+            <a:bodyPr wrap="square" rtlCol="0">
+              <a:spAutoFit/>
+            </a:bodyPr>
+            <a:lstStyle/>
+            <a:p>
+              <a:r>
+                <a:rPr lang="de-DE" dirty="0"/>
+                <a:t>COM </a:t>
+              </a:r>
+              <a:r>
+                <a:rPr lang="de-DE" dirty="0" err="1"/>
+                <a:t>values</a:t>
+              </a:r>
+              <a:r>
+                <a:rPr lang="de-DE" dirty="0"/>
+                <a:t> </a:t>
+              </a:r>
+              <a:r>
+                <a:rPr lang="de-DE" dirty="0" err="1"/>
+                <a:t>for</a:t>
+              </a:r>
+              <a:r>
+                <a:rPr lang="de-DE" dirty="0"/>
+                <a:t> </a:t>
+              </a:r>
+              <a:r>
+                <a:rPr lang="de-DE" dirty="0" err="1"/>
+                <a:t>control</a:t>
+              </a:r>
+              <a:r>
+                <a:rPr lang="de-DE" dirty="0"/>
+                <a:t> </a:t>
+              </a:r>
+              <a:r>
+                <a:rPr lang="de-DE" dirty="0" err="1"/>
+                <a:t>subset</a:t>
+              </a:r>
+              <a:r>
+                <a:rPr lang="de-DE" dirty="0"/>
+                <a:t> </a:t>
+              </a:r>
+            </a:p>
+          </p:txBody>
+        </p:sp>
+        <p:sp>
+          <p:nvSpPr>
+            <p:cNvPr id="108" name="Textfeld 107">
+              <a:extLst>
+                <a:ext uri="{FF2B5EF4-FFF2-40B4-BE49-F238E27FC236}">
+                  <a16:creationId xmlns:a16="http://schemas.microsoft.com/office/drawing/2014/main" id="{AD7C890B-D8D5-6293-7F59-08EE74FCE78B}"/>
+                </a:ext>
+              </a:extLst>
+            </p:cNvPr>
+            <p:cNvSpPr txBox="1"/>
+            <p:nvPr/>
+          </p:nvSpPr>
+          <p:spPr>
+            <a:xfrm>
+              <a:off x="20950227" y="23491473"/>
+              <a:ext cx="3362669" cy="369332"/>
+            </a:xfrm>
+            <a:prstGeom prst="rect">
+              <a:avLst/>
+            </a:prstGeom>
+            <a:noFill/>
+          </p:spPr>
+          <p:txBody>
+            <a:bodyPr wrap="square" rtlCol="0">
+              <a:spAutoFit/>
+            </a:bodyPr>
+            <a:lstStyle/>
+            <a:p>
+              <a:r>
+                <a:rPr lang="de-DE" dirty="0"/>
+                <a:t>COM </a:t>
+              </a:r>
+              <a:r>
+                <a:rPr lang="de-DE" dirty="0" err="1"/>
+                <a:t>values</a:t>
+              </a:r>
+              <a:r>
+                <a:rPr lang="de-DE" dirty="0"/>
+                <a:t> </a:t>
+              </a:r>
+              <a:r>
+                <a:rPr lang="de-DE" dirty="0" err="1"/>
+                <a:t>for</a:t>
+              </a:r>
+              <a:r>
+                <a:rPr lang="de-DE" dirty="0"/>
+                <a:t> </a:t>
+              </a:r>
+              <a:r>
+                <a:rPr lang="de-DE" dirty="0" err="1"/>
+                <a:t>control</a:t>
+              </a:r>
+              <a:r>
+                <a:rPr lang="de-DE" dirty="0"/>
+                <a:t> </a:t>
+              </a:r>
+              <a:r>
+                <a:rPr lang="de-DE" dirty="0" err="1"/>
+                <a:t>subset</a:t>
+              </a:r>
+              <a:r>
+                <a:rPr lang="de-DE" dirty="0"/>
+                <a:t> </a:t>
+              </a:r>
+            </a:p>
+          </p:txBody>
+        </p:sp>
+        <p:sp>
+          <p:nvSpPr>
+            <p:cNvPr id="109" name="Textfeld 108">
+              <a:extLst>
+                <a:ext uri="{FF2B5EF4-FFF2-40B4-BE49-F238E27FC236}">
+                  <a16:creationId xmlns:a16="http://schemas.microsoft.com/office/drawing/2014/main" id="{ACCC85E4-8390-BE42-D396-7298C1ADDA18}"/>
+                </a:ext>
+              </a:extLst>
+            </p:cNvPr>
+            <p:cNvSpPr txBox="1"/>
+            <p:nvPr/>
+          </p:nvSpPr>
+          <p:spPr>
+            <a:xfrm rot="16200000">
+              <a:off x="18968097" y="21354922"/>
+              <a:ext cx="2935032" cy="369332"/>
+            </a:xfrm>
+            <a:prstGeom prst="rect">
+              <a:avLst/>
+            </a:prstGeom>
+            <a:noFill/>
+          </p:spPr>
+          <p:txBody>
+            <a:bodyPr wrap="square" rtlCol="0">
+              <a:spAutoFit/>
+            </a:bodyPr>
+            <a:lstStyle/>
+            <a:p>
+              <a:r>
+                <a:rPr lang="de-DE" dirty="0"/>
+                <a:t>COM </a:t>
+              </a:r>
+              <a:r>
+                <a:rPr lang="de-DE" dirty="0" err="1"/>
+                <a:t>values</a:t>
+              </a:r>
+              <a:r>
+                <a:rPr lang="de-DE" dirty="0"/>
+                <a:t> </a:t>
+              </a:r>
+              <a:r>
+                <a:rPr lang="de-DE" dirty="0" err="1"/>
+                <a:t>for</a:t>
+              </a:r>
+              <a:r>
+                <a:rPr lang="de-DE" dirty="0"/>
+                <a:t> </a:t>
+              </a:r>
+              <a:r>
+                <a:rPr lang="de-DE" dirty="0" err="1"/>
+                <a:t>rnase</a:t>
+              </a:r>
+              <a:r>
+                <a:rPr lang="de-DE" dirty="0"/>
+                <a:t> </a:t>
+              </a:r>
+              <a:r>
+                <a:rPr lang="de-DE" dirty="0" err="1"/>
+                <a:t>subset</a:t>
+              </a:r>
+              <a:r>
+                <a:rPr lang="de-DE" dirty="0"/>
+                <a:t> </a:t>
+              </a:r>
+            </a:p>
+          </p:txBody>
+        </p:sp>
+      </p:grpSp>
+      <p:sp>
+        <p:nvSpPr>
+          <p:cNvPr id="112" name="Textfeld 111">
+            <a:extLst>
+              <a:ext uri="{FF2B5EF4-FFF2-40B4-BE49-F238E27FC236}">
+                <a16:creationId xmlns:a16="http://schemas.microsoft.com/office/drawing/2014/main" id="{15B72768-09D0-DD00-EC13-1575C27200AE}"/>
+              </a:ext>
+            </a:extLst>
+          </p:cNvPr>
+          <p:cNvSpPr txBox="1"/>
+          <p:nvPr/>
+        </p:nvSpPr>
+        <p:spPr>
+          <a:xfrm>
+            <a:off x="20197589" y="19179321"/>
+            <a:ext cx="369333" cy="461665"/>
+          </a:xfrm>
+          <a:prstGeom prst="rect">
+            <a:avLst/>
+          </a:prstGeom>
+          <a:noFill/>
+        </p:spPr>
+        <p:txBody>
+          <a:bodyPr wrap="square" rtlCol="0">
+            <a:spAutoFit/>
+          </a:bodyPr>
+          <a:lstStyle/>
+          <a:p>
+            <a:r>
+              <a:rPr lang="de-DE" sz="2400" b="1" dirty="0"/>
+              <a:t>B</a:t>
+            </a:r>
+          </a:p>
+        </p:txBody>
+      </p:sp>
       <p:pic>
         <p:nvPicPr>
-          <p:cNvPr id="56" name="Picture 55">
+          <p:cNvPr id="113" name="Grafik 112">
             <a:extLst>
               <a:ext uri="{FF2B5EF4-FFF2-40B4-BE49-F238E27FC236}">
-                <a16:creationId xmlns:a16="http://schemas.microsoft.com/office/drawing/2014/main" id="{E29C417F-1436-53D5-B0AD-1D57C4B66F18}"/>
+                <a16:creationId xmlns:a16="http://schemas.microsoft.com/office/drawing/2014/main" id="{BBC23134-B231-171D-9286-617A45D01EB0}"/>
               </a:ext>
             </a:extLst>
           </p:cNvPr>
@@ -6795,15 +8445,15 @@
           <p:nvPr/>
         </p:nvPicPr>
         <p:blipFill>
-          <a:blip r:embed="rId24"/>
+          <a:blip r:embed="rId26"/>
           <a:stretch>
             <a:fillRect/>
           </a:stretch>
         </p:blipFill>
         <p:spPr>
           <a:xfrm>
-            <a:off x="24134560" y="2963143"/>
-            <a:ext cx="5036330" cy="2440586"/>
+            <a:off x="12533846" y="1742025"/>
+            <a:ext cx="9423591" cy="4566636"/>
           </a:xfrm>
           <a:prstGeom prst="rect">
             <a:avLst/>
@@ -6812,1128 +8462,10 @@
       </p:pic>
       <p:sp>
         <p:nvSpPr>
-          <p:cNvPr id="58" name="Rectangle: Rounded Corners 57">
+          <p:cNvPr id="114" name="Textfeld 113">
             <a:extLst>
               <a:ext uri="{FF2B5EF4-FFF2-40B4-BE49-F238E27FC236}">
-                <a16:creationId xmlns:a16="http://schemas.microsoft.com/office/drawing/2014/main" id="{25891A2B-5365-BF25-A17D-4A042E80E836}"/>
-              </a:ext>
-            </a:extLst>
-          </p:cNvPr>
-          <p:cNvSpPr/>
-          <p:nvPr/>
-        </p:nvSpPr>
-        <p:spPr>
-          <a:xfrm>
-            <a:off x="2883554" y="17706715"/>
-            <a:ext cx="2902164" cy="788879"/>
-          </a:xfrm>
-          <a:prstGeom prst="roundRect">
-            <a:avLst>
-              <a:gd name="adj" fmla="val 40815"/>
-            </a:avLst>
-          </a:prstGeom>
-          <a:solidFill>
-            <a:schemeClr val="bg1"/>
-          </a:solidFill>
-          <a:ln w="104775">
-            <a:solidFill>
-              <a:srgbClr val="842332"/>
-            </a:solidFill>
-          </a:ln>
-        </p:spPr>
-        <p:style>
-          <a:lnRef idx="2">
-            <a:schemeClr val="accent1">
-              <a:shade val="15000"/>
-            </a:schemeClr>
-          </a:lnRef>
-          <a:fillRef idx="1">
-            <a:schemeClr val="accent1"/>
-          </a:fillRef>
-          <a:effectRef idx="0">
-            <a:schemeClr val="accent1"/>
-          </a:effectRef>
-          <a:fontRef idx="minor">
-            <a:schemeClr val="lt1"/>
-          </a:fontRef>
-        </p:style>
-        <p:txBody>
-          <a:bodyPr rtlCol="0" anchor="ctr"/>
-          <a:lstStyle/>
-          <a:p>
-            <a:pPr algn="ctr"/>
-            <a:r>
-              <a:rPr lang="de-DE" sz="2400" dirty="0">
-                <a:solidFill>
-                  <a:srgbClr val="842332"/>
-                </a:solidFill>
-              </a:rPr>
-              <a:t>Center of Mass shift ≥ 2 fractions </a:t>
-            </a:r>
-          </a:p>
-        </p:txBody>
-      </p:sp>
-      <p:sp>
-        <p:nvSpPr>
-          <p:cNvPr id="60" name="Rectangle: Rounded Corners 59">
-            <a:extLst>
-              <a:ext uri="{FF2B5EF4-FFF2-40B4-BE49-F238E27FC236}">
-                <a16:creationId xmlns:a16="http://schemas.microsoft.com/office/drawing/2014/main" id="{B04184F6-B5A4-6110-D6D5-D42CB9C68FA1}"/>
-              </a:ext>
-            </a:extLst>
-          </p:cNvPr>
-          <p:cNvSpPr/>
-          <p:nvPr/>
-        </p:nvSpPr>
-        <p:spPr>
-          <a:xfrm>
-            <a:off x="6394661" y="17706715"/>
-            <a:ext cx="2750329" cy="788879"/>
-          </a:xfrm>
-          <a:prstGeom prst="roundRect">
-            <a:avLst>
-              <a:gd name="adj" fmla="val 1667"/>
-            </a:avLst>
-          </a:prstGeom>
-          <a:solidFill>
-            <a:schemeClr val="bg1"/>
-          </a:solidFill>
-          <a:ln w="104775">
-            <a:solidFill>
-              <a:srgbClr val="191970"/>
-            </a:solidFill>
-          </a:ln>
-        </p:spPr>
-        <p:style>
-          <a:lnRef idx="2">
-            <a:schemeClr val="accent1">
-              <a:shade val="15000"/>
-            </a:schemeClr>
-          </a:lnRef>
-          <a:fillRef idx="1">
-            <a:schemeClr val="accent1"/>
-          </a:fillRef>
-          <a:effectRef idx="0">
-            <a:schemeClr val="accent1"/>
-          </a:effectRef>
-          <a:fontRef idx="minor">
-            <a:schemeClr val="lt1"/>
-          </a:fontRef>
-        </p:style>
-        <p:txBody>
-          <a:bodyPr rtlCol="0" anchor="ctr"/>
-          <a:lstStyle/>
-          <a:p>
-            <a:pPr algn="ctr"/>
-            <a:r>
-              <a:rPr lang="de-DE" sz="2400" dirty="0">
-                <a:solidFill>
-                  <a:srgbClr val="191970"/>
-                </a:solidFill>
-              </a:rPr>
-              <a:t>No Center of Mass shift ≥ 2 fractions </a:t>
-            </a:r>
-          </a:p>
-        </p:txBody>
-      </p:sp>
-      <p:sp>
-        <p:nvSpPr>
-          <p:cNvPr id="61" name="Rectangle: Rounded Corners 60">
-            <a:extLst>
-              <a:ext uri="{FF2B5EF4-FFF2-40B4-BE49-F238E27FC236}">
-                <a16:creationId xmlns:a16="http://schemas.microsoft.com/office/drawing/2014/main" id="{F6A5E65A-C4B2-2F72-6348-B068550576F9}"/>
-              </a:ext>
-            </a:extLst>
-          </p:cNvPr>
-          <p:cNvSpPr/>
-          <p:nvPr/>
-        </p:nvSpPr>
-        <p:spPr>
-          <a:xfrm>
-            <a:off x="5015720" y="16197119"/>
-            <a:ext cx="2120407" cy="788879"/>
-          </a:xfrm>
-          <a:prstGeom prst="roundRect">
-            <a:avLst>
-              <a:gd name="adj" fmla="val 1667"/>
-            </a:avLst>
-          </a:prstGeom>
-          <a:solidFill>
-            <a:schemeClr val="bg1"/>
-          </a:solidFill>
-          <a:ln w="104775">
-            <a:solidFill>
-              <a:srgbClr val="191970"/>
-            </a:solidFill>
-          </a:ln>
-        </p:spPr>
-        <p:style>
-          <a:lnRef idx="2">
-            <a:schemeClr val="accent1">
-              <a:shade val="15000"/>
-            </a:schemeClr>
-          </a:lnRef>
-          <a:fillRef idx="1">
-            <a:schemeClr val="accent1"/>
-          </a:fillRef>
-          <a:effectRef idx="0">
-            <a:schemeClr val="accent1"/>
-          </a:effectRef>
-          <a:fontRef idx="minor">
-            <a:schemeClr val="lt1"/>
-          </a:fontRef>
-        </p:style>
-        <p:txBody>
-          <a:bodyPr rtlCol="0" anchor="ctr"/>
-          <a:lstStyle/>
-          <a:p>
-            <a:pPr algn="ctr"/>
-            <a:r>
-              <a:rPr lang="de-DE" sz="2400" dirty="0">
-                <a:solidFill>
-                  <a:srgbClr val="191970"/>
-                </a:solidFill>
-              </a:rPr>
-              <a:t>All proteins</a:t>
-            </a:r>
-          </a:p>
-        </p:txBody>
-      </p:sp>
-      <p:cxnSp>
-        <p:nvCxnSpPr>
-          <p:cNvPr id="85" name="Straight Arrow Connector 84">
-            <a:extLst>
-              <a:ext uri="{FF2B5EF4-FFF2-40B4-BE49-F238E27FC236}">
-                <a16:creationId xmlns:a16="http://schemas.microsoft.com/office/drawing/2014/main" id="{3B67AD24-B621-4002-986B-6389BACC0269}"/>
-              </a:ext>
-            </a:extLst>
-          </p:cNvPr>
-          <p:cNvCxnSpPr>
-            <a:cxnSpLocks/>
-          </p:cNvCxnSpPr>
-          <p:nvPr/>
-        </p:nvCxnSpPr>
-        <p:spPr>
-          <a:xfrm flipH="1">
-            <a:off x="5514678" y="17136433"/>
-            <a:ext cx="271039" cy="432017"/>
-          </a:xfrm>
-          <a:prstGeom prst="straightConnector1">
-            <a:avLst/>
-          </a:prstGeom>
-          <a:ln w="73025">
-            <a:solidFill>
-              <a:srgbClr val="191970"/>
-            </a:solidFill>
-            <a:tailEnd type="triangle"/>
-          </a:ln>
-        </p:spPr>
-        <p:style>
-          <a:lnRef idx="1">
-            <a:schemeClr val="accent1"/>
-          </a:lnRef>
-          <a:fillRef idx="0">
-            <a:schemeClr val="accent1"/>
-          </a:fillRef>
-          <a:effectRef idx="0">
-            <a:schemeClr val="accent1"/>
-          </a:effectRef>
-          <a:fontRef idx="minor">
-            <a:schemeClr val="tx1"/>
-          </a:fontRef>
-        </p:style>
-      </p:cxnSp>
-      <p:cxnSp>
-        <p:nvCxnSpPr>
-          <p:cNvPr id="86" name="Straight Arrow Connector 85">
-            <a:extLst>
-              <a:ext uri="{FF2B5EF4-FFF2-40B4-BE49-F238E27FC236}">
-                <a16:creationId xmlns:a16="http://schemas.microsoft.com/office/drawing/2014/main" id="{716975A2-7244-E5C4-B5DE-A17D7597A926}"/>
-              </a:ext>
-            </a:extLst>
-          </p:cNvPr>
-          <p:cNvCxnSpPr>
-            <a:cxnSpLocks/>
-          </p:cNvCxnSpPr>
-          <p:nvPr/>
-        </p:nvCxnSpPr>
-        <p:spPr>
-          <a:xfrm>
-            <a:off x="6390834" y="17136434"/>
-            <a:ext cx="262128" cy="432017"/>
-          </a:xfrm>
-          <a:prstGeom prst="straightConnector1">
-            <a:avLst/>
-          </a:prstGeom>
-          <a:ln w="73025">
-            <a:solidFill>
-              <a:srgbClr val="191970"/>
-            </a:solidFill>
-            <a:tailEnd type="triangle"/>
-          </a:ln>
-        </p:spPr>
-        <p:style>
-          <a:lnRef idx="1">
-            <a:schemeClr val="accent1"/>
-          </a:lnRef>
-          <a:fillRef idx="0">
-            <a:schemeClr val="accent1"/>
-          </a:fillRef>
-          <a:effectRef idx="0">
-            <a:schemeClr val="accent1"/>
-          </a:effectRef>
-          <a:fontRef idx="minor">
-            <a:schemeClr val="tx1"/>
-          </a:fontRef>
-        </p:style>
-      </p:cxnSp>
-      <p:cxnSp>
-        <p:nvCxnSpPr>
-          <p:cNvPr id="103" name="Straight Arrow Connector 102">
-            <a:extLst>
-              <a:ext uri="{FF2B5EF4-FFF2-40B4-BE49-F238E27FC236}">
-                <a16:creationId xmlns:a16="http://schemas.microsoft.com/office/drawing/2014/main" id="{CE58ADDE-C5F7-EF9F-F990-ABBEF8B6A2B1}"/>
-              </a:ext>
-            </a:extLst>
-          </p:cNvPr>
-          <p:cNvCxnSpPr>
-            <a:cxnSpLocks/>
-          </p:cNvCxnSpPr>
-          <p:nvPr/>
-        </p:nvCxnSpPr>
-        <p:spPr>
-          <a:xfrm flipH="1">
-            <a:off x="7119970" y="18618179"/>
-            <a:ext cx="271039" cy="432017"/>
-          </a:xfrm>
-          <a:prstGeom prst="straightConnector1">
-            <a:avLst/>
-          </a:prstGeom>
-          <a:ln w="73025">
-            <a:solidFill>
-              <a:srgbClr val="191970"/>
-            </a:solidFill>
-            <a:tailEnd type="triangle"/>
-          </a:ln>
-        </p:spPr>
-        <p:style>
-          <a:lnRef idx="1">
-            <a:schemeClr val="accent1"/>
-          </a:lnRef>
-          <a:fillRef idx="0">
-            <a:schemeClr val="accent1"/>
-          </a:fillRef>
-          <a:effectRef idx="0">
-            <a:schemeClr val="accent1"/>
-          </a:effectRef>
-          <a:fontRef idx="minor">
-            <a:schemeClr val="tx1"/>
-          </a:fontRef>
-        </p:style>
-      </p:cxnSp>
-      <p:cxnSp>
-        <p:nvCxnSpPr>
-          <p:cNvPr id="104" name="Straight Arrow Connector 103">
-            <a:extLst>
-              <a:ext uri="{FF2B5EF4-FFF2-40B4-BE49-F238E27FC236}">
-                <a16:creationId xmlns:a16="http://schemas.microsoft.com/office/drawing/2014/main" id="{AFB70E6E-65DE-D806-D3C9-D2C441480ED3}"/>
-              </a:ext>
-            </a:extLst>
-          </p:cNvPr>
-          <p:cNvCxnSpPr>
-            <a:cxnSpLocks/>
-          </p:cNvCxnSpPr>
-          <p:nvPr/>
-        </p:nvCxnSpPr>
-        <p:spPr>
-          <a:xfrm>
-            <a:off x="7996126" y="18618180"/>
-            <a:ext cx="262128" cy="432017"/>
-          </a:xfrm>
-          <a:prstGeom prst="straightConnector1">
-            <a:avLst/>
-          </a:prstGeom>
-          <a:ln w="73025">
-            <a:solidFill>
-              <a:srgbClr val="191970"/>
-            </a:solidFill>
-            <a:tailEnd type="triangle"/>
-          </a:ln>
-        </p:spPr>
-        <p:style>
-          <a:lnRef idx="1">
-            <a:schemeClr val="accent1"/>
-          </a:lnRef>
-          <a:fillRef idx="0">
-            <a:schemeClr val="accent1"/>
-          </a:fillRef>
-          <a:effectRef idx="0">
-            <a:schemeClr val="accent1"/>
-          </a:effectRef>
-          <a:fontRef idx="minor">
-            <a:schemeClr val="tx1"/>
-          </a:fontRef>
-        </p:style>
-      </p:cxnSp>
-      <p:sp>
-        <p:nvSpPr>
-          <p:cNvPr id="105" name="Rectangle: Rounded Corners 104">
-            <a:extLst>
-              <a:ext uri="{FF2B5EF4-FFF2-40B4-BE49-F238E27FC236}">
-                <a16:creationId xmlns:a16="http://schemas.microsoft.com/office/drawing/2014/main" id="{E7EA8391-312C-161A-E778-ADCA0D60F65B}"/>
-              </a:ext>
-            </a:extLst>
-          </p:cNvPr>
-          <p:cNvSpPr/>
-          <p:nvPr/>
-        </p:nvSpPr>
-        <p:spPr>
-          <a:xfrm>
-            <a:off x="2899868" y="20576172"/>
-            <a:ext cx="2750329" cy="788879"/>
-          </a:xfrm>
-          <a:prstGeom prst="roundRect">
-            <a:avLst>
-              <a:gd name="adj" fmla="val 40815"/>
-            </a:avLst>
-          </a:prstGeom>
-          <a:solidFill>
-            <a:schemeClr val="bg1"/>
-          </a:solidFill>
-          <a:ln w="104775">
-            <a:solidFill>
-              <a:srgbClr val="842332"/>
-            </a:solidFill>
-          </a:ln>
-        </p:spPr>
-        <p:style>
-          <a:lnRef idx="2">
-            <a:schemeClr val="accent1">
-              <a:shade val="15000"/>
-            </a:schemeClr>
-          </a:lnRef>
-          <a:fillRef idx="1">
-            <a:schemeClr val="accent1"/>
-          </a:fillRef>
-          <a:effectRef idx="0">
-            <a:schemeClr val="accent1"/>
-          </a:effectRef>
-          <a:fontRef idx="minor">
-            <a:schemeClr val="lt1"/>
-          </a:fontRef>
-        </p:style>
-        <p:txBody>
-          <a:bodyPr rtlCol="0" anchor="ctr"/>
-          <a:lstStyle/>
-          <a:p>
-            <a:pPr algn="ctr"/>
-            <a:r>
-              <a:rPr lang="de-DE" sz="2400" dirty="0">
-                <a:solidFill>
-                  <a:srgbClr val="842332"/>
-                </a:solidFill>
-              </a:rPr>
-              <a:t>Correlation Value</a:t>
-            </a:r>
-            <a:br>
-              <a:rPr lang="de-DE" sz="2400" dirty="0">
-                <a:solidFill>
-                  <a:srgbClr val="842332"/>
-                </a:solidFill>
-              </a:rPr>
-            </a:br>
-            <a:r>
-              <a:rPr lang="de-DE" sz="2400" dirty="0">
-                <a:solidFill>
-                  <a:srgbClr val="842332"/>
-                </a:solidFill>
-              </a:rPr>
-              <a:t>&lt; 0.7</a:t>
-            </a:r>
-          </a:p>
-        </p:txBody>
-      </p:sp>
-      <p:sp>
-        <p:nvSpPr>
-          <p:cNvPr id="106" name="Rectangle: Rounded Corners 105">
-            <a:extLst>
-              <a:ext uri="{FF2B5EF4-FFF2-40B4-BE49-F238E27FC236}">
-                <a16:creationId xmlns:a16="http://schemas.microsoft.com/office/drawing/2014/main" id="{486C8A03-8CB8-466D-F307-C9CE5EF429C8}"/>
-              </a:ext>
-            </a:extLst>
-          </p:cNvPr>
-          <p:cNvSpPr/>
-          <p:nvPr/>
-        </p:nvSpPr>
-        <p:spPr>
-          <a:xfrm>
-            <a:off x="6259770" y="20576172"/>
-            <a:ext cx="2750329" cy="788879"/>
-          </a:xfrm>
-          <a:prstGeom prst="roundRect">
-            <a:avLst>
-              <a:gd name="adj" fmla="val 40815"/>
-            </a:avLst>
-          </a:prstGeom>
-          <a:solidFill>
-            <a:schemeClr val="bg1"/>
-          </a:solidFill>
-          <a:ln w="104775">
-            <a:solidFill>
-              <a:srgbClr val="191970"/>
-            </a:solidFill>
-          </a:ln>
-        </p:spPr>
-        <p:style>
-          <a:lnRef idx="2">
-            <a:schemeClr val="accent1">
-              <a:shade val="15000"/>
-            </a:schemeClr>
-          </a:lnRef>
-          <a:fillRef idx="1">
-            <a:schemeClr val="accent1"/>
-          </a:fillRef>
-          <a:effectRef idx="0">
-            <a:schemeClr val="accent1"/>
-          </a:effectRef>
-          <a:fontRef idx="minor">
-            <a:schemeClr val="lt1"/>
-          </a:fontRef>
-        </p:style>
-        <p:txBody>
-          <a:bodyPr rtlCol="0" anchor="ctr"/>
-          <a:lstStyle/>
-          <a:p>
-            <a:pPr algn="ctr"/>
-            <a:r>
-              <a:rPr lang="de-DE" sz="2400" dirty="0">
-                <a:solidFill>
-                  <a:srgbClr val="191970"/>
-                </a:solidFill>
-              </a:rPr>
-              <a:t>Correlation Value</a:t>
-            </a:r>
-            <a:br>
-              <a:rPr lang="de-DE" sz="2400" dirty="0">
-                <a:solidFill>
-                  <a:srgbClr val="191970"/>
-                </a:solidFill>
-              </a:rPr>
-            </a:br>
-            <a:r>
-              <a:rPr lang="de-DE" sz="2400" dirty="0">
-                <a:solidFill>
-                  <a:srgbClr val="191970"/>
-                </a:solidFill>
-              </a:rPr>
-              <a:t>≥ 0.7</a:t>
-            </a:r>
-          </a:p>
-        </p:txBody>
-      </p:sp>
-      <p:sp>
-        <p:nvSpPr>
-          <p:cNvPr id="107" name="Rectangle: Rounded Corners 106">
-            <a:extLst>
-              <a:ext uri="{FF2B5EF4-FFF2-40B4-BE49-F238E27FC236}">
-                <a16:creationId xmlns:a16="http://schemas.microsoft.com/office/drawing/2014/main" id="{973D15FD-E83E-8E43-099C-CE5CE3FD39C6}"/>
-              </a:ext>
-            </a:extLst>
-          </p:cNvPr>
-          <p:cNvSpPr/>
-          <p:nvPr/>
-        </p:nvSpPr>
-        <p:spPr>
-          <a:xfrm>
-            <a:off x="4640680" y="19149324"/>
-            <a:ext cx="2750329" cy="788879"/>
-          </a:xfrm>
-          <a:prstGeom prst="roundRect">
-            <a:avLst>
-              <a:gd name="adj" fmla="val 1667"/>
-            </a:avLst>
-          </a:prstGeom>
-          <a:solidFill>
-            <a:schemeClr val="bg1"/>
-          </a:solidFill>
-          <a:ln w="104775">
-            <a:solidFill>
-              <a:srgbClr val="191970"/>
-            </a:solidFill>
-          </a:ln>
-        </p:spPr>
-        <p:style>
-          <a:lnRef idx="2">
-            <a:schemeClr val="accent1">
-              <a:shade val="15000"/>
-            </a:schemeClr>
-          </a:lnRef>
-          <a:fillRef idx="1">
-            <a:schemeClr val="accent1"/>
-          </a:fillRef>
-          <a:effectRef idx="0">
-            <a:schemeClr val="accent1"/>
-          </a:effectRef>
-          <a:fontRef idx="minor">
-            <a:schemeClr val="lt1"/>
-          </a:fontRef>
-        </p:style>
-        <p:txBody>
-          <a:bodyPr rtlCol="0" anchor="ctr"/>
-          <a:lstStyle/>
-          <a:p>
-            <a:pPr algn="ctr"/>
-            <a:r>
-              <a:rPr lang="de-DE" sz="2400" dirty="0">
-                <a:solidFill>
-                  <a:srgbClr val="191970"/>
-                </a:solidFill>
-              </a:rPr>
-              <a:t>Main maximum shift ≥ 3 fractions </a:t>
-            </a:r>
-          </a:p>
-        </p:txBody>
-      </p:sp>
-      <p:sp>
-        <p:nvSpPr>
-          <p:cNvPr id="108" name="Rectangle: Rounded Corners 107">
-            <a:extLst>
-              <a:ext uri="{FF2B5EF4-FFF2-40B4-BE49-F238E27FC236}">
-                <a16:creationId xmlns:a16="http://schemas.microsoft.com/office/drawing/2014/main" id="{A27C9D8E-000F-1000-2DA5-27385841D2C6}"/>
-              </a:ext>
-            </a:extLst>
-          </p:cNvPr>
-          <p:cNvSpPr/>
-          <p:nvPr/>
-        </p:nvSpPr>
-        <p:spPr>
-          <a:xfrm>
-            <a:off x="7996126" y="19149324"/>
-            <a:ext cx="2750329" cy="788879"/>
-          </a:xfrm>
-          <a:prstGeom prst="roundRect">
-            <a:avLst>
-              <a:gd name="adj" fmla="val 37595"/>
-            </a:avLst>
-          </a:prstGeom>
-          <a:solidFill>
-            <a:schemeClr val="bg1"/>
-          </a:solidFill>
-          <a:ln w="104775">
-            <a:solidFill>
-              <a:srgbClr val="191970"/>
-            </a:solidFill>
-          </a:ln>
-        </p:spPr>
-        <p:style>
-          <a:lnRef idx="2">
-            <a:schemeClr val="accent1">
-              <a:shade val="15000"/>
-            </a:schemeClr>
-          </a:lnRef>
-          <a:fillRef idx="1">
-            <a:schemeClr val="accent1"/>
-          </a:fillRef>
-          <a:effectRef idx="0">
-            <a:schemeClr val="accent1"/>
-          </a:effectRef>
-          <a:fontRef idx="minor">
-            <a:schemeClr val="lt1"/>
-          </a:fontRef>
-        </p:style>
-        <p:txBody>
-          <a:bodyPr rtlCol="0" anchor="ctr"/>
-          <a:lstStyle/>
-          <a:p>
-            <a:pPr algn="ctr"/>
-            <a:r>
-              <a:rPr lang="de-DE" sz="2400" dirty="0">
-                <a:solidFill>
-                  <a:srgbClr val="191970"/>
-                </a:solidFill>
-              </a:rPr>
-              <a:t>No Main maximum shift ≥ 3 fractions </a:t>
-            </a:r>
-          </a:p>
-        </p:txBody>
-      </p:sp>
-      <p:cxnSp>
-        <p:nvCxnSpPr>
-          <p:cNvPr id="109" name="Straight Arrow Connector 108">
-            <a:extLst>
-              <a:ext uri="{FF2B5EF4-FFF2-40B4-BE49-F238E27FC236}">
-                <a16:creationId xmlns:a16="http://schemas.microsoft.com/office/drawing/2014/main" id="{6B2CB9FE-0356-7580-0E92-C63D577A7B71}"/>
-              </a:ext>
-            </a:extLst>
-          </p:cNvPr>
-          <p:cNvCxnSpPr>
-            <a:cxnSpLocks/>
-          </p:cNvCxnSpPr>
-          <p:nvPr/>
-        </p:nvCxnSpPr>
-        <p:spPr>
-          <a:xfrm flipH="1">
-            <a:off x="5383614" y="20068095"/>
-            <a:ext cx="271039" cy="432017"/>
-          </a:xfrm>
-          <a:prstGeom prst="straightConnector1">
-            <a:avLst/>
-          </a:prstGeom>
-          <a:ln w="73025">
-            <a:solidFill>
-              <a:srgbClr val="191970"/>
-            </a:solidFill>
-            <a:tailEnd type="triangle"/>
-          </a:ln>
-        </p:spPr>
-        <p:style>
-          <a:lnRef idx="1">
-            <a:schemeClr val="accent1"/>
-          </a:lnRef>
-          <a:fillRef idx="0">
-            <a:schemeClr val="accent1"/>
-          </a:fillRef>
-          <a:effectRef idx="0">
-            <a:schemeClr val="accent1"/>
-          </a:effectRef>
-          <a:fontRef idx="minor">
-            <a:schemeClr val="tx1"/>
-          </a:fontRef>
-        </p:style>
-      </p:cxnSp>
-      <p:cxnSp>
-        <p:nvCxnSpPr>
-          <p:cNvPr id="110" name="Straight Arrow Connector 109">
-            <a:extLst>
-              <a:ext uri="{FF2B5EF4-FFF2-40B4-BE49-F238E27FC236}">
-                <a16:creationId xmlns:a16="http://schemas.microsoft.com/office/drawing/2014/main" id="{1B5FBD15-8119-0F73-2A8D-C4753C7D83F6}"/>
-              </a:ext>
-            </a:extLst>
-          </p:cNvPr>
-          <p:cNvCxnSpPr>
-            <a:cxnSpLocks/>
-          </p:cNvCxnSpPr>
-          <p:nvPr/>
-        </p:nvCxnSpPr>
-        <p:spPr>
-          <a:xfrm>
-            <a:off x="6259770" y="20068096"/>
-            <a:ext cx="262128" cy="432017"/>
-          </a:xfrm>
-          <a:prstGeom prst="straightConnector1">
-            <a:avLst/>
-          </a:prstGeom>
-          <a:ln w="73025">
-            <a:solidFill>
-              <a:srgbClr val="191970"/>
-            </a:solidFill>
-            <a:tailEnd type="triangle"/>
-          </a:ln>
-        </p:spPr>
-        <p:style>
-          <a:lnRef idx="1">
-            <a:schemeClr val="accent1"/>
-          </a:lnRef>
-          <a:fillRef idx="0">
-            <a:schemeClr val="accent1"/>
-          </a:fillRef>
-          <a:effectRef idx="0">
-            <a:schemeClr val="accent1"/>
-          </a:effectRef>
-          <a:fontRef idx="minor">
-            <a:schemeClr val="tx1"/>
-          </a:fontRef>
-        </p:style>
-      </p:cxnSp>
-      <p:cxnSp>
-        <p:nvCxnSpPr>
-          <p:cNvPr id="111" name="Straight Connector 110">
-            <a:extLst>
-              <a:ext uri="{FF2B5EF4-FFF2-40B4-BE49-F238E27FC236}">
-                <a16:creationId xmlns:a16="http://schemas.microsoft.com/office/drawing/2014/main" id="{A3955853-1F40-AF91-64C9-6C013523A7B6}"/>
-              </a:ext>
-            </a:extLst>
-          </p:cNvPr>
-          <p:cNvCxnSpPr>
-            <a:cxnSpLocks/>
-            <a:stCxn id="58" idx="1"/>
-          </p:cNvCxnSpPr>
-          <p:nvPr/>
-        </p:nvCxnSpPr>
-        <p:spPr>
-          <a:xfrm flipH="1" flipV="1">
-            <a:off x="1993705" y="18098535"/>
-            <a:ext cx="889849" cy="2620"/>
-          </a:xfrm>
-          <a:prstGeom prst="line">
-            <a:avLst/>
-          </a:prstGeom>
-          <a:ln w="88900">
-            <a:solidFill>
-              <a:srgbClr val="842332"/>
-            </a:solidFill>
-          </a:ln>
-        </p:spPr>
-        <p:style>
-          <a:lnRef idx="1">
-            <a:schemeClr val="accent1"/>
-          </a:lnRef>
-          <a:fillRef idx="0">
-            <a:schemeClr val="accent1"/>
-          </a:fillRef>
-          <a:effectRef idx="0">
-            <a:schemeClr val="accent1"/>
-          </a:effectRef>
-          <a:fontRef idx="minor">
-            <a:schemeClr val="tx1"/>
-          </a:fontRef>
-        </p:style>
-      </p:cxnSp>
-      <p:cxnSp>
-        <p:nvCxnSpPr>
-          <p:cNvPr id="112" name="Straight Connector 111">
-            <a:extLst>
-              <a:ext uri="{FF2B5EF4-FFF2-40B4-BE49-F238E27FC236}">
-                <a16:creationId xmlns:a16="http://schemas.microsoft.com/office/drawing/2014/main" id="{F6EC3B42-D6D4-E78C-E178-6A6694D6DE90}"/>
-              </a:ext>
-            </a:extLst>
-          </p:cNvPr>
-          <p:cNvCxnSpPr>
-            <a:cxnSpLocks/>
-          </p:cNvCxnSpPr>
-          <p:nvPr/>
-        </p:nvCxnSpPr>
-        <p:spPr>
-          <a:xfrm flipV="1">
-            <a:off x="1958776" y="18101154"/>
-            <a:ext cx="34929" cy="4475799"/>
-          </a:xfrm>
-          <a:prstGeom prst="line">
-            <a:avLst/>
-          </a:prstGeom>
-          <a:ln w="88900">
-            <a:solidFill>
-              <a:srgbClr val="842332"/>
-            </a:solidFill>
-          </a:ln>
-        </p:spPr>
-        <p:style>
-          <a:lnRef idx="1">
-            <a:schemeClr val="accent1"/>
-          </a:lnRef>
-          <a:fillRef idx="0">
-            <a:schemeClr val="accent1"/>
-          </a:fillRef>
-          <a:effectRef idx="0">
-            <a:schemeClr val="accent1"/>
-          </a:effectRef>
-          <a:fontRef idx="minor">
-            <a:schemeClr val="tx1"/>
-          </a:fontRef>
-        </p:style>
-      </p:cxnSp>
-      <p:cxnSp>
-        <p:nvCxnSpPr>
-          <p:cNvPr id="113" name="Straight Connector 112">
-            <a:extLst>
-              <a:ext uri="{FF2B5EF4-FFF2-40B4-BE49-F238E27FC236}">
-                <a16:creationId xmlns:a16="http://schemas.microsoft.com/office/drawing/2014/main" id="{F97EE076-5CCB-D78B-08A6-5EC5350B4962}"/>
-              </a:ext>
-            </a:extLst>
-          </p:cNvPr>
-          <p:cNvCxnSpPr/>
-          <p:nvPr/>
-        </p:nvCxnSpPr>
-        <p:spPr>
-          <a:xfrm flipH="1" flipV="1">
-            <a:off x="2306166" y="20997296"/>
-            <a:ext cx="654543" cy="1"/>
-          </a:xfrm>
-          <a:prstGeom prst="line">
-            <a:avLst/>
-          </a:prstGeom>
-          <a:ln w="88900">
-            <a:solidFill>
-              <a:srgbClr val="842332"/>
-            </a:solidFill>
-          </a:ln>
-        </p:spPr>
-        <p:style>
-          <a:lnRef idx="1">
-            <a:schemeClr val="accent1"/>
-          </a:lnRef>
-          <a:fillRef idx="0">
-            <a:schemeClr val="accent1"/>
-          </a:fillRef>
-          <a:effectRef idx="0">
-            <a:schemeClr val="accent1"/>
-          </a:effectRef>
-          <a:fontRef idx="minor">
-            <a:schemeClr val="tx1"/>
-          </a:fontRef>
-        </p:style>
-      </p:cxnSp>
-      <p:cxnSp>
-        <p:nvCxnSpPr>
-          <p:cNvPr id="114" name="Straight Connector 113">
-            <a:extLst>
-              <a:ext uri="{FF2B5EF4-FFF2-40B4-BE49-F238E27FC236}">
-                <a16:creationId xmlns:a16="http://schemas.microsoft.com/office/drawing/2014/main" id="{42E2AC54-D846-16B4-FBF9-57B627D87377}"/>
-              </a:ext>
-            </a:extLst>
-          </p:cNvPr>
-          <p:cNvCxnSpPr>
-            <a:cxnSpLocks/>
-          </p:cNvCxnSpPr>
-          <p:nvPr/>
-        </p:nvCxnSpPr>
-        <p:spPr>
-          <a:xfrm flipV="1">
-            <a:off x="2351766" y="20994677"/>
-            <a:ext cx="0" cy="1474228"/>
-          </a:xfrm>
-          <a:prstGeom prst="line">
-            <a:avLst/>
-          </a:prstGeom>
-          <a:ln w="88900">
-            <a:solidFill>
-              <a:srgbClr val="842332"/>
-            </a:solidFill>
-          </a:ln>
-        </p:spPr>
-        <p:style>
-          <a:lnRef idx="1">
-            <a:schemeClr val="accent1"/>
-          </a:lnRef>
-          <a:fillRef idx="0">
-            <a:schemeClr val="accent1"/>
-          </a:fillRef>
-          <a:effectRef idx="0">
-            <a:schemeClr val="accent1"/>
-          </a:effectRef>
-          <a:fontRef idx="minor">
-            <a:schemeClr val="tx1"/>
-          </a:fontRef>
-        </p:style>
-      </p:cxnSp>
-      <p:sp>
-        <p:nvSpPr>
-          <p:cNvPr id="115" name="Rectangle: Rounded Corners 114">
-            <a:extLst>
-              <a:ext uri="{FF2B5EF4-FFF2-40B4-BE49-F238E27FC236}">
-                <a16:creationId xmlns:a16="http://schemas.microsoft.com/office/drawing/2014/main" id="{452F8313-DFFB-2E8D-59C2-0DD9A44782C0}"/>
-              </a:ext>
-            </a:extLst>
-          </p:cNvPr>
-          <p:cNvSpPr/>
-          <p:nvPr/>
-        </p:nvSpPr>
-        <p:spPr>
-          <a:xfrm>
-            <a:off x="1621595" y="22547906"/>
-            <a:ext cx="2750329" cy="788879"/>
-          </a:xfrm>
-          <a:prstGeom prst="roundRect">
-            <a:avLst>
-              <a:gd name="adj" fmla="val 40815"/>
-            </a:avLst>
-          </a:prstGeom>
-          <a:solidFill>
-            <a:schemeClr val="bg1"/>
-          </a:solidFill>
-          <a:ln w="104775">
-            <a:solidFill>
-              <a:srgbClr val="842332"/>
-            </a:solidFill>
-          </a:ln>
-        </p:spPr>
-        <p:style>
-          <a:lnRef idx="2">
-            <a:schemeClr val="accent1">
-              <a:shade val="15000"/>
-            </a:schemeClr>
-          </a:lnRef>
-          <a:fillRef idx="1">
-            <a:schemeClr val="accent1"/>
-          </a:fillRef>
-          <a:effectRef idx="0">
-            <a:schemeClr val="accent1"/>
-          </a:effectRef>
-          <a:fontRef idx="minor">
-            <a:schemeClr val="lt1"/>
-          </a:fontRef>
-        </p:style>
-        <p:txBody>
-          <a:bodyPr rtlCol="0" anchor="ctr"/>
-          <a:lstStyle/>
-          <a:p>
-            <a:pPr algn="ctr"/>
-            <a:r>
-              <a:rPr lang="de-DE" sz="2400" dirty="0">
-                <a:solidFill>
-                  <a:srgbClr val="842332"/>
-                </a:solidFill>
-              </a:rPr>
-              <a:t>Selected Proteins</a:t>
-            </a:r>
-          </a:p>
-        </p:txBody>
-      </p:sp>
-      <p:sp>
-        <p:nvSpPr>
-          <p:cNvPr id="116" name="Rectangle: Rounded Corners 115">
-            <a:extLst>
-              <a:ext uri="{FF2B5EF4-FFF2-40B4-BE49-F238E27FC236}">
-                <a16:creationId xmlns:a16="http://schemas.microsoft.com/office/drawing/2014/main" id="{C0EB293E-A804-5290-B1C8-0B0D8D845C2E}"/>
-              </a:ext>
-            </a:extLst>
-          </p:cNvPr>
-          <p:cNvSpPr/>
-          <p:nvPr/>
-        </p:nvSpPr>
-        <p:spPr>
-          <a:xfrm>
-            <a:off x="8316872" y="22655504"/>
-            <a:ext cx="2750329" cy="788879"/>
-          </a:xfrm>
-          <a:prstGeom prst="roundRect">
-            <a:avLst>
-              <a:gd name="adj" fmla="val 40815"/>
-            </a:avLst>
-          </a:prstGeom>
-          <a:solidFill>
-            <a:schemeClr val="bg1"/>
-          </a:solidFill>
-          <a:ln w="104775">
-            <a:solidFill>
-              <a:srgbClr val="191970"/>
-            </a:solidFill>
-          </a:ln>
-        </p:spPr>
-        <p:style>
-          <a:lnRef idx="2">
-            <a:schemeClr val="accent1">
-              <a:shade val="15000"/>
-            </a:schemeClr>
-          </a:lnRef>
-          <a:fillRef idx="1">
-            <a:schemeClr val="accent1"/>
-          </a:fillRef>
-          <a:effectRef idx="0">
-            <a:schemeClr val="accent1"/>
-          </a:effectRef>
-          <a:fontRef idx="minor">
-            <a:schemeClr val="lt1"/>
-          </a:fontRef>
-        </p:style>
-        <p:txBody>
-          <a:bodyPr rtlCol="0" anchor="ctr"/>
-          <a:lstStyle/>
-          <a:p>
-            <a:pPr algn="ctr"/>
-            <a:r>
-              <a:rPr lang="de-DE" sz="2400" dirty="0">
-                <a:solidFill>
-                  <a:srgbClr val="191970"/>
-                </a:solidFill>
-              </a:rPr>
-              <a:t>Not Selected Proteins</a:t>
-            </a:r>
-          </a:p>
-        </p:txBody>
-      </p:sp>
-      <p:cxnSp>
-        <p:nvCxnSpPr>
-          <p:cNvPr id="117" name="Straight Connector 116">
-            <a:extLst>
-              <a:ext uri="{FF2B5EF4-FFF2-40B4-BE49-F238E27FC236}">
-                <a16:creationId xmlns:a16="http://schemas.microsoft.com/office/drawing/2014/main" id="{8CD3DCB2-E415-CBB9-44AE-872727130A17}"/>
-              </a:ext>
-            </a:extLst>
-          </p:cNvPr>
-          <p:cNvCxnSpPr>
-            <a:cxnSpLocks/>
-          </p:cNvCxnSpPr>
-          <p:nvPr/>
-        </p:nvCxnSpPr>
-        <p:spPr>
-          <a:xfrm flipV="1">
-            <a:off x="9472520" y="20068095"/>
-            <a:ext cx="2812" cy="2573238"/>
-          </a:xfrm>
-          <a:prstGeom prst="line">
-            <a:avLst/>
-          </a:prstGeom>
-          <a:ln w="88900">
-            <a:solidFill>
-              <a:srgbClr val="141F4C"/>
-            </a:solidFill>
-          </a:ln>
-        </p:spPr>
-        <p:style>
-          <a:lnRef idx="1">
-            <a:schemeClr val="accent1"/>
-          </a:lnRef>
-          <a:fillRef idx="0">
-            <a:schemeClr val="accent1"/>
-          </a:fillRef>
-          <a:effectRef idx="0">
-            <a:schemeClr val="accent1"/>
-          </a:effectRef>
-          <a:fontRef idx="minor">
-            <a:schemeClr val="tx1"/>
-          </a:fontRef>
-        </p:style>
-      </p:cxnSp>
-      <p:cxnSp>
-        <p:nvCxnSpPr>
-          <p:cNvPr id="118" name="Straight Connector 117">
-            <a:extLst>
-              <a:ext uri="{FF2B5EF4-FFF2-40B4-BE49-F238E27FC236}">
-                <a16:creationId xmlns:a16="http://schemas.microsoft.com/office/drawing/2014/main" id="{374FE3E0-D4CF-7F96-C40A-0D5D85592D10}"/>
-              </a:ext>
-            </a:extLst>
-          </p:cNvPr>
-          <p:cNvCxnSpPr>
-            <a:cxnSpLocks/>
-          </p:cNvCxnSpPr>
-          <p:nvPr/>
-        </p:nvCxnSpPr>
-        <p:spPr>
-          <a:xfrm flipV="1">
-            <a:off x="8680780" y="21190002"/>
-            <a:ext cx="0" cy="1474228"/>
-          </a:xfrm>
-          <a:prstGeom prst="line">
-            <a:avLst/>
-          </a:prstGeom>
-          <a:ln w="88900">
-            <a:solidFill>
-              <a:srgbClr val="141F4C"/>
-            </a:solidFill>
-          </a:ln>
-        </p:spPr>
-        <p:style>
-          <a:lnRef idx="1">
-            <a:schemeClr val="accent1"/>
-          </a:lnRef>
-          <a:fillRef idx="0">
-            <a:schemeClr val="accent1"/>
-          </a:fillRef>
-          <a:effectRef idx="0">
-            <a:schemeClr val="accent1"/>
-          </a:effectRef>
-          <a:fontRef idx="minor">
-            <a:schemeClr val="tx1"/>
-          </a:fontRef>
-        </p:style>
-      </p:cxnSp>
-      <p:sp>
-        <p:nvSpPr>
-          <p:cNvPr id="2" name="Textfeld 1">
-            <a:extLst>
-              <a:ext uri="{FF2B5EF4-FFF2-40B4-BE49-F238E27FC236}">
-                <a16:creationId xmlns:a16="http://schemas.microsoft.com/office/drawing/2014/main" id="{002F6548-8D92-C755-018F-1E50DA196084}"/>
+                <a16:creationId xmlns:a16="http://schemas.microsoft.com/office/drawing/2014/main" id="{9602B440-6D5E-1C7B-F677-70B9F3C3BD9C}"/>
               </a:ext>
             </a:extLst>
           </p:cNvPr>
@@ -7942,8 +8474,8 @@
         </p:nvSpPr>
         <p:spPr>
           <a:xfrm>
-            <a:off x="1429593" y="23666683"/>
-            <a:ext cx="9848007" cy="2862322"/>
+            <a:off x="25583413" y="3182753"/>
+            <a:ext cx="4343607" cy="1138422"/>
           </a:xfrm>
           <a:prstGeom prst="rect">
             <a:avLst/>
@@ -7956,1133 +8488,7 @@
           </a:bodyPr>
           <a:lstStyle/>
           <a:p>
-            <a:r>
-              <a:rPr lang="de-DE" sz="2000" b="1" dirty="0"/>
-              <a:t>Fig. 3 </a:t>
-            </a:r>
-            <a:r>
-              <a:rPr lang="de-DE" sz="2000" dirty="0" err="1"/>
-              <a:t>Selection</a:t>
-            </a:r>
-            <a:r>
-              <a:rPr lang="de-DE" sz="2000" dirty="0"/>
-              <a:t> </a:t>
-            </a:r>
-            <a:r>
-              <a:rPr lang="de-DE" sz="2000" dirty="0" err="1"/>
-              <a:t>criteria</a:t>
-            </a:r>
-            <a:r>
-              <a:rPr lang="de-DE" sz="2000" dirty="0"/>
-              <a:t> </a:t>
-            </a:r>
-            <a:r>
-              <a:rPr lang="de-DE" sz="2000" dirty="0" err="1"/>
-              <a:t>used</a:t>
-            </a:r>
-            <a:r>
-              <a:rPr lang="de-DE" sz="2000" dirty="0"/>
-              <a:t> </a:t>
-            </a:r>
-            <a:r>
-              <a:rPr lang="de-DE" sz="2000" dirty="0" err="1"/>
-              <a:t>for</a:t>
-            </a:r>
-            <a:r>
-              <a:rPr lang="de-DE" sz="2000" dirty="0"/>
-              <a:t> </a:t>
-            </a:r>
-            <a:r>
-              <a:rPr lang="de-DE" sz="2000" dirty="0" err="1"/>
-              <a:t>the</a:t>
-            </a:r>
-            <a:r>
-              <a:rPr lang="de-DE" sz="2000" dirty="0"/>
-              <a:t> </a:t>
-            </a:r>
-            <a:r>
-              <a:rPr lang="de-DE" sz="2000" dirty="0" err="1"/>
-              <a:t>identification</a:t>
-            </a:r>
-            <a:r>
-              <a:rPr lang="de-DE" sz="2000" dirty="0"/>
-              <a:t> </a:t>
-            </a:r>
-            <a:r>
-              <a:rPr lang="de-DE" sz="2000" dirty="0" err="1"/>
-              <a:t>of</a:t>
-            </a:r>
-            <a:r>
-              <a:rPr lang="de-DE" sz="2000" dirty="0"/>
-              <a:t> RNA-</a:t>
-            </a:r>
-            <a:r>
-              <a:rPr lang="de-DE" sz="2000" dirty="0" err="1"/>
-              <a:t>dependent</a:t>
-            </a:r>
-            <a:r>
-              <a:rPr lang="de-DE" sz="2000" dirty="0"/>
-              <a:t> (</a:t>
-            </a:r>
-            <a:r>
-              <a:rPr lang="de-DE" sz="2000" dirty="0" err="1"/>
-              <a:t>selected</a:t>
-            </a:r>
-            <a:r>
-              <a:rPr lang="de-DE" sz="2000" dirty="0"/>
-              <a:t>) and not RNA-</a:t>
-            </a:r>
-            <a:r>
-              <a:rPr lang="de-DE" sz="2000" dirty="0" err="1"/>
-              <a:t>dependent</a:t>
-            </a:r>
-            <a:r>
-              <a:rPr lang="de-DE" sz="2000" dirty="0"/>
-              <a:t> (not </a:t>
-            </a:r>
-            <a:r>
-              <a:rPr lang="de-DE" sz="2000" dirty="0" err="1"/>
-              <a:t>selected</a:t>
-            </a:r>
-            <a:r>
-              <a:rPr lang="de-DE" sz="2000" dirty="0"/>
-              <a:t>) </a:t>
-            </a:r>
-            <a:r>
-              <a:rPr lang="de-DE" sz="2000" dirty="0" err="1"/>
-              <a:t>proteins</a:t>
-            </a:r>
-            <a:r>
-              <a:rPr lang="de-DE" sz="2000" dirty="0"/>
-              <a:t> </a:t>
-            </a:r>
-          </a:p>
-          <a:p>
-            <a:endParaRPr lang="de-DE" sz="2000" dirty="0"/>
-          </a:p>
-          <a:p>
-            <a:r>
-              <a:rPr lang="de-DE" sz="2000" dirty="0"/>
-              <a:t>Proteins </a:t>
-            </a:r>
-            <a:r>
-              <a:rPr lang="de-DE" sz="2000" dirty="0" err="1"/>
-              <a:t>were</a:t>
-            </a:r>
-            <a:r>
-              <a:rPr lang="de-DE" sz="2000" dirty="0"/>
-              <a:t> </a:t>
-            </a:r>
-            <a:r>
-              <a:rPr lang="de-DE" sz="2000" dirty="0" err="1"/>
-              <a:t>selected</a:t>
-            </a:r>
-            <a:r>
-              <a:rPr lang="de-DE" sz="2000" dirty="0"/>
-              <a:t> </a:t>
-            </a:r>
-            <a:r>
-              <a:rPr lang="de-DE" sz="2000" dirty="0" err="1"/>
-              <a:t>based</a:t>
-            </a:r>
-            <a:r>
-              <a:rPr lang="de-DE" sz="2000" dirty="0"/>
-              <a:t> on a </a:t>
-            </a:r>
-            <a:r>
-              <a:rPr lang="de-DE" sz="2000" dirty="0" err="1"/>
-              <a:t>sequence</a:t>
-            </a:r>
-            <a:r>
-              <a:rPr lang="de-DE" sz="2000" dirty="0"/>
-              <a:t> </a:t>
-            </a:r>
-            <a:r>
-              <a:rPr lang="de-DE" sz="2000" dirty="0" err="1"/>
-              <a:t>ofcriteria</a:t>
-            </a:r>
-            <a:r>
-              <a:rPr lang="de-DE" sz="2000" dirty="0"/>
-              <a:t>. The </a:t>
-            </a:r>
-            <a:r>
-              <a:rPr lang="de-DE" sz="2000" dirty="0" err="1"/>
-              <a:t>selected</a:t>
-            </a:r>
-            <a:r>
-              <a:rPr lang="de-DE" sz="2000" dirty="0"/>
-              <a:t> </a:t>
-            </a:r>
-            <a:r>
-              <a:rPr lang="de-DE" sz="2000" dirty="0" err="1"/>
-              <a:t>proteins</a:t>
-            </a:r>
-            <a:r>
-              <a:rPr lang="de-DE" sz="2000" dirty="0"/>
-              <a:t> </a:t>
-            </a:r>
-            <a:r>
-              <a:rPr lang="de-DE" sz="2000" dirty="0" err="1"/>
-              <a:t>either</a:t>
-            </a:r>
-            <a:r>
-              <a:rPr lang="de-DE" sz="2000" dirty="0"/>
-              <a:t> </a:t>
-            </a:r>
-            <a:r>
-              <a:rPr lang="de-DE" sz="2000" dirty="0" err="1"/>
-              <a:t>had</a:t>
-            </a:r>
-            <a:r>
-              <a:rPr lang="de-DE" sz="2000" dirty="0"/>
-              <a:t> a </a:t>
-            </a:r>
-            <a:r>
-              <a:rPr lang="de-DE" sz="2000" dirty="0" err="1"/>
-              <a:t>center</a:t>
-            </a:r>
-            <a:r>
-              <a:rPr lang="de-DE" sz="2000" dirty="0"/>
-              <a:t> </a:t>
-            </a:r>
-            <a:r>
-              <a:rPr lang="de-DE" sz="2000" dirty="0" err="1"/>
-              <a:t>of</a:t>
-            </a:r>
-            <a:r>
-              <a:rPr lang="de-DE" sz="2000" dirty="0"/>
-              <a:t> </a:t>
-            </a:r>
-            <a:r>
-              <a:rPr lang="de-DE" sz="2000" dirty="0" err="1"/>
-              <a:t>mass</a:t>
-            </a:r>
-            <a:r>
-              <a:rPr lang="de-DE" sz="2000" dirty="0"/>
-              <a:t> shift ≥ 2 </a:t>
-            </a:r>
-            <a:r>
-              <a:rPr lang="de-DE" sz="2000" dirty="0" err="1"/>
-              <a:t>fractions</a:t>
-            </a:r>
-            <a:r>
-              <a:rPr lang="de-DE" sz="2000" dirty="0"/>
-              <a:t>, </a:t>
-            </a:r>
-            <a:r>
-              <a:rPr lang="de-DE" sz="2000" dirty="0" err="1"/>
-              <a:t>or</a:t>
-            </a:r>
-            <a:r>
-              <a:rPr lang="de-DE" sz="2000" dirty="0"/>
-              <a:t> </a:t>
-            </a:r>
-            <a:r>
-              <a:rPr lang="de-DE" sz="2000" dirty="0" err="1"/>
-              <a:t>had</a:t>
-            </a:r>
-            <a:r>
-              <a:rPr lang="de-DE" sz="2000" dirty="0"/>
-              <a:t> </a:t>
-            </a:r>
-            <a:r>
-              <a:rPr lang="de-DE" sz="2000" dirty="0" err="1"/>
-              <a:t>no</a:t>
-            </a:r>
-            <a:r>
-              <a:rPr lang="de-DE" sz="2000" dirty="0"/>
-              <a:t> </a:t>
-            </a:r>
-            <a:r>
-              <a:rPr lang="de-DE" sz="2000" dirty="0" err="1"/>
-              <a:t>center</a:t>
-            </a:r>
-            <a:r>
-              <a:rPr lang="de-DE" sz="2000" dirty="0"/>
-              <a:t> </a:t>
-            </a:r>
-            <a:r>
-              <a:rPr lang="de-DE" sz="2000" dirty="0" err="1"/>
-              <a:t>of</a:t>
-            </a:r>
-            <a:r>
-              <a:rPr lang="de-DE" sz="2000" dirty="0"/>
-              <a:t> </a:t>
-            </a:r>
-            <a:r>
-              <a:rPr lang="de-DE" sz="2000" dirty="0" err="1"/>
-              <a:t>mass</a:t>
-            </a:r>
-            <a:r>
-              <a:rPr lang="de-DE" sz="2000" dirty="0"/>
-              <a:t> shift, but </a:t>
-            </a:r>
-            <a:r>
-              <a:rPr lang="de-DE" sz="2000" dirty="0" err="1"/>
-              <a:t>had</a:t>
-            </a:r>
-            <a:r>
-              <a:rPr lang="de-DE" sz="2000" dirty="0"/>
-              <a:t> a </a:t>
-            </a:r>
-            <a:r>
-              <a:rPr lang="de-DE" sz="2000" dirty="0" err="1"/>
-              <a:t>main</a:t>
-            </a:r>
-            <a:r>
-              <a:rPr lang="de-DE" sz="2000" dirty="0"/>
-              <a:t> maximum shift ≥ 3 </a:t>
-            </a:r>
-            <a:r>
-              <a:rPr lang="de-DE" sz="2000" dirty="0" err="1"/>
-              <a:t>fractions</a:t>
-            </a:r>
-            <a:r>
-              <a:rPr lang="de-DE" sz="2000" dirty="0"/>
-              <a:t>, and </a:t>
-            </a:r>
-            <a:r>
-              <a:rPr lang="de-DE" sz="2000" dirty="0" err="1"/>
-              <a:t>additionally</a:t>
-            </a:r>
-            <a:r>
-              <a:rPr lang="de-DE" sz="2000" dirty="0"/>
-              <a:t> a </a:t>
-            </a:r>
-            <a:r>
-              <a:rPr lang="de-DE" sz="2000" dirty="0" err="1"/>
-              <a:t>correlation</a:t>
-            </a:r>
-            <a:r>
-              <a:rPr lang="de-DE" sz="2000" dirty="0"/>
-              <a:t> </a:t>
-            </a:r>
-            <a:r>
-              <a:rPr lang="de-DE" sz="2000" dirty="0" err="1"/>
-              <a:t>value</a:t>
-            </a:r>
-            <a:r>
-              <a:rPr lang="de-DE" sz="2000" dirty="0"/>
-              <a:t> </a:t>
-            </a:r>
-            <a:r>
-              <a:rPr lang="de-DE" sz="2000" dirty="0" err="1"/>
-              <a:t>of</a:t>
-            </a:r>
-            <a:r>
-              <a:rPr lang="de-DE" sz="2000" dirty="0"/>
-              <a:t> &lt; 0.7 </a:t>
-            </a:r>
-            <a:r>
-              <a:rPr lang="de-DE" sz="2000" dirty="0" err="1"/>
-              <a:t>between</a:t>
-            </a:r>
-            <a:r>
-              <a:rPr lang="de-DE" sz="2000" dirty="0"/>
-              <a:t> </a:t>
-            </a:r>
-            <a:r>
-              <a:rPr lang="de-DE" sz="2000" dirty="0" err="1"/>
-              <a:t>control</a:t>
-            </a:r>
-            <a:r>
-              <a:rPr lang="de-DE" sz="2000" dirty="0"/>
-              <a:t> and </a:t>
-            </a:r>
-            <a:r>
-              <a:rPr lang="de-DE" sz="2000" dirty="0" err="1"/>
-              <a:t>rnase</a:t>
-            </a:r>
-            <a:r>
-              <a:rPr lang="de-DE" sz="2000" dirty="0"/>
-              <a:t> .  The not </a:t>
-            </a:r>
-            <a:r>
-              <a:rPr lang="de-DE" sz="2000" dirty="0" err="1"/>
-              <a:t>selected</a:t>
-            </a:r>
-            <a:r>
-              <a:rPr lang="de-DE" sz="2000" dirty="0"/>
-              <a:t> </a:t>
-            </a:r>
-            <a:r>
-              <a:rPr lang="de-DE" sz="2000" dirty="0" err="1"/>
-              <a:t>proteins</a:t>
-            </a:r>
-            <a:r>
-              <a:rPr lang="de-DE" sz="2000" dirty="0"/>
-              <a:t> </a:t>
-            </a:r>
-            <a:r>
-              <a:rPr lang="de-DE" sz="2000" dirty="0" err="1"/>
-              <a:t>either</a:t>
-            </a:r>
-            <a:r>
-              <a:rPr lang="de-DE" sz="2000" dirty="0"/>
-              <a:t> </a:t>
-            </a:r>
-            <a:r>
-              <a:rPr lang="de-DE" sz="2000" dirty="0" err="1"/>
-              <a:t>had</a:t>
-            </a:r>
-            <a:r>
-              <a:rPr lang="de-DE" sz="2000" dirty="0"/>
-              <a:t> </a:t>
-            </a:r>
-            <a:r>
-              <a:rPr lang="de-DE" sz="2000" dirty="0" err="1"/>
-              <a:t>no</a:t>
-            </a:r>
-            <a:r>
-              <a:rPr lang="de-DE" sz="2000" dirty="0"/>
-              <a:t> </a:t>
-            </a:r>
-            <a:r>
-              <a:rPr lang="de-DE" sz="2000" dirty="0" err="1"/>
-              <a:t>center</a:t>
-            </a:r>
-            <a:r>
-              <a:rPr lang="de-DE" sz="2000" dirty="0"/>
-              <a:t> </a:t>
-            </a:r>
-            <a:r>
-              <a:rPr lang="de-DE" sz="2000" dirty="0" err="1"/>
-              <a:t>of</a:t>
-            </a:r>
-            <a:r>
-              <a:rPr lang="de-DE" sz="2000" dirty="0"/>
-              <a:t> </a:t>
-            </a:r>
-            <a:r>
-              <a:rPr lang="de-DE" sz="2000" dirty="0" err="1"/>
-              <a:t>mass</a:t>
-            </a:r>
-            <a:r>
-              <a:rPr lang="de-DE" sz="2000" dirty="0"/>
-              <a:t> shift ≥ 2 </a:t>
-            </a:r>
-            <a:r>
-              <a:rPr lang="de-DE" sz="2000" dirty="0" err="1"/>
-              <a:t>fractions</a:t>
-            </a:r>
-            <a:r>
-              <a:rPr lang="de-DE" sz="2000" dirty="0"/>
-              <a:t> and </a:t>
-            </a:r>
-            <a:r>
-              <a:rPr lang="de-DE" sz="2000" dirty="0" err="1"/>
-              <a:t>no</a:t>
-            </a:r>
-            <a:r>
-              <a:rPr lang="de-DE" sz="2000" dirty="0"/>
-              <a:t> </a:t>
-            </a:r>
-            <a:r>
-              <a:rPr lang="de-DE" sz="2000" dirty="0" err="1"/>
-              <a:t>main</a:t>
-            </a:r>
-            <a:r>
-              <a:rPr lang="de-DE" sz="2000" dirty="0"/>
-              <a:t> maximum shift </a:t>
-            </a:r>
-            <a:r>
-              <a:rPr lang="de-DE" sz="2000" dirty="0">
-                <a:solidFill>
-                  <a:srgbClr val="191970"/>
-                </a:solidFill>
-              </a:rPr>
-              <a:t>≥ 3</a:t>
-            </a:r>
-            <a:r>
-              <a:rPr lang="de-DE" sz="2000" dirty="0"/>
-              <a:t> </a:t>
-            </a:r>
-            <a:r>
-              <a:rPr lang="de-DE" sz="2000" dirty="0" err="1"/>
-              <a:t>fractions</a:t>
-            </a:r>
-            <a:r>
-              <a:rPr lang="de-DE" sz="2000" dirty="0"/>
-              <a:t>, </a:t>
-            </a:r>
-            <a:r>
-              <a:rPr lang="de-DE" sz="2000" dirty="0" err="1"/>
-              <a:t>or</a:t>
-            </a:r>
-            <a:r>
-              <a:rPr lang="de-DE" sz="2000" dirty="0"/>
-              <a:t> </a:t>
-            </a:r>
-            <a:r>
-              <a:rPr lang="de-DE" sz="2000" dirty="0" err="1"/>
-              <a:t>had</a:t>
-            </a:r>
-            <a:r>
-              <a:rPr lang="de-DE" sz="2000" dirty="0"/>
-              <a:t> </a:t>
-            </a:r>
-            <a:r>
-              <a:rPr lang="de-DE" sz="2000" dirty="0" err="1"/>
-              <a:t>no</a:t>
-            </a:r>
-            <a:r>
-              <a:rPr lang="de-DE" sz="2000" dirty="0"/>
-              <a:t> </a:t>
-            </a:r>
-            <a:r>
-              <a:rPr lang="de-DE" sz="2000" dirty="0" err="1"/>
-              <a:t>center</a:t>
-            </a:r>
-            <a:r>
-              <a:rPr lang="de-DE" sz="2000" dirty="0"/>
-              <a:t> </a:t>
-            </a:r>
-            <a:r>
-              <a:rPr lang="de-DE" sz="2000" dirty="0" err="1"/>
-              <a:t>of</a:t>
-            </a:r>
-            <a:r>
-              <a:rPr lang="de-DE" sz="2000" dirty="0"/>
-              <a:t> </a:t>
-            </a:r>
-            <a:r>
-              <a:rPr lang="de-DE" sz="2000" dirty="0" err="1"/>
-              <a:t>mass</a:t>
-            </a:r>
-            <a:r>
-              <a:rPr lang="de-DE" sz="2000" dirty="0"/>
-              <a:t> shift, but a </a:t>
-            </a:r>
-            <a:r>
-              <a:rPr lang="de-DE" sz="2000" dirty="0" err="1"/>
-              <a:t>main</a:t>
-            </a:r>
-            <a:r>
-              <a:rPr lang="de-DE" sz="2000" dirty="0"/>
-              <a:t> maximum shift and </a:t>
-            </a:r>
-            <a:r>
-              <a:rPr lang="de-DE" sz="2000" dirty="0" err="1"/>
-              <a:t>additionally</a:t>
-            </a:r>
-            <a:r>
-              <a:rPr lang="de-DE" sz="2000" dirty="0"/>
-              <a:t> a </a:t>
-            </a:r>
-            <a:r>
-              <a:rPr lang="de-DE" sz="2000" dirty="0" err="1"/>
-              <a:t>correlaction</a:t>
-            </a:r>
-            <a:r>
-              <a:rPr lang="de-DE" sz="2000" dirty="0"/>
-              <a:t> </a:t>
-            </a:r>
-            <a:r>
-              <a:rPr lang="de-DE" sz="2000" dirty="0" err="1"/>
-              <a:t>value</a:t>
-            </a:r>
-            <a:r>
-              <a:rPr lang="de-DE" sz="2000" dirty="0"/>
-              <a:t> ≥ 0.7 </a:t>
-            </a:r>
-            <a:r>
-              <a:rPr lang="de-DE" sz="2000" dirty="0" err="1"/>
-              <a:t>between</a:t>
-            </a:r>
-            <a:r>
-              <a:rPr lang="de-DE" sz="2000" dirty="0"/>
-              <a:t> </a:t>
-            </a:r>
-            <a:r>
-              <a:rPr lang="de-DE" sz="2000" dirty="0" err="1"/>
-              <a:t>contro</a:t>
-            </a:r>
-            <a:r>
-              <a:rPr lang="de-DE" sz="2000" dirty="0"/>
-              <a:t>, and </a:t>
-            </a:r>
-            <a:r>
-              <a:rPr lang="de-DE" sz="2000" dirty="0" err="1"/>
-              <a:t>rnase</a:t>
-            </a:r>
-            <a:r>
-              <a:rPr lang="de-DE" sz="2000" dirty="0"/>
-              <a:t>. </a:t>
-            </a:r>
-          </a:p>
-        </p:txBody>
-      </p:sp>
-      <p:pic>
-        <p:nvPicPr>
-          <p:cNvPr id="5" name="Grafik 4">
-            <a:extLst>
-              <a:ext uri="{FF2B5EF4-FFF2-40B4-BE49-F238E27FC236}">
-                <a16:creationId xmlns:a16="http://schemas.microsoft.com/office/drawing/2014/main" id="{989D5533-9B2F-5E4F-BFF9-FDA622B3EFD6}"/>
-              </a:ext>
-            </a:extLst>
-          </p:cNvPr>
-          <p:cNvPicPr>
-            <a:picLocks noChangeAspect="1"/>
-          </p:cNvPicPr>
-          <p:nvPr/>
-        </p:nvPicPr>
-        <p:blipFill>
-          <a:blip r:embed="rId25"/>
-          <a:stretch>
-            <a:fillRect/>
-          </a:stretch>
-        </p:blipFill>
-        <p:spPr>
-          <a:xfrm>
-            <a:off x="14941610" y="21402919"/>
-            <a:ext cx="8608993" cy="4143581"/>
-          </a:xfrm>
-          <a:prstGeom prst="rect">
-            <a:avLst/>
-          </a:prstGeom>
-        </p:spPr>
-      </p:pic>
-      <p:sp>
-        <p:nvSpPr>
-          <p:cNvPr id="16" name="Textfeld 15">
-            <a:extLst>
-              <a:ext uri="{FF2B5EF4-FFF2-40B4-BE49-F238E27FC236}">
-                <a16:creationId xmlns:a16="http://schemas.microsoft.com/office/drawing/2014/main" id="{447642A8-D5C5-97E6-FC45-3440DC69F80C}"/>
-              </a:ext>
-            </a:extLst>
-          </p:cNvPr>
-          <p:cNvSpPr txBox="1"/>
-          <p:nvPr/>
-        </p:nvSpPr>
-        <p:spPr>
-          <a:xfrm>
-            <a:off x="13186252" y="24830961"/>
-            <a:ext cx="11094443" cy="1754326"/>
-          </a:xfrm>
-          <a:prstGeom prst="rect">
-            <a:avLst/>
-          </a:prstGeom>
-          <a:noFill/>
-        </p:spPr>
-        <p:txBody>
-          <a:bodyPr wrap="square" rtlCol="0">
-            <a:spAutoFit/>
-          </a:bodyPr>
-          <a:lstStyle/>
-          <a:p>
-            <a:r>
-              <a:rPr lang="de-DE" b="1" dirty="0"/>
-              <a:t>Fig 4 </a:t>
-            </a:r>
-            <a:r>
-              <a:rPr lang="de-DE" dirty="0" err="1"/>
-              <a:t>Scatter</a:t>
-            </a:r>
-            <a:r>
-              <a:rPr lang="de-DE" dirty="0"/>
-              <a:t> Plots </a:t>
-            </a:r>
-            <a:r>
-              <a:rPr lang="de-DE" dirty="0" err="1"/>
-              <a:t>of</a:t>
-            </a:r>
-            <a:r>
-              <a:rPr lang="de-DE" dirty="0"/>
-              <a:t> </a:t>
-            </a:r>
-            <a:r>
-              <a:rPr lang="de-DE" dirty="0" err="1"/>
-              <a:t>the</a:t>
-            </a:r>
-            <a:r>
-              <a:rPr lang="de-DE" dirty="0"/>
-              <a:t> </a:t>
-            </a:r>
-            <a:r>
-              <a:rPr lang="de-DE" dirty="0" err="1"/>
-              <a:t>center</a:t>
-            </a:r>
-            <a:r>
-              <a:rPr lang="de-DE" dirty="0"/>
-              <a:t> </a:t>
-            </a:r>
-            <a:r>
-              <a:rPr lang="de-DE" dirty="0" err="1"/>
-              <a:t>of</a:t>
-            </a:r>
-            <a:r>
-              <a:rPr lang="de-DE" dirty="0"/>
-              <a:t> </a:t>
-            </a:r>
-            <a:r>
-              <a:rPr lang="de-DE" dirty="0" err="1"/>
-              <a:t>mass</a:t>
-            </a:r>
-            <a:r>
-              <a:rPr lang="de-DE" dirty="0"/>
-              <a:t> </a:t>
-            </a:r>
-            <a:r>
-              <a:rPr lang="de-DE" dirty="0" err="1"/>
-              <a:t>values</a:t>
-            </a:r>
-            <a:r>
-              <a:rPr lang="de-DE" dirty="0"/>
-              <a:t> </a:t>
-            </a:r>
-            <a:r>
-              <a:rPr lang="de-DE" dirty="0" err="1"/>
-              <a:t>between</a:t>
-            </a:r>
-            <a:r>
-              <a:rPr lang="de-DE" dirty="0"/>
-              <a:t> </a:t>
-            </a:r>
-            <a:r>
-              <a:rPr lang="de-DE" dirty="0" err="1"/>
-              <a:t>control</a:t>
-            </a:r>
-            <a:r>
-              <a:rPr lang="de-DE" dirty="0"/>
-              <a:t> and </a:t>
-            </a:r>
-            <a:r>
-              <a:rPr lang="de-DE" dirty="0" err="1"/>
-              <a:t>rnase</a:t>
-            </a:r>
-            <a:r>
-              <a:rPr lang="de-DE" dirty="0"/>
-              <a:t> </a:t>
-            </a:r>
-          </a:p>
-          <a:p>
-            <a:endParaRPr lang="de-DE" dirty="0"/>
-          </a:p>
-          <a:p>
-            <a:r>
-              <a:rPr lang="de-DE" dirty="0" err="1"/>
-              <a:t>Each</a:t>
-            </a:r>
-            <a:r>
-              <a:rPr lang="de-DE" dirty="0"/>
-              <a:t> </a:t>
-            </a:r>
-            <a:r>
-              <a:rPr lang="de-DE" dirty="0" err="1"/>
-              <a:t>dot</a:t>
-            </a:r>
-            <a:r>
-              <a:rPr lang="de-DE" dirty="0"/>
-              <a:t> </a:t>
-            </a:r>
-            <a:r>
-              <a:rPr lang="de-DE" dirty="0" err="1"/>
-              <a:t>represents</a:t>
-            </a:r>
-            <a:r>
-              <a:rPr lang="de-DE" dirty="0"/>
-              <a:t> a </a:t>
-            </a:r>
-            <a:r>
-              <a:rPr lang="de-DE" dirty="0" err="1"/>
-              <a:t>protein</a:t>
-            </a:r>
-            <a:r>
-              <a:rPr lang="de-DE" dirty="0"/>
-              <a:t>. </a:t>
-            </a:r>
-            <a:r>
-              <a:rPr lang="de-DE" b="1" dirty="0"/>
-              <a:t>A) </a:t>
-            </a:r>
-            <a:r>
-              <a:rPr lang="de-DE" dirty="0" err="1"/>
-              <a:t>Scatter</a:t>
-            </a:r>
-            <a:r>
-              <a:rPr lang="de-DE" dirty="0"/>
-              <a:t> </a:t>
-            </a:r>
-            <a:r>
-              <a:rPr lang="de-DE" dirty="0" err="1"/>
-              <a:t>plot</a:t>
-            </a:r>
-            <a:r>
-              <a:rPr lang="de-DE" dirty="0"/>
-              <a:t> </a:t>
-            </a:r>
-            <a:r>
-              <a:rPr lang="de-DE" dirty="0" err="1"/>
-              <a:t>for</a:t>
-            </a:r>
-            <a:r>
-              <a:rPr lang="de-DE" dirty="0"/>
-              <a:t> </a:t>
-            </a:r>
-            <a:r>
-              <a:rPr lang="de-DE" dirty="0" err="1"/>
-              <a:t>the</a:t>
-            </a:r>
-            <a:r>
-              <a:rPr lang="de-DE" dirty="0"/>
-              <a:t> </a:t>
-            </a:r>
-            <a:r>
-              <a:rPr lang="de-DE" dirty="0" err="1"/>
-              <a:t>selected</a:t>
-            </a:r>
-            <a:r>
-              <a:rPr lang="de-DE" dirty="0"/>
-              <a:t> </a:t>
-            </a:r>
-            <a:r>
-              <a:rPr lang="de-DE" dirty="0" err="1"/>
-              <a:t>proteins</a:t>
-            </a:r>
-            <a:r>
-              <a:rPr lang="de-DE" dirty="0"/>
-              <a:t>. The COM </a:t>
-            </a:r>
-            <a:r>
-              <a:rPr lang="de-DE" dirty="0" err="1"/>
-              <a:t>values</a:t>
-            </a:r>
-            <a:r>
-              <a:rPr lang="de-DE" dirty="0"/>
-              <a:t> </a:t>
-            </a:r>
-            <a:r>
-              <a:rPr lang="de-DE" dirty="0" err="1"/>
-              <a:t>for</a:t>
-            </a:r>
-            <a:r>
-              <a:rPr lang="de-DE" dirty="0"/>
-              <a:t> </a:t>
-            </a:r>
-            <a:r>
-              <a:rPr lang="de-DE" dirty="0" err="1"/>
-              <a:t>the</a:t>
-            </a:r>
-            <a:r>
-              <a:rPr lang="de-DE" dirty="0"/>
-              <a:t> </a:t>
-            </a:r>
-            <a:r>
-              <a:rPr lang="de-DE" dirty="0" err="1"/>
-              <a:t>protein</a:t>
-            </a:r>
-            <a:r>
-              <a:rPr lang="de-DE" dirty="0"/>
-              <a:t> in </a:t>
-            </a:r>
-            <a:r>
-              <a:rPr lang="de-DE" dirty="0" err="1"/>
-              <a:t>the</a:t>
-            </a:r>
-            <a:r>
-              <a:rPr lang="de-DE" dirty="0"/>
-              <a:t> </a:t>
-            </a:r>
-            <a:r>
-              <a:rPr lang="de-DE" dirty="0" err="1"/>
-              <a:t>control</a:t>
-            </a:r>
-            <a:r>
-              <a:rPr lang="de-DE" dirty="0"/>
-              <a:t> </a:t>
-            </a:r>
-            <a:r>
-              <a:rPr lang="de-DE" dirty="0" err="1"/>
-              <a:t>approach</a:t>
-            </a:r>
-            <a:r>
-              <a:rPr lang="de-DE" dirty="0"/>
-              <a:t> </a:t>
-            </a:r>
-            <a:r>
-              <a:rPr lang="de-DE" dirty="0" err="1"/>
-              <a:t>are</a:t>
-            </a:r>
-            <a:r>
-              <a:rPr lang="de-DE" dirty="0"/>
-              <a:t> on </a:t>
-            </a:r>
-            <a:r>
-              <a:rPr lang="de-DE" dirty="0" err="1"/>
-              <a:t>the</a:t>
-            </a:r>
-            <a:r>
-              <a:rPr lang="de-DE" dirty="0"/>
-              <a:t> x-</a:t>
-            </a:r>
-            <a:r>
-              <a:rPr lang="de-DE" dirty="0" err="1"/>
-              <a:t>axis</a:t>
-            </a:r>
-            <a:r>
-              <a:rPr lang="de-DE" dirty="0"/>
-              <a:t>, </a:t>
-            </a:r>
-            <a:r>
-              <a:rPr lang="de-DE" dirty="0" err="1"/>
-              <a:t>those</a:t>
-            </a:r>
-            <a:r>
-              <a:rPr lang="de-DE" dirty="0"/>
-              <a:t> </a:t>
-            </a:r>
-            <a:r>
-              <a:rPr lang="de-DE" dirty="0" err="1"/>
-              <a:t>for</a:t>
-            </a:r>
-            <a:r>
-              <a:rPr lang="de-DE" dirty="0"/>
-              <a:t> </a:t>
-            </a:r>
-            <a:r>
-              <a:rPr lang="de-DE" dirty="0" err="1"/>
-              <a:t>the</a:t>
-            </a:r>
-            <a:r>
-              <a:rPr lang="de-DE" dirty="0"/>
-              <a:t> </a:t>
-            </a:r>
-            <a:r>
-              <a:rPr lang="de-DE" dirty="0" err="1"/>
-              <a:t>rnase</a:t>
-            </a:r>
-            <a:r>
-              <a:rPr lang="de-DE" dirty="0"/>
-              <a:t> </a:t>
-            </a:r>
-            <a:r>
-              <a:rPr lang="de-DE" dirty="0" err="1"/>
-              <a:t>approach</a:t>
-            </a:r>
-            <a:r>
-              <a:rPr lang="de-DE" dirty="0"/>
-              <a:t> </a:t>
-            </a:r>
-            <a:r>
-              <a:rPr lang="de-DE" dirty="0" err="1"/>
-              <a:t>are</a:t>
-            </a:r>
-            <a:r>
-              <a:rPr lang="de-DE" dirty="0"/>
-              <a:t> on </a:t>
-            </a:r>
-            <a:r>
-              <a:rPr lang="de-DE" dirty="0" err="1"/>
-              <a:t>the</a:t>
-            </a:r>
-            <a:r>
-              <a:rPr lang="de-DE" dirty="0"/>
-              <a:t> y-</a:t>
-            </a:r>
-            <a:r>
-              <a:rPr lang="de-DE" dirty="0" err="1"/>
-              <a:t>axis</a:t>
-            </a:r>
-            <a:r>
-              <a:rPr lang="de-DE" dirty="0"/>
-              <a:t>. </a:t>
-            </a:r>
-            <a:r>
-              <a:rPr lang="de-DE" b="1" dirty="0"/>
-              <a:t>B) </a:t>
-            </a:r>
-            <a:r>
-              <a:rPr lang="de-DE" dirty="0" err="1"/>
-              <a:t>Scatter</a:t>
-            </a:r>
-            <a:r>
-              <a:rPr lang="de-DE" dirty="0"/>
-              <a:t> </a:t>
-            </a:r>
-            <a:r>
-              <a:rPr lang="de-DE" dirty="0" err="1"/>
-              <a:t>plot</a:t>
-            </a:r>
-            <a:r>
-              <a:rPr lang="de-DE" dirty="0"/>
-              <a:t> </a:t>
-            </a:r>
-            <a:r>
-              <a:rPr lang="de-DE" dirty="0" err="1"/>
-              <a:t>for</a:t>
-            </a:r>
-            <a:r>
-              <a:rPr lang="de-DE" dirty="0"/>
-              <a:t> </a:t>
-            </a:r>
-            <a:r>
-              <a:rPr lang="de-DE" dirty="0" err="1"/>
-              <a:t>the</a:t>
-            </a:r>
-            <a:r>
-              <a:rPr lang="de-DE" dirty="0"/>
-              <a:t> not </a:t>
-            </a:r>
-            <a:r>
-              <a:rPr lang="de-DE" dirty="0" err="1"/>
-              <a:t>selected</a:t>
-            </a:r>
-            <a:r>
-              <a:rPr lang="de-DE" dirty="0"/>
-              <a:t> </a:t>
-            </a:r>
-            <a:r>
-              <a:rPr lang="de-DE" dirty="0" err="1"/>
-              <a:t>proteins</a:t>
-            </a:r>
-            <a:r>
-              <a:rPr lang="de-DE" dirty="0"/>
-              <a:t>. The COM </a:t>
-            </a:r>
-            <a:r>
-              <a:rPr lang="de-DE" dirty="0" err="1"/>
-              <a:t>values</a:t>
-            </a:r>
-            <a:r>
-              <a:rPr lang="de-DE" dirty="0"/>
-              <a:t> </a:t>
-            </a:r>
-            <a:r>
-              <a:rPr lang="de-DE" dirty="0" err="1"/>
-              <a:t>for</a:t>
-            </a:r>
-            <a:r>
-              <a:rPr lang="de-DE" dirty="0"/>
-              <a:t> </a:t>
-            </a:r>
-            <a:r>
-              <a:rPr lang="de-DE" dirty="0" err="1"/>
-              <a:t>the</a:t>
-            </a:r>
-            <a:r>
-              <a:rPr lang="de-DE" dirty="0"/>
-              <a:t> </a:t>
-            </a:r>
-            <a:r>
-              <a:rPr lang="de-DE" dirty="0" err="1"/>
-              <a:t>protein</a:t>
-            </a:r>
-            <a:r>
-              <a:rPr lang="de-DE" dirty="0"/>
-              <a:t> in </a:t>
-            </a:r>
-            <a:r>
-              <a:rPr lang="de-DE" dirty="0" err="1"/>
-              <a:t>the</a:t>
-            </a:r>
-            <a:r>
-              <a:rPr lang="de-DE" dirty="0"/>
-              <a:t> </a:t>
-            </a:r>
-            <a:r>
-              <a:rPr lang="de-DE" dirty="0" err="1"/>
-              <a:t>control</a:t>
-            </a:r>
-            <a:r>
-              <a:rPr lang="de-DE" dirty="0"/>
-              <a:t> </a:t>
-            </a:r>
-            <a:r>
-              <a:rPr lang="de-DE" dirty="0" err="1"/>
-              <a:t>approach</a:t>
-            </a:r>
-            <a:r>
-              <a:rPr lang="de-DE" dirty="0"/>
-              <a:t> </a:t>
-            </a:r>
-            <a:r>
-              <a:rPr lang="de-DE" dirty="0" err="1"/>
-              <a:t>are</a:t>
-            </a:r>
-            <a:r>
-              <a:rPr lang="de-DE" dirty="0"/>
-              <a:t> on </a:t>
-            </a:r>
-            <a:r>
-              <a:rPr lang="de-DE" dirty="0" err="1"/>
-              <a:t>the</a:t>
-            </a:r>
-            <a:r>
-              <a:rPr lang="de-DE" dirty="0"/>
-              <a:t> x-</a:t>
-            </a:r>
-            <a:r>
-              <a:rPr lang="de-DE" dirty="0" err="1"/>
-              <a:t>axis</a:t>
-            </a:r>
-            <a:r>
-              <a:rPr lang="de-DE" dirty="0"/>
-              <a:t>, </a:t>
-            </a:r>
-            <a:r>
-              <a:rPr lang="de-DE" dirty="0" err="1"/>
-              <a:t>those</a:t>
-            </a:r>
-            <a:r>
-              <a:rPr lang="de-DE" dirty="0"/>
-              <a:t> </a:t>
-            </a:r>
-            <a:r>
-              <a:rPr lang="de-DE" dirty="0" err="1"/>
-              <a:t>for</a:t>
-            </a:r>
-            <a:r>
-              <a:rPr lang="de-DE" dirty="0"/>
-              <a:t> </a:t>
-            </a:r>
-            <a:r>
-              <a:rPr lang="de-DE" dirty="0" err="1"/>
-              <a:t>the</a:t>
-            </a:r>
-            <a:r>
-              <a:rPr lang="de-DE" dirty="0"/>
-              <a:t> </a:t>
-            </a:r>
-            <a:r>
-              <a:rPr lang="de-DE" dirty="0" err="1"/>
-              <a:t>rnase</a:t>
-            </a:r>
-            <a:r>
-              <a:rPr lang="de-DE" dirty="0"/>
-              <a:t> </a:t>
-            </a:r>
-            <a:r>
-              <a:rPr lang="de-DE" dirty="0" err="1"/>
-              <a:t>approach</a:t>
-            </a:r>
-            <a:r>
-              <a:rPr lang="de-DE" dirty="0"/>
-              <a:t> </a:t>
-            </a:r>
-            <a:r>
-              <a:rPr lang="de-DE" dirty="0" err="1"/>
-              <a:t>are</a:t>
-            </a:r>
-            <a:r>
-              <a:rPr lang="de-DE" dirty="0"/>
-              <a:t> on </a:t>
-            </a:r>
-            <a:r>
-              <a:rPr lang="de-DE" dirty="0" err="1"/>
-              <a:t>the</a:t>
-            </a:r>
-            <a:r>
-              <a:rPr lang="de-DE" dirty="0"/>
-              <a:t> y-</a:t>
-            </a:r>
-            <a:r>
-              <a:rPr lang="de-DE" dirty="0" err="1"/>
-              <a:t>axis</a:t>
-            </a:r>
-            <a:r>
-              <a:rPr lang="de-DE" dirty="0"/>
-              <a:t>. </a:t>
-            </a:r>
+            <a:endParaRPr lang="de-DE"/>
           </a:p>
         </p:txBody>
       </p:sp>

--- a/Poster - Luisas Arbeitskopie, merge vermeiden.pptx
+++ b/Poster - Luisas Arbeitskopie, merge vermeiden.pptx
@@ -8474,8 +8474,8 @@
         </p:nvSpPr>
         <p:spPr>
           <a:xfrm>
-            <a:off x="25583413" y="3182753"/>
-            <a:ext cx="4343607" cy="1138422"/>
+            <a:off x="25123036" y="20815542"/>
+            <a:ext cx="4343607" cy="1477328"/>
           </a:xfrm>
           <a:prstGeom prst="rect">
             <a:avLst/>
@@ -8488,7 +8488,97 @@
           </a:bodyPr>
           <a:lstStyle/>
           <a:p>
-            <a:endParaRPr lang="de-DE"/>
+            <a:r>
+              <a:rPr lang="de-DE" dirty="0"/>
+              <a:t>Fig 1 </a:t>
+            </a:r>
+            <a:r>
+              <a:rPr lang="de-DE" dirty="0" err="1"/>
+              <a:t>Schematic</a:t>
+            </a:r>
+            <a:r>
+              <a:rPr lang="de-DE" dirty="0"/>
+              <a:t> Illustration </a:t>
+            </a:r>
+            <a:r>
+              <a:rPr lang="de-DE" dirty="0" err="1"/>
+              <a:t>of</a:t>
+            </a:r>
+            <a:r>
+              <a:rPr lang="de-DE" dirty="0"/>
+              <a:t> RNA-</a:t>
+            </a:r>
+            <a:r>
+              <a:rPr lang="de-DE" dirty="0" err="1"/>
+              <a:t>dependency</a:t>
+            </a:r>
+            <a:endParaRPr lang="de-DE" dirty="0"/>
+          </a:p>
+          <a:p>
+            <a:endParaRPr lang="de-DE" dirty="0"/>
+          </a:p>
+          <a:p>
+            <a:r>
+              <a:rPr lang="de-DE" dirty="0"/>
+              <a:t>A </a:t>
+            </a:r>
+            <a:r>
+              <a:rPr lang="de-DE" dirty="0" err="1"/>
+              <a:t>proteins</a:t>
+            </a:r>
+            <a:r>
+              <a:rPr lang="de-DE" dirty="0"/>
+              <a:t> </a:t>
+            </a:r>
+            <a:r>
+              <a:rPr lang="de-DE" dirty="0" err="1"/>
+              <a:t>is</a:t>
+            </a:r>
+            <a:r>
+              <a:rPr lang="de-DE" dirty="0"/>
+              <a:t> </a:t>
+            </a:r>
+            <a:r>
+              <a:rPr lang="de-DE" dirty="0" err="1"/>
+              <a:t>considered</a:t>
+            </a:r>
+            <a:r>
+              <a:rPr lang="de-DE" dirty="0"/>
+              <a:t> </a:t>
+            </a:r>
+            <a:r>
+              <a:rPr lang="de-DE" dirty="0" err="1"/>
+              <a:t>if</a:t>
+            </a:r>
+            <a:r>
+              <a:rPr lang="de-DE" dirty="0"/>
+              <a:t> ist </a:t>
+            </a:r>
+            <a:r>
+              <a:rPr lang="de-DE" dirty="0" err="1"/>
+              <a:t>interactome</a:t>
+            </a:r>
+            <a:r>
+              <a:rPr lang="de-DE" dirty="0"/>
+              <a:t> </a:t>
+            </a:r>
+            <a:r>
+              <a:rPr lang="de-DE" dirty="0" err="1"/>
+              <a:t>is</a:t>
+            </a:r>
+            <a:r>
+              <a:rPr lang="de-DE" dirty="0"/>
+              <a:t> </a:t>
+            </a:r>
+            <a:r>
+              <a:rPr lang="de-DE" dirty="0" err="1"/>
+              <a:t>dependent</a:t>
+            </a:r>
+            <a:r>
+              <a:rPr lang="de-DE"/>
+              <a:t> </a:t>
+            </a:r>
+            <a:endParaRPr lang="de-DE" dirty="0"/>
           </a:p>
         </p:txBody>
       </p:sp>

--- a/Poster - Luisas Arbeitskopie, merge vermeiden.pptx
+++ b/Poster - Luisas Arbeitskopie, merge vermeiden.pptx
@@ -3587,7 +3587,7 @@
         </p:blipFill>
         <p:spPr>
           <a:xfrm>
-            <a:off x="18733474" y="7808051"/>
+            <a:off x="18854448" y="7766311"/>
             <a:ext cx="5210902" cy="3934374"/>
           </a:xfrm>
           <a:prstGeom prst="rect">
@@ -3862,8 +3862,8 @@
         </p:nvSpPr>
         <p:spPr>
           <a:xfrm>
-            <a:off x="1194287" y="8821187"/>
-            <a:ext cx="8066592" cy="3416320"/>
+            <a:off x="860018" y="11150081"/>
+            <a:ext cx="9644470" cy="1891287"/>
           </a:xfrm>
           <a:prstGeom prst="rect">
             <a:avLst/>
@@ -3879,70 +3879,40 @@
           </a:bodyPr>
           <a:lstStyle/>
           <a:p>
-            <a:r>
-              <a:rPr lang="en-GB" sz="2400" b="1" dirty="0"/>
-              <a:t>What is RNA-dependency?</a:t>
-            </a:r>
-            <a:endParaRPr lang="en-GB" sz="2400" b="1" noProof="0" dirty="0"/>
+            <a:pPr>
+              <a:lnSpc>
+                <a:spcPct val="150000"/>
+              </a:lnSpc>
+            </a:pPr>
+            <a:r>
+              <a:rPr lang="en-GB" sz="2000" b="1" dirty="0"/>
+              <a:t>Key Characteristics of Our Dataset</a:t>
+            </a:r>
           </a:p>
           <a:p>
             <a:pPr marL="342900" indent="-342900">
+              <a:lnSpc>
+                <a:spcPct val="150000"/>
+              </a:lnSpc>
               <a:buFont typeface="Arial" panose="020B0604020202020204" pitchFamily="34" charset="0"/>
               <a:buChar char="•"/>
             </a:pPr>
             <a:r>
-              <a:rPr lang="en-GB" sz="2400" noProof="0" dirty="0"/>
-              <a:t>The proteins interactome depends on RNA</a:t>
+              <a:rPr lang="en-GB" sz="2000" dirty="0"/>
+              <a:t>The dataset was created using the R-Deep approach</a:t>
             </a:r>
           </a:p>
           <a:p>
             <a:pPr marL="342900" indent="-342900">
+              <a:lnSpc>
+                <a:spcPct val="150000"/>
+              </a:lnSpc>
               <a:buFont typeface="Arial" panose="020B0604020202020204" pitchFamily="34" charset="0"/>
               <a:buChar char="•"/>
             </a:pPr>
             <a:r>
-              <a:rPr lang="en-GB" sz="2400" noProof="0" dirty="0"/>
-              <a:t>„We want to extract RNA-dependent proteins from proteomic screens”</a:t>
-            </a:r>
-          </a:p>
-          <a:p>
-            <a:pPr marL="342900" indent="-342900">
-              <a:buFont typeface="Arial" panose="020B0604020202020204" pitchFamily="34" charset="0"/>
-              <a:buChar char="•"/>
-            </a:pPr>
-            <a:endParaRPr lang="en-GB" sz="2400" b="1" noProof="0" dirty="0"/>
-          </a:p>
-          <a:p>
-            <a:r>
-              <a:rPr lang="en-GB" sz="2400" b="1" dirty="0"/>
-              <a:t>Key Characteristics of Our Dataset</a:t>
-            </a:r>
-          </a:p>
-          <a:p>
-            <a:pPr marL="457200" indent="-457200">
-              <a:buFont typeface="Arial" panose="020B0604020202020204" pitchFamily="34" charset="0"/>
-              <a:buChar char="•"/>
-            </a:pPr>
-            <a:r>
-              <a:rPr lang="en-GB" sz="2400" dirty="0"/>
-              <a:t>Our dataset was generated using the R-Deep approach</a:t>
-            </a:r>
-          </a:p>
-          <a:p>
-            <a:pPr marL="457200" indent="-457200">
-              <a:buFont typeface="Arial" panose="020B0604020202020204" pitchFamily="34" charset="0"/>
-              <a:buChar char="•"/>
-            </a:pPr>
-            <a:endParaRPr lang="en-GB" sz="2400" dirty="0"/>
-          </a:p>
-          <a:p>
-            <a:pPr marL="457200" indent="-457200">
-              <a:buFont typeface="Arial" panose="020B0604020202020204" pitchFamily="34" charset="0"/>
-              <a:buChar char="•"/>
-            </a:pPr>
-            <a:r>
-              <a:rPr lang="en-GB" sz="2400" dirty="0"/>
-              <a:t>4765 proteins in 25 fractions, RNASE vs. CTRL</a:t>
+              <a:rPr lang="en-GB" sz="2000" dirty="0"/>
+              <a:t>It contains 4765 proteins and their intensity values under normal (control) and RNase treated conditions in 25 sucrose density fractions, each fraction measured in triplicates </a:t>
             </a:r>
           </a:p>
         </p:txBody>
@@ -5147,7 +5117,7 @@
         </p:nvGrpSpPr>
         <p:grpSpPr>
           <a:xfrm>
-            <a:off x="13248700" y="11982917"/>
+            <a:off x="11082047" y="13930522"/>
             <a:ext cx="12030333" cy="5870080"/>
             <a:chOff x="11999198" y="16210552"/>
             <a:chExt cx="17171804" cy="8336937"/>
@@ -5861,10 +5831,10 @@
         </p:nvGrpSpPr>
         <p:grpSpPr>
           <a:xfrm>
-            <a:off x="18601187" y="7783368"/>
-            <a:ext cx="11005390" cy="5305541"/>
-            <a:chOff x="18016269" y="7768145"/>
-            <a:chExt cx="11005390" cy="5305541"/>
+            <a:off x="18659378" y="7834298"/>
+            <a:ext cx="11005390" cy="5190957"/>
+            <a:chOff x="17953486" y="7860815"/>
+            <a:chExt cx="11005390" cy="5190957"/>
           </a:xfrm>
         </p:grpSpPr>
         <p:sp>
@@ -5881,7 +5851,7 @@
           </p:nvSpPr>
           <p:spPr>
             <a:xfrm>
-              <a:off x="18366418" y="7768145"/>
+              <a:off x="18346399" y="7860815"/>
               <a:ext cx="625063" cy="461665"/>
             </a:xfrm>
             <a:prstGeom prst="rect">
@@ -5920,7 +5890,7 @@
           </p:nvSpPr>
           <p:spPr>
             <a:xfrm>
-              <a:off x="18016269" y="11750247"/>
+              <a:off x="17953486" y="11728333"/>
               <a:ext cx="11005390" cy="1323439"/>
             </a:xfrm>
             <a:prstGeom prst="rect">
@@ -6013,8 +5983,8 @@
         </p:nvSpPr>
         <p:spPr>
           <a:xfrm>
-            <a:off x="10157658" y="8267942"/>
-            <a:ext cx="7861189" cy="4154984"/>
+            <a:off x="985116" y="7970772"/>
+            <a:ext cx="7533292" cy="2814617"/>
           </a:xfrm>
           <a:prstGeom prst="rect">
             <a:avLst/>
@@ -6027,97 +5997,104 @@
           </a:bodyPr>
           <a:lstStyle/>
           <a:p>
-            <a:r>
-              <a:rPr lang="en-GB" sz="2400" b="1" dirty="0"/>
-              <a:t>What Makes RNA-Dependent Proteins Worth Investigating?</a:t>
-            </a:r>
-          </a:p>
-          <a:p>
-            <a:pPr marL="457200" indent="-457200">
+            <a:pPr>
+              <a:lnSpc>
+                <a:spcPct val="150000"/>
+              </a:lnSpc>
+            </a:pPr>
+            <a:r>
+              <a:rPr lang="en-GB" sz="2000" b="1" dirty="0"/>
+              <a:t>Why should we observe </a:t>
+            </a:r>
+            <a:r>
+              <a:rPr lang="en-GB" sz="2000" b="1" dirty="0" err="1"/>
+              <a:t>RNA.dependent</a:t>
+            </a:r>
+            <a:r>
+              <a:rPr lang="en-GB" sz="2000" b="1" dirty="0"/>
+              <a:t> proteins?</a:t>
+            </a:r>
+          </a:p>
+          <a:p>
+            <a:pPr marL="342900" indent="-342900">
+              <a:lnSpc>
+                <a:spcPct val="150000"/>
+              </a:lnSpc>
               <a:buFont typeface="Arial" panose="020B0604020202020204" pitchFamily="34" charset="0"/>
               <a:buChar char="•"/>
             </a:pPr>
             <a:r>
-              <a:rPr lang="en-GB" sz="2400" b="1" dirty="0"/>
+              <a:rPr lang="en-GB" sz="2000" b="1" dirty="0"/>
               <a:t>Key Regulators:</a:t>
             </a:r>
             <a:r>
-              <a:rPr lang="en-GB" sz="2400" dirty="0"/>
+              <a:rPr lang="en-GB" sz="2000" dirty="0"/>
               <a:t> RBPs control RNA metabolism &amp; gene expression.</a:t>
             </a:r>
           </a:p>
           <a:p>
-            <a:pPr marL="457200" indent="-457200">
+            <a:pPr marL="342900" indent="-342900">
+              <a:lnSpc>
+                <a:spcPct val="150000"/>
+              </a:lnSpc>
               <a:buFont typeface="Arial" panose="020B0604020202020204" pitchFamily="34" charset="0"/>
               <a:buChar char="•"/>
             </a:pPr>
             <a:r>
-              <a:rPr lang="en-GB" sz="2400" b="1" dirty="0"/>
+              <a:rPr lang="en-GB" sz="2000" b="1" dirty="0"/>
               <a:t>Disease Links:</a:t>
             </a:r>
             <a:r>
-              <a:rPr lang="en-GB" sz="2400" dirty="0"/>
+              <a:rPr lang="en-GB" sz="2000" dirty="0"/>
               <a:t> </a:t>
             </a:r>
             <a:r>
-              <a:rPr lang="en-GB" sz="2400" dirty="0" err="1"/>
+              <a:rPr lang="en-GB" sz="2000" dirty="0" err="1"/>
               <a:t>Misregulation</a:t>
             </a:r>
             <a:r>
-              <a:rPr lang="en-GB" sz="2400" dirty="0"/>
+              <a:rPr lang="en-GB" sz="2000" dirty="0"/>
               <a:t> is tied to cancer &amp; neurodegeneration.</a:t>
             </a:r>
           </a:p>
           <a:p>
-            <a:pPr marL="457200" indent="-457200">
+            <a:pPr marL="342900" indent="-342900">
+              <a:lnSpc>
+                <a:spcPct val="150000"/>
+              </a:lnSpc>
               <a:buFont typeface="Arial" panose="020B0604020202020204" pitchFamily="34" charset="0"/>
               <a:buChar char="•"/>
             </a:pPr>
             <a:r>
-              <a:rPr lang="en-GB" sz="2400" b="1" dirty="0"/>
+              <a:rPr lang="en-GB" sz="2000" b="1" dirty="0"/>
               <a:t>Functional Clues:</a:t>
             </a:r>
             <a:r>
-              <a:rPr lang="en-GB" sz="2400" dirty="0"/>
+              <a:rPr lang="en-GB" sz="2000" dirty="0"/>
               <a:t> New RBPs hint at RNA’s role in specific pathways.</a:t>
             </a:r>
           </a:p>
           <a:p>
-            <a:pPr marL="457200" indent="-457200">
+            <a:pPr marL="342900" indent="-342900">
+              <a:lnSpc>
+                <a:spcPct val="150000"/>
+              </a:lnSpc>
               <a:buFont typeface="Arial" panose="020B0604020202020204" pitchFamily="34" charset="0"/>
               <a:buChar char="•"/>
             </a:pPr>
             <a:r>
-              <a:rPr lang="en-GB" sz="2400" b="1" dirty="0"/>
-              <a:t>Interaction Networks:</a:t>
-            </a:r>
-            <a:r>
-              <a:rPr lang="en-GB" sz="2400" dirty="0"/>
-              <a:t> Mapping RNA-protein complexes reveals regulatory logic. </a:t>
-            </a:r>
-          </a:p>
-          <a:p>
-            <a:pPr marL="457200" indent="-457200">
-              <a:buFont typeface="Arial" panose="020B0604020202020204" pitchFamily="34" charset="0"/>
-              <a:buChar char="•"/>
-            </a:pPr>
-            <a:r>
-              <a:rPr lang="en-GB" sz="2400" b="1" dirty="0"/>
+              <a:rPr lang="en-GB" sz="2000" b="1" dirty="0"/>
               <a:t>Molecular Insights:</a:t>
             </a:r>
             <a:r>
-              <a:rPr lang="en-GB" sz="2400" dirty="0"/>
-              <a:t> Deepens our understanding of cell cycle and cellular </a:t>
-            </a:r>
-            <a:r>
-              <a:rPr lang="en-GB" sz="2400" dirty="0" err="1"/>
+              <a:rPr lang="en-GB" sz="2000" dirty="0"/>
+              <a:t> Deepens the understanding of cell cycle and cellular </a:t>
+            </a:r>
+            <a:r>
+              <a:rPr lang="en-GB" sz="2000" dirty="0" err="1"/>
               <a:t>behavior</a:t>
             </a:r>
-            <a:r>
-              <a:rPr lang="en-GB" sz="2400" dirty="0"/>
-              <a:t>.</a:t>
-            </a:r>
-            <a:endParaRPr lang="en-GB" b="1" dirty="0"/>
+            <a:endParaRPr lang="en-GB" sz="2000" b="1" dirty="0"/>
           </a:p>
         </p:txBody>
       </p:sp>
@@ -6758,7 +6735,7 @@
         </p:blipFill>
         <p:spPr>
           <a:xfrm>
-            <a:off x="23959988" y="7937386"/>
+            <a:off x="24080962" y="7895646"/>
             <a:ext cx="5210902" cy="3934374"/>
           </a:xfrm>
           <a:prstGeom prst="rect">
@@ -6780,7 +6757,7 @@
         </p:nvSpPr>
         <p:spPr>
           <a:xfrm>
-            <a:off x="24341484" y="7783369"/>
+            <a:off x="24345027" y="7863916"/>
             <a:ext cx="390625" cy="461665"/>
           </a:xfrm>
           <a:prstGeom prst="rect">
@@ -8452,8 +8429,8 @@
         </p:blipFill>
         <p:spPr>
           <a:xfrm>
-            <a:off x="12533846" y="1742025"/>
-            <a:ext cx="9423591" cy="4566636"/>
+            <a:off x="11017083" y="8113990"/>
+            <a:ext cx="6501979" cy="3150834"/>
           </a:xfrm>
           <a:prstGeom prst="rect">
             <a:avLst/>
@@ -8474,8 +8451,8 @@
         </p:nvSpPr>
         <p:spPr>
           <a:xfrm>
-            <a:off x="25123036" y="20815542"/>
-            <a:ext cx="4343607" cy="1477328"/>
+            <a:off x="10959740" y="11364733"/>
+            <a:ext cx="7053033" cy="1477328"/>
           </a:xfrm>
           <a:prstGeom prst="rect">
             <a:avLst/>
@@ -8489,7 +8466,7 @@
           <a:lstStyle/>
           <a:p>
             <a:r>
-              <a:rPr lang="de-DE" dirty="0"/>
+              <a:rPr lang="de-DE" b="1" dirty="0"/>
               <a:t>Fig 1 </a:t>
             </a:r>
             <a:r>
@@ -8512,7 +8489,10 @@
               <a:rPr lang="de-DE" dirty="0" err="1"/>
               <a:t>dependency</a:t>
             </a:r>
-            <a:endParaRPr lang="de-DE" dirty="0"/>
+            <a:r>
+              <a:rPr lang="de-DE" dirty="0"/>
+              <a:t>.</a:t>
+            </a:r>
           </a:p>
           <a:p>
             <a:endParaRPr lang="de-DE" dirty="0"/>
@@ -8524,7 +8504,7 @@
             </a:r>
             <a:r>
               <a:rPr lang="de-DE" dirty="0" err="1"/>
-              <a:t>proteins</a:t>
+              <a:t>protein</a:t>
             </a:r>
             <a:r>
               <a:rPr lang="de-DE" dirty="0"/>
@@ -8544,6 +8524,14 @@
             </a:r>
             <a:r>
               <a:rPr lang="de-DE" dirty="0"/>
+              <a:t> RNA-</a:t>
+            </a:r>
+            <a:r>
+              <a:rPr lang="de-DE" dirty="0" err="1"/>
+              <a:t>dependent</a:t>
+            </a:r>
+            <a:r>
+              <a:rPr lang="de-DE" dirty="0"/>
               <a:t> </a:t>
             </a:r>
             <a:r>
@@ -8552,7 +8540,15 @@
             </a:r>
             <a:r>
               <a:rPr lang="de-DE" dirty="0"/>
-              <a:t> ist </a:t>
+              <a:t> </a:t>
+            </a:r>
+            <a:r>
+              <a:rPr lang="de-DE" dirty="0" err="1"/>
+              <a:t>its</a:t>
+            </a:r>
+            <a:r>
+              <a:rPr lang="de-DE" dirty="0"/>
+              <a:t> </a:t>
             </a:r>
             <a:r>
               <a:rPr lang="de-DE" dirty="0" err="1"/>
@@ -8575,10 +8571,164 @@
               <a:t>dependent</a:t>
             </a:r>
             <a:r>
-              <a:rPr lang="de-DE"/>
+              <a:rPr lang="de-DE" dirty="0"/>
+              <a:t> on RNA. </a:t>
+            </a:r>
+            <a:r>
+              <a:rPr lang="de-DE" dirty="0" err="1"/>
+              <a:t>It</a:t>
+            </a:r>
+            <a:r>
+              <a:rPr lang="de-DE" dirty="0"/>
               <a:t> </a:t>
             </a:r>
-            <a:endParaRPr lang="de-DE" dirty="0"/>
+            <a:r>
+              <a:rPr lang="de-DE" dirty="0" err="1"/>
+              <a:t>is</a:t>
+            </a:r>
+            <a:r>
+              <a:rPr lang="de-DE" dirty="0"/>
+              <a:t> </a:t>
+            </a:r>
+            <a:r>
+              <a:rPr lang="de-DE" dirty="0" err="1"/>
+              <a:t>either</a:t>
+            </a:r>
+            <a:r>
+              <a:rPr lang="de-DE" dirty="0"/>
+              <a:t> </a:t>
+            </a:r>
+            <a:r>
+              <a:rPr lang="de-DE" dirty="0" err="1"/>
+              <a:t>is</a:t>
+            </a:r>
+            <a:r>
+              <a:rPr lang="de-DE" dirty="0"/>
+              <a:t> </a:t>
+            </a:r>
+            <a:r>
+              <a:rPr lang="de-DE" dirty="0" err="1"/>
+              <a:t>directly</a:t>
+            </a:r>
+            <a:r>
+              <a:rPr lang="de-DE" dirty="0"/>
+              <a:t> </a:t>
+            </a:r>
+            <a:r>
+              <a:rPr lang="de-DE" dirty="0" err="1"/>
+              <a:t>or</a:t>
+            </a:r>
+            <a:r>
+              <a:rPr lang="de-DE" dirty="0"/>
+              <a:t> </a:t>
+            </a:r>
+            <a:r>
+              <a:rPr lang="de-DE" dirty="0" err="1"/>
+              <a:t>indirectly</a:t>
+            </a:r>
+            <a:r>
+              <a:rPr lang="de-DE" dirty="0"/>
+              <a:t> </a:t>
+            </a:r>
+            <a:r>
+              <a:rPr lang="de-DE" dirty="0" err="1"/>
+              <a:t>attached</a:t>
+            </a:r>
+            <a:r>
+              <a:rPr lang="de-DE" dirty="0"/>
+              <a:t> </a:t>
+            </a:r>
+            <a:r>
+              <a:rPr lang="de-DE" dirty="0" err="1"/>
+              <a:t>to</a:t>
+            </a:r>
+            <a:r>
+              <a:rPr lang="de-DE" dirty="0"/>
+              <a:t> RNA, ist </a:t>
+            </a:r>
+            <a:r>
+              <a:rPr lang="de-DE" dirty="0" err="1"/>
+              <a:t>functionality</a:t>
+            </a:r>
+            <a:r>
+              <a:rPr lang="de-DE" dirty="0"/>
+              <a:t> in </a:t>
+            </a:r>
+            <a:r>
+              <a:rPr lang="de-DE" dirty="0" err="1"/>
+              <a:t>biological</a:t>
+            </a:r>
+            <a:r>
+              <a:rPr lang="de-DE" dirty="0"/>
+              <a:t> </a:t>
+            </a:r>
+            <a:r>
+              <a:rPr lang="de-DE" dirty="0" err="1"/>
+              <a:t>context</a:t>
+            </a:r>
+            <a:r>
+              <a:rPr lang="de-DE" dirty="0"/>
+              <a:t> </a:t>
+            </a:r>
+            <a:r>
+              <a:rPr lang="de-DE" dirty="0" err="1"/>
+              <a:t>is</a:t>
+            </a:r>
+            <a:r>
+              <a:rPr lang="de-DE" dirty="0"/>
+              <a:t> </a:t>
+            </a:r>
+            <a:r>
+              <a:rPr lang="de-DE" dirty="0" err="1"/>
+              <a:t>associated</a:t>
+            </a:r>
+            <a:r>
+              <a:rPr lang="de-DE" dirty="0"/>
+              <a:t> </a:t>
+            </a:r>
+            <a:r>
+              <a:rPr lang="de-DE" dirty="0" err="1"/>
+              <a:t>with</a:t>
+            </a:r>
+            <a:r>
+              <a:rPr lang="de-DE" dirty="0"/>
+              <a:t> RNA</a:t>
+            </a:r>
+          </a:p>
+        </p:txBody>
+      </p:sp>
+      <p:sp>
+        <p:nvSpPr>
+          <p:cNvPr id="115" name="Textfeld 114">
+            <a:extLst>
+              <a:ext uri="{FF2B5EF4-FFF2-40B4-BE49-F238E27FC236}">
+                <a16:creationId xmlns:a16="http://schemas.microsoft.com/office/drawing/2014/main" id="{99212C4C-1E85-02E2-ED7B-9C6C2240AFA2}"/>
+              </a:ext>
+            </a:extLst>
+          </p:cNvPr>
+          <p:cNvSpPr txBox="1"/>
+          <p:nvPr/>
+        </p:nvSpPr>
+        <p:spPr>
+          <a:xfrm>
+            <a:off x="10989388" y="7853349"/>
+            <a:ext cx="648470" cy="461665"/>
+          </a:xfrm>
+          <a:prstGeom prst="rect">
+            <a:avLst/>
+          </a:prstGeom>
+          <a:noFill/>
+        </p:spPr>
+        <p:txBody>
+          <a:bodyPr wrap="square" rtlCol="0">
+            <a:spAutoFit/>
+          </a:bodyPr>
+          <a:lstStyle/>
+          <a:p>
+            <a:r>
+              <a:rPr lang="de-DE" sz="2400" b="1" dirty="0"/>
+              <a:t>1</a:t>
+            </a:r>
           </a:p>
         </p:txBody>
       </p:sp>

--- a/Poster - Luisas Arbeitskopie, merge vermeiden.pptx
+++ b/Poster - Luisas Arbeitskopie, merge vermeiden.pptx
@@ -3463,7 +3463,7 @@
         </p:nvSpPr>
         <p:spPr>
           <a:xfrm>
-            <a:off x="619432" y="14005644"/>
+            <a:off x="569320" y="13845142"/>
             <a:ext cx="29054323" cy="13032673"/>
           </a:xfrm>
           <a:prstGeom prst="roundRect">
@@ -3862,7 +3862,7 @@
         </p:nvSpPr>
         <p:spPr>
           <a:xfrm>
-            <a:off x="860018" y="11150081"/>
+            <a:off x="894433" y="10862114"/>
             <a:ext cx="9644470" cy="1891287"/>
           </a:xfrm>
           <a:prstGeom prst="rect">
@@ -3899,7 +3899,7 @@
             </a:pPr>
             <a:r>
               <a:rPr lang="en-GB" sz="2000" dirty="0"/>
-              <a:t>The dataset was created using the R-Deep approach</a:t>
+              <a:t>Dataset was created using the R-Deep approach</a:t>
             </a:r>
           </a:p>
           <a:p>
@@ -3912,7 +3912,7 @@
             </a:pPr>
             <a:r>
               <a:rPr lang="en-GB" sz="2000" dirty="0"/>
-              <a:t>It contains 4765 proteins and their intensity values under normal (control) and RNase treated conditions in 25 sucrose density fractions, each fraction measured in triplicates </a:t>
+              <a:t>Contains 4765 proteins and their intensity values under normal (control) and RNase treated conditions in 25 sucrose density fractions, each fraction measured in triplicates </a:t>
             </a:r>
           </a:p>
         </p:txBody>
@@ -4695,7 +4695,23 @@
                   <a:schemeClr val="bg1"/>
                 </a:solidFill>
               </a:rPr>
-              <a:t>in Cancer Cells</a:t>
+              <a:t>in </a:t>
+            </a:r>
+            <a:r>
+              <a:rPr lang="en-GB" sz="8000" b="1" dirty="0">
+                <a:solidFill>
+                  <a:schemeClr val="bg1"/>
+                </a:solidFill>
+              </a:rPr>
+              <a:t>non-synchronized HeLa-</a:t>
+            </a:r>
+            <a:r>
+              <a:rPr lang="en-GB" sz="8000" b="1" noProof="0" dirty="0">
+                <a:solidFill>
+                  <a:schemeClr val="bg1"/>
+                </a:solidFill>
+              </a:rPr>
+              <a:t>Cells</a:t>
             </a:r>
           </a:p>
         </p:txBody>
@@ -5103,639 +5119,6 @@
           </a:prstGeom>
         </p:spPr>
       </p:pic>
-      <p:grpSp>
-        <p:nvGrpSpPr>
-          <p:cNvPr id="97" name="Group 96">
-            <a:extLst>
-              <a:ext uri="{FF2B5EF4-FFF2-40B4-BE49-F238E27FC236}">
-                <a16:creationId xmlns:a16="http://schemas.microsoft.com/office/drawing/2014/main" id="{CAC4F27D-C566-F3E2-60DD-4FDC15B3346E}"/>
-              </a:ext>
-            </a:extLst>
-          </p:cNvPr>
-          <p:cNvGrpSpPr/>
-          <p:nvPr/>
-        </p:nvGrpSpPr>
-        <p:grpSpPr>
-          <a:xfrm>
-            <a:off x="11082047" y="13930522"/>
-            <a:ext cx="12030333" cy="5870080"/>
-            <a:chOff x="11999198" y="16210552"/>
-            <a:chExt cx="17171804" cy="8336937"/>
-          </a:xfrm>
-        </p:grpSpPr>
-        <p:sp>
-          <p:nvSpPr>
-            <p:cNvPr id="26" name="TextBox 25">
-              <a:extLst>
-                <a:ext uri="{FF2B5EF4-FFF2-40B4-BE49-F238E27FC236}">
-                  <a16:creationId xmlns:a16="http://schemas.microsoft.com/office/drawing/2014/main" id="{BBD929F6-B5A7-A81C-BEB9-99F0DAA2B990}"/>
-                </a:ext>
-              </a:extLst>
-            </p:cNvPr>
-            <p:cNvSpPr txBox="1"/>
-            <p:nvPr/>
-          </p:nvSpPr>
-          <p:spPr>
-            <a:xfrm>
-              <a:off x="12014188" y="22608497"/>
-              <a:ext cx="17156702" cy="1938992"/>
-            </a:xfrm>
-            <a:prstGeom prst="rect">
-              <a:avLst/>
-            </a:prstGeom>
-            <a:noFill/>
-          </p:spPr>
-          <p:txBody>
-            <a:bodyPr wrap="square" rtlCol="0">
-              <a:spAutoFit/>
-            </a:bodyPr>
-            <a:lstStyle/>
-            <a:p>
-              <a:pPr algn="just"/>
-              <a:r>
-                <a:rPr lang="en-GB" sz="2000" b="1" noProof="0" dirty="0"/>
-                <a:t>Fig. 5 </a:t>
-              </a:r>
-              <a:r>
-                <a:rPr lang="en-GB" sz="2000" noProof="0" dirty="0"/>
-                <a:t>Principle Component Analyses and </a:t>
-              </a:r>
-              <a:r>
-                <a:rPr lang="en-GB" sz="2000" noProof="0" dirty="0" err="1"/>
-                <a:t>Elbowplots</a:t>
-              </a:r>
-              <a:r>
-                <a:rPr lang="en-GB" sz="2000" noProof="0" dirty="0"/>
-                <a:t> of the selected and the non-selected proteins. RNASE and CTRL are plotted separately for comparison.</a:t>
-              </a:r>
-            </a:p>
-            <a:p>
-              <a:pPr algn="just"/>
-              <a:endParaRPr lang="en-GB" sz="2000" noProof="0" dirty="0"/>
-            </a:p>
-            <a:p>
-              <a:pPr algn="just"/>
-              <a:r>
-                <a:rPr lang="en-GB" sz="2000" b="1" noProof="0" dirty="0"/>
-                <a:t>A) </a:t>
-              </a:r>
-              <a:r>
-                <a:rPr lang="en-GB" sz="2000" noProof="0" dirty="0"/>
-                <a:t>PCA of the selected proteins. The data points of the RNASE compared to the CTRL </a:t>
-              </a:r>
-              <a:r>
-                <a:rPr lang="en-GB" sz="2000" dirty="0"/>
-                <a:t>make up an overall similar shape</a:t>
-              </a:r>
-              <a:r>
-                <a:rPr lang="en-GB" sz="2000" noProof="0" dirty="0"/>
-                <a:t>, but a shift is visible in the density of the points. </a:t>
-              </a:r>
-              <a:r>
-                <a:rPr lang="en-GB" sz="2000" b="1" noProof="0" dirty="0"/>
-                <a:t>B) </a:t>
-              </a:r>
-              <a:r>
-                <a:rPr lang="en-GB" sz="2000" noProof="0" dirty="0"/>
-                <a:t>PCA</a:t>
-              </a:r>
-              <a:r>
-                <a:rPr lang="en-GB" sz="2000" b="1" noProof="0" dirty="0"/>
-                <a:t> </a:t>
-              </a:r>
-              <a:r>
-                <a:rPr lang="en-GB" sz="2000" noProof="0" dirty="0"/>
-                <a:t>of the non-selected proteins. The points of the RNASE and CTRL form mostly the same structure. </a:t>
-              </a:r>
-              <a:r>
-                <a:rPr lang="en-GB" sz="2000" b="1" noProof="0" dirty="0"/>
-                <a:t>C) </a:t>
-              </a:r>
-              <a:r>
-                <a:rPr lang="en-GB" sz="2000" noProof="0" dirty="0"/>
-                <a:t>Elbow-Plot of the selected proteins. The </a:t>
-              </a:r>
-              <a:r>
-                <a:rPr lang="en-GB" sz="2000" dirty="0" err="1"/>
-                <a:t>knick</a:t>
-              </a:r>
-              <a:r>
-                <a:rPr lang="en-GB" sz="2000" noProof="0" dirty="0"/>
-                <a:t> of the elbow is at 3. </a:t>
-              </a:r>
-              <a:r>
-                <a:rPr lang="en-GB" sz="2000" b="1" noProof="0" dirty="0"/>
-                <a:t>D) </a:t>
-              </a:r>
-              <a:r>
-                <a:rPr lang="en-GB" sz="2000" noProof="0" dirty="0"/>
-                <a:t>Elbow-Plot of the non-selected proteins. The </a:t>
-              </a:r>
-              <a:r>
-                <a:rPr lang="en-GB" sz="2000" dirty="0" err="1"/>
-                <a:t>knick</a:t>
-              </a:r>
-              <a:r>
-                <a:rPr lang="en-GB" sz="2000" noProof="0" dirty="0"/>
-                <a:t> of the elbow is between 3 and 4. To compare selected and non-selected proteins, we decided to use 3 cluster in the </a:t>
-              </a:r>
-              <a:r>
-                <a:rPr lang="en-GB" sz="2000" noProof="0" dirty="0" err="1"/>
-                <a:t>kmeans</a:t>
-              </a:r>
-              <a:r>
-                <a:rPr lang="en-GB" sz="2000" noProof="0" dirty="0"/>
-                <a:t> clustering.</a:t>
-              </a:r>
-            </a:p>
-          </p:txBody>
-        </p:sp>
-        <p:grpSp>
-          <p:nvGrpSpPr>
-            <p:cNvPr id="96" name="Group 95">
-              <a:extLst>
-                <a:ext uri="{FF2B5EF4-FFF2-40B4-BE49-F238E27FC236}">
-                  <a16:creationId xmlns:a16="http://schemas.microsoft.com/office/drawing/2014/main" id="{26E31626-5BFC-00E0-2920-C6873C4A60FD}"/>
-                </a:ext>
-              </a:extLst>
-            </p:cNvPr>
-            <p:cNvGrpSpPr/>
-            <p:nvPr/>
-          </p:nvGrpSpPr>
-          <p:grpSpPr>
-            <a:xfrm>
-              <a:off x="11999198" y="16210552"/>
-              <a:ext cx="17171804" cy="6231538"/>
-              <a:chOff x="11999198" y="16210552"/>
-              <a:chExt cx="17171804" cy="6231538"/>
-            </a:xfrm>
-          </p:grpSpPr>
-          <p:grpSp>
-            <p:nvGrpSpPr>
-              <p:cNvPr id="92" name="Group 91">
-                <a:extLst>
-                  <a:ext uri="{FF2B5EF4-FFF2-40B4-BE49-F238E27FC236}">
-                    <a16:creationId xmlns:a16="http://schemas.microsoft.com/office/drawing/2014/main" id="{1C4773DC-4C2F-3A94-1195-A4CE3265522B}"/>
-                  </a:ext>
-                </a:extLst>
-              </p:cNvPr>
-              <p:cNvGrpSpPr/>
-              <p:nvPr/>
-            </p:nvGrpSpPr>
-            <p:grpSpPr>
-              <a:xfrm>
-                <a:off x="11999198" y="16218869"/>
-                <a:ext cx="8344258" cy="2933489"/>
-                <a:chOff x="12458450" y="16216461"/>
-                <a:chExt cx="8344258" cy="2933489"/>
-              </a:xfrm>
-            </p:grpSpPr>
-            <p:pic>
-              <p:nvPicPr>
-                <p:cNvPr id="34" name="Picture 33" descr="A diagram of a graph&#10;&#10;AI-generated content may be incorrect.">
-                  <a:extLst>
-                    <a:ext uri="{FF2B5EF4-FFF2-40B4-BE49-F238E27FC236}">
-                      <a16:creationId xmlns:a16="http://schemas.microsoft.com/office/drawing/2014/main" id="{DF874E4B-ABF5-E1C6-72B3-A765590BDEA2}"/>
-                    </a:ext>
-                  </a:extLst>
-                </p:cNvPr>
-                <p:cNvPicPr>
-                  <a:picLocks noChangeAspect="1"/>
-                </p:cNvPicPr>
-                <p:nvPr/>
-              </p:nvPicPr>
-              <p:blipFill>
-                <a:blip r:embed="rId6"/>
-                <a:stretch>
-                  <a:fillRect/>
-                </a:stretch>
-              </p:blipFill>
-              <p:spPr>
-                <a:xfrm>
-                  <a:off x="12458450" y="16289018"/>
-                  <a:ext cx="4178110" cy="2856244"/>
-                </a:xfrm>
-                <a:prstGeom prst="rect">
-                  <a:avLst/>
-                </a:prstGeom>
-              </p:spPr>
-            </p:pic>
-            <p:pic>
-              <p:nvPicPr>
-                <p:cNvPr id="41" name="Picture 40" descr="A diagram of a graph showing a number of dots&#10;&#10;AI-generated content may be incorrect.">
-                  <a:extLst>
-                    <a:ext uri="{FF2B5EF4-FFF2-40B4-BE49-F238E27FC236}">
-                      <a16:creationId xmlns:a16="http://schemas.microsoft.com/office/drawing/2014/main" id="{F3319957-4CD1-3632-7671-D1837533B71D}"/>
-                    </a:ext>
-                  </a:extLst>
-                </p:cNvPr>
-                <p:cNvPicPr>
-                  <a:picLocks noChangeAspect="1"/>
-                </p:cNvPicPr>
-                <p:nvPr/>
-              </p:nvPicPr>
-              <p:blipFill>
-                <a:blip r:embed="rId7"/>
-                <a:stretch>
-                  <a:fillRect/>
-                </a:stretch>
-              </p:blipFill>
-              <p:spPr>
-                <a:xfrm>
-                  <a:off x="16624594" y="16293705"/>
-                  <a:ext cx="4178114" cy="2856245"/>
-                </a:xfrm>
-                <a:prstGeom prst="rect">
-                  <a:avLst/>
-                </a:prstGeom>
-              </p:spPr>
-            </p:pic>
-            <p:sp>
-              <p:nvSpPr>
-                <p:cNvPr id="45" name="TextBox 44">
-                  <a:extLst>
-                    <a:ext uri="{FF2B5EF4-FFF2-40B4-BE49-F238E27FC236}">
-                      <a16:creationId xmlns:a16="http://schemas.microsoft.com/office/drawing/2014/main" id="{673F2A36-1B4B-C4E7-1EE9-A5B6221FDC7B}"/>
-                    </a:ext>
-                  </a:extLst>
-                </p:cNvPr>
-                <p:cNvSpPr txBox="1"/>
-                <p:nvPr/>
-              </p:nvSpPr>
-              <p:spPr>
-                <a:xfrm>
-                  <a:off x="12733005" y="16216461"/>
-                  <a:ext cx="558327" cy="461665"/>
-                </a:xfrm>
-                <a:prstGeom prst="rect">
-                  <a:avLst/>
-                </a:prstGeom>
-                <a:noFill/>
-              </p:spPr>
-              <p:txBody>
-                <a:bodyPr wrap="square" rtlCol="0">
-                  <a:spAutoFit/>
-                </a:bodyPr>
-                <a:lstStyle/>
-                <a:p>
-                  <a:r>
-                    <a:rPr lang="en-GB" sz="2400" b="1" noProof="0" dirty="0"/>
-                    <a:t>5A</a:t>
-                  </a:r>
-                </a:p>
-              </p:txBody>
-            </p:sp>
-          </p:grpSp>
-          <p:grpSp>
-            <p:nvGrpSpPr>
-              <p:cNvPr id="93" name="Group 92">
-                <a:extLst>
-                  <a:ext uri="{FF2B5EF4-FFF2-40B4-BE49-F238E27FC236}">
-                    <a16:creationId xmlns:a16="http://schemas.microsoft.com/office/drawing/2014/main" id="{A2311E2E-F7A2-DD5D-FA9E-6A88BB4AA299}"/>
-                  </a:ext>
-                </a:extLst>
-              </p:cNvPr>
-              <p:cNvGrpSpPr/>
-              <p:nvPr/>
-            </p:nvGrpSpPr>
-            <p:grpSpPr>
-              <a:xfrm>
-                <a:off x="20808689" y="16210552"/>
-                <a:ext cx="8362201" cy="2950021"/>
-                <a:chOff x="20808689" y="16210552"/>
-                <a:chExt cx="8362201" cy="2950021"/>
-              </a:xfrm>
-            </p:grpSpPr>
-            <p:pic>
-              <p:nvPicPr>
-                <p:cNvPr id="36" name="Picture 35" descr="A graph of a curve&#10;&#10;AI-generated content may be incorrect.">
-                  <a:extLst>
-                    <a:ext uri="{FF2B5EF4-FFF2-40B4-BE49-F238E27FC236}">
-                      <a16:creationId xmlns:a16="http://schemas.microsoft.com/office/drawing/2014/main" id="{B10BE131-7D38-635B-20B6-412EEF3AB14C}"/>
-                    </a:ext>
-                  </a:extLst>
-                </p:cNvPr>
-                <p:cNvPicPr>
-                  <a:picLocks noChangeAspect="1"/>
-                </p:cNvPicPr>
-                <p:nvPr/>
-              </p:nvPicPr>
-              <p:blipFill>
-                <a:blip r:embed="rId8"/>
-                <a:stretch>
-                  <a:fillRect/>
-                </a:stretch>
-              </p:blipFill>
-              <p:spPr>
-                <a:xfrm>
-                  <a:off x="24992780" y="16304329"/>
-                  <a:ext cx="4178110" cy="2856244"/>
-                </a:xfrm>
-                <a:prstGeom prst="rect">
-                  <a:avLst/>
-                </a:prstGeom>
-              </p:spPr>
-            </p:pic>
-            <p:pic>
-              <p:nvPicPr>
-                <p:cNvPr id="43" name="Picture 42" descr="A diagram of a graph&#10;&#10;AI-generated content may be incorrect.">
-                  <a:extLst>
-                    <a:ext uri="{FF2B5EF4-FFF2-40B4-BE49-F238E27FC236}">
-                      <a16:creationId xmlns:a16="http://schemas.microsoft.com/office/drawing/2014/main" id="{DB360AA0-0B5E-FE90-9020-D58F907D8862}"/>
-                    </a:ext>
-                  </a:extLst>
-                </p:cNvPr>
-                <p:cNvPicPr>
-                  <a:picLocks noChangeAspect="1"/>
-                </p:cNvPicPr>
-                <p:nvPr/>
-              </p:nvPicPr>
-              <p:blipFill>
-                <a:blip r:embed="rId9"/>
-                <a:stretch>
-                  <a:fillRect/>
-                </a:stretch>
-              </p:blipFill>
-              <p:spPr>
-                <a:xfrm>
-                  <a:off x="20808689" y="16289018"/>
-                  <a:ext cx="4178110" cy="2856245"/>
-                </a:xfrm>
-                <a:prstGeom prst="rect">
-                  <a:avLst/>
-                </a:prstGeom>
-              </p:spPr>
-            </p:pic>
-            <p:sp>
-              <p:nvSpPr>
-                <p:cNvPr id="49" name="TextBox 48">
-                  <a:extLst>
-                    <a:ext uri="{FF2B5EF4-FFF2-40B4-BE49-F238E27FC236}">
-                      <a16:creationId xmlns:a16="http://schemas.microsoft.com/office/drawing/2014/main" id="{2C26822A-2883-068A-A4D7-AE40CC31B7B8}"/>
-                    </a:ext>
-                  </a:extLst>
-                </p:cNvPr>
-                <p:cNvSpPr txBox="1"/>
-                <p:nvPr/>
-              </p:nvSpPr>
-              <p:spPr>
-                <a:xfrm>
-                  <a:off x="21089225" y="16210552"/>
-                  <a:ext cx="390625" cy="461665"/>
-                </a:xfrm>
-                <a:prstGeom prst="rect">
-                  <a:avLst/>
-                </a:prstGeom>
-                <a:noFill/>
-              </p:spPr>
-              <p:txBody>
-                <a:bodyPr wrap="square" rtlCol="0">
-                  <a:spAutoFit/>
-                </a:bodyPr>
-                <a:lstStyle/>
-                <a:p>
-                  <a:r>
-                    <a:rPr lang="en-GB" sz="2400" b="1" noProof="0" dirty="0"/>
-                    <a:t>B</a:t>
-                  </a:r>
-                </a:p>
-              </p:txBody>
-            </p:sp>
-          </p:grpSp>
-          <p:grpSp>
-            <p:nvGrpSpPr>
-              <p:cNvPr id="95" name="Group 94">
-                <a:extLst>
-                  <a:ext uri="{FF2B5EF4-FFF2-40B4-BE49-F238E27FC236}">
-                    <a16:creationId xmlns:a16="http://schemas.microsoft.com/office/drawing/2014/main" id="{02902CA7-24FA-26C7-5829-98876586A2A1}"/>
-                  </a:ext>
-                </a:extLst>
-              </p:cNvPr>
-              <p:cNvGrpSpPr/>
-              <p:nvPr/>
-            </p:nvGrpSpPr>
-            <p:grpSpPr>
-              <a:xfrm>
-                <a:off x="20817268" y="19347627"/>
-                <a:ext cx="8353734" cy="3090242"/>
-                <a:chOff x="20786365" y="21519981"/>
-                <a:chExt cx="8353734" cy="3090242"/>
-              </a:xfrm>
-            </p:grpSpPr>
-            <p:pic>
-              <p:nvPicPr>
-                <p:cNvPr id="67" name="Picture 66" descr="A graph showing the number of patients with a number of patients&#10;&#10;AI-generated content may be incorrect.">
-                  <a:extLst>
-                    <a:ext uri="{FF2B5EF4-FFF2-40B4-BE49-F238E27FC236}">
-                      <a16:creationId xmlns:a16="http://schemas.microsoft.com/office/drawing/2014/main" id="{B4558922-DFFC-EAA8-32BE-694A1B082673}"/>
-                    </a:ext>
-                  </a:extLst>
-                </p:cNvPr>
-                <p:cNvPicPr>
-                  <a:picLocks noChangeAspect="1"/>
-                </p:cNvPicPr>
-                <p:nvPr/>
-              </p:nvPicPr>
-              <p:blipFill>
-                <a:blip r:embed="rId10"/>
-                <a:stretch>
-                  <a:fillRect/>
-                </a:stretch>
-              </p:blipFill>
-              <p:spPr>
-                <a:xfrm>
-                  <a:off x="24970541" y="21557876"/>
-                  <a:ext cx="4169558" cy="3050088"/>
-                </a:xfrm>
-                <a:prstGeom prst="rect">
-                  <a:avLst/>
-                </a:prstGeom>
-              </p:spPr>
-            </p:pic>
-            <p:pic>
-              <p:nvPicPr>
-                <p:cNvPr id="69" name="Picture 68" descr="A graph of a graph showing the number of points&#10;&#10;AI-generated content may be incorrect.">
-                  <a:extLst>
-                    <a:ext uri="{FF2B5EF4-FFF2-40B4-BE49-F238E27FC236}">
-                      <a16:creationId xmlns:a16="http://schemas.microsoft.com/office/drawing/2014/main" id="{306D3F55-1C56-E5D3-1A9A-10810D3E178E}"/>
-                    </a:ext>
-                  </a:extLst>
-                </p:cNvPr>
-                <p:cNvPicPr>
-                  <a:picLocks noChangeAspect="1"/>
-                </p:cNvPicPr>
-                <p:nvPr/>
-              </p:nvPicPr>
-              <p:blipFill>
-                <a:blip r:embed="rId11"/>
-                <a:stretch>
-                  <a:fillRect/>
-                </a:stretch>
-              </p:blipFill>
-              <p:spPr>
-                <a:xfrm>
-                  <a:off x="20786365" y="21553879"/>
-                  <a:ext cx="4178110" cy="3056344"/>
-                </a:xfrm>
-                <a:prstGeom prst="rect">
-                  <a:avLst/>
-                </a:prstGeom>
-              </p:spPr>
-            </p:pic>
-            <p:sp>
-              <p:nvSpPr>
-                <p:cNvPr id="57" name="TextBox 56">
-                  <a:extLst>
-                    <a:ext uri="{FF2B5EF4-FFF2-40B4-BE49-F238E27FC236}">
-                      <a16:creationId xmlns:a16="http://schemas.microsoft.com/office/drawing/2014/main" id="{D121B5EA-5406-8016-BD1A-F298029CF421}"/>
-                    </a:ext>
-                  </a:extLst>
-                </p:cNvPr>
-                <p:cNvSpPr txBox="1"/>
-                <p:nvPr/>
-              </p:nvSpPr>
-              <p:spPr>
-                <a:xfrm>
-                  <a:off x="21058321" y="21519981"/>
-                  <a:ext cx="390625" cy="461665"/>
-                </a:xfrm>
-                <a:prstGeom prst="rect">
-                  <a:avLst/>
-                </a:prstGeom>
-                <a:noFill/>
-              </p:spPr>
-              <p:txBody>
-                <a:bodyPr wrap="square" rtlCol="0">
-                  <a:spAutoFit/>
-                </a:bodyPr>
-                <a:lstStyle/>
-                <a:p>
-                  <a:r>
-                    <a:rPr lang="en-GB" sz="2400" b="1" noProof="0" dirty="0"/>
-                    <a:t>D</a:t>
-                  </a:r>
-                </a:p>
-              </p:txBody>
-            </p:sp>
-          </p:grpSp>
-          <p:grpSp>
-            <p:nvGrpSpPr>
-              <p:cNvPr id="94" name="Group 93">
-                <a:extLst>
-                  <a:ext uri="{FF2B5EF4-FFF2-40B4-BE49-F238E27FC236}">
-                    <a16:creationId xmlns:a16="http://schemas.microsoft.com/office/drawing/2014/main" id="{BC7B9367-C12B-51C6-5490-0614D5FCA4D8}"/>
-                  </a:ext>
-                </a:extLst>
-              </p:cNvPr>
-              <p:cNvGrpSpPr/>
-              <p:nvPr/>
-            </p:nvGrpSpPr>
-            <p:grpSpPr>
-              <a:xfrm>
-                <a:off x="12014188" y="19347627"/>
-                <a:ext cx="8367070" cy="3094463"/>
-                <a:chOff x="12436207" y="21515761"/>
-                <a:chExt cx="8367070" cy="3094463"/>
-              </a:xfrm>
-            </p:grpSpPr>
-            <p:pic>
-              <p:nvPicPr>
-                <p:cNvPr id="66" name="Picture 65" descr="A graph of a line graph&#10;&#10;AI-generated content may be incorrect.">
-                  <a:extLst>
-                    <a:ext uri="{FF2B5EF4-FFF2-40B4-BE49-F238E27FC236}">
-                      <a16:creationId xmlns:a16="http://schemas.microsoft.com/office/drawing/2014/main" id="{117D43BB-88D9-7284-1863-1B683C97FA65}"/>
-                    </a:ext>
-                  </a:extLst>
-                </p:cNvPr>
-                <p:cNvPicPr>
-                  <a:picLocks noChangeAspect="1"/>
-                </p:cNvPicPr>
-                <p:nvPr/>
-              </p:nvPicPr>
-              <p:blipFill>
-                <a:blip r:embed="rId12"/>
-                <a:stretch>
-                  <a:fillRect/>
-                </a:stretch>
-              </p:blipFill>
-              <p:spPr>
-                <a:xfrm>
-                  <a:off x="12436207" y="21551620"/>
-                  <a:ext cx="4178110" cy="3056344"/>
-                </a:xfrm>
-                <a:prstGeom prst="rect">
-                  <a:avLst/>
-                </a:prstGeom>
-              </p:spPr>
-            </p:pic>
-            <p:pic>
-              <p:nvPicPr>
-                <p:cNvPr id="68" name="Picture 67" descr="A graph of a line graph&#10;&#10;AI-generated content may be incorrect.">
-                  <a:extLst>
-                    <a:ext uri="{FF2B5EF4-FFF2-40B4-BE49-F238E27FC236}">
-                      <a16:creationId xmlns:a16="http://schemas.microsoft.com/office/drawing/2014/main" id="{636DDF9B-F8EE-67F6-735D-E21EFECADDBB}"/>
-                    </a:ext>
-                  </a:extLst>
-                </p:cNvPr>
-                <p:cNvPicPr>
-                  <a:picLocks noChangeAspect="1"/>
-                </p:cNvPicPr>
-                <p:nvPr/>
-              </p:nvPicPr>
-              <p:blipFill>
-                <a:blip r:embed="rId13"/>
-                <a:stretch>
-                  <a:fillRect/>
-                </a:stretch>
-              </p:blipFill>
-              <p:spPr>
-                <a:xfrm>
-                  <a:off x="16625168" y="21553879"/>
-                  <a:ext cx="4178109" cy="3056345"/>
-                </a:xfrm>
-                <a:prstGeom prst="rect">
-                  <a:avLst/>
-                </a:prstGeom>
-              </p:spPr>
-            </p:pic>
-            <p:sp>
-              <p:nvSpPr>
-                <p:cNvPr id="59" name="TextBox 58">
-                  <a:extLst>
-                    <a:ext uri="{FF2B5EF4-FFF2-40B4-BE49-F238E27FC236}">
-                      <a16:creationId xmlns:a16="http://schemas.microsoft.com/office/drawing/2014/main" id="{360FAC35-F7CC-B37C-AFFF-DBA70F68B1B7}"/>
-                    </a:ext>
-                  </a:extLst>
-                </p:cNvPr>
-                <p:cNvSpPr txBox="1"/>
-                <p:nvPr/>
-              </p:nvSpPr>
-              <p:spPr>
-                <a:xfrm>
-                  <a:off x="12695772" y="21515761"/>
-                  <a:ext cx="390625" cy="461665"/>
-                </a:xfrm>
-                <a:prstGeom prst="rect">
-                  <a:avLst/>
-                </a:prstGeom>
-                <a:noFill/>
-              </p:spPr>
-              <p:txBody>
-                <a:bodyPr wrap="square" rtlCol="0">
-                  <a:spAutoFit/>
-                </a:bodyPr>
-                <a:lstStyle/>
-                <a:p>
-                  <a:r>
-                    <a:rPr lang="en-GB" sz="2400" b="1" noProof="0" dirty="0"/>
-                    <a:t>C</a:t>
-                  </a:r>
-                </a:p>
-              </p:txBody>
-            </p:sp>
-          </p:grpSp>
-        </p:grpSp>
-      </p:grpSp>
       <p:grpSp>
         <p:nvGrpSpPr>
           <p:cNvPr id="77" name="Group 76">
@@ -5771,7 +5154,7 @@
             <p:nvPr/>
           </p:nvPicPr>
           <p:blipFill>
-            <a:blip r:embed="rId14"/>
+            <a:blip r:embed="rId6"/>
             <a:stretch>
               <a:fillRect/>
             </a:stretch>
@@ -5801,7 +5184,7 @@
             <p:nvPr/>
           </p:nvPicPr>
           <p:blipFill>
-            <a:blip r:embed="rId15"/>
+            <a:blip r:embed="rId7"/>
             <a:stretch>
               <a:fillRect/>
             </a:stretch>
@@ -5931,40 +5314,59 @@
               </a:r>
               <a:r>
                 <a:rPr lang="en-GB" sz="2000" noProof="0" dirty="0"/>
-                <a:t>The protein DDX21_HUMAN is plotted. It is part of the selected proteins and shows a </a:t>
+                <a:t>An </a:t>
+              </a:r>
+              <a:r>
+                <a:rPr lang="en-GB" sz="2000" noProof="0" dirty="0" err="1"/>
+                <a:t>RNA.dependent</a:t>
+              </a:r>
+              <a:r>
+                <a:rPr lang="en-GB" sz="2000" noProof="0" dirty="0"/>
+                <a:t> protein </a:t>
               </a:r>
               <a:r>
                 <a:rPr lang="en-GB" sz="2000" dirty="0"/>
-                <a:t>clear </a:t>
+                <a:t>e</a:t>
+              </a:r>
+              <a:r>
+                <a:rPr lang="en-GB" sz="2000" noProof="0" dirty="0" err="1"/>
+                <a:t>xhibits</a:t>
               </a:r>
               <a:r>
                 <a:rPr lang="en-GB" sz="2000" noProof="0" dirty="0"/>
-                <a:t>shift between RNASE and CTRL. </a:t>
-              </a:r>
+                <a:t> a shift </a:t>
+              </a:r>
+              <a:r>
+                <a:rPr lang="en-GB" sz="2000" dirty="0"/>
+                <a:t>for its intensity values between control and </a:t>
+              </a:r>
+              <a:r>
+                <a:rPr lang="en-GB" sz="2000" dirty="0" err="1"/>
+                <a:t>rnase</a:t>
+              </a:r>
+              <a:r>
+                <a:rPr lang="en-GB" sz="2000" dirty="0"/>
+                <a:t> group.</a:t>
+              </a:r>
+              <a:r>
+                <a:rPr lang="en-GB" sz="2000" noProof="0" dirty="0"/>
+                <a:t> </a:t>
+              </a:r>
+            </a:p>
+            <a:p>
               <a:r>
                 <a:rPr lang="en-GB" sz="2000" b="1" noProof="0" dirty="0"/>
-                <a:t>B) </a:t>
-              </a:r>
-              <a:r>
-                <a:rPr lang="en-GB" sz="2000" noProof="0" dirty="0"/>
-                <a:t>The protein </a:t>
+                <a:t>B)</a:t>
+              </a:r>
+              <a:r>
+                <a:rPr lang="en-GB" sz="2000" b="1" dirty="0"/>
+                <a:t> </a:t>
               </a:r>
               <a:r>
                 <a:rPr lang="en-GB" sz="2000" dirty="0"/>
-                <a:t>SPTN1</a:t>
-              </a:r>
-              <a:r>
-                <a:rPr lang="en-GB" sz="2000" noProof="0" dirty="0"/>
-                <a:t>_HUMAN </a:t>
-              </a:r>
-              <a:r>
-                <a:rPr lang="en-GB" sz="2000" dirty="0"/>
-                <a:t>from the not selected proteins</a:t>
-              </a:r>
-              <a:r>
-                <a:rPr lang="en-GB" sz="2000" noProof="0" dirty="0"/>
-                <a:t> and no shift.</a:t>
-              </a:r>
+                <a:t>A nor RNA-dependent protein exhibits no such shift</a:t>
+              </a:r>
+              <a:endParaRPr lang="en-GB" sz="2000" noProof="0" dirty="0"/>
             </a:p>
           </p:txBody>
         </p:sp>
@@ -5983,8 +5385,8 @@
         </p:nvSpPr>
         <p:spPr>
           <a:xfrm>
-            <a:off x="985116" y="7970772"/>
-            <a:ext cx="7533292" cy="2814617"/>
+            <a:off x="940780" y="8181621"/>
+            <a:ext cx="8971597" cy="2352952"/>
           </a:xfrm>
           <a:prstGeom prst="rect">
             <a:avLst/>
@@ -6193,7 +5595,7 @@
                   <p:nvPr/>
                 </p:nvPicPr>
                 <p:blipFill>
-                  <a:blip r:embed="rId16"/>
+                  <a:blip r:embed="rId8"/>
                   <a:stretch>
                     <a:fillRect/>
                   </a:stretch>
@@ -6223,7 +5625,7 @@
                   <p:nvPr/>
                 </p:nvPicPr>
                 <p:blipFill>
-                  <a:blip r:embed="rId17"/>
+                  <a:blip r:embed="rId9"/>
                   <a:stretch>
                     <a:fillRect/>
                   </a:stretch>
@@ -6253,7 +5655,7 @@
                   <p:nvPr/>
                 </p:nvPicPr>
                 <p:blipFill>
-                  <a:blip r:embed="rId18"/>
+                  <a:blip r:embed="rId10"/>
                   <a:stretch>
                     <a:fillRect/>
                   </a:stretch>
@@ -6283,7 +5685,7 @@
                   <p:nvPr/>
                 </p:nvPicPr>
                 <p:blipFill>
-                  <a:blip r:embed="rId19"/>
+                  <a:blip r:embed="rId11"/>
                   <a:stretch>
                     <a:fillRect/>
                   </a:stretch>
@@ -6329,7 +5731,7 @@
                 <a:p>
                   <a:r>
                     <a:rPr lang="en-GB" sz="2000" b="1" noProof="0" dirty="0"/>
-                    <a:t>Fig. 6 </a:t>
+                    <a:t>Fig. 7 </a:t>
                   </a:r>
                   <a:r>
                     <a:rPr lang="en-GB" sz="2000" noProof="0" dirty="0" err="1"/>
@@ -6414,12 +5816,8 @@
               <a:lstStyle/>
               <a:p>
                 <a:r>
-                  <a:rPr lang="en-GB" sz="2400" b="1" dirty="0"/>
-                  <a:t>6</a:t>
-                </a:r>
-                <a:r>
                   <a:rPr lang="en-GB" sz="2400" b="1" noProof="0" dirty="0"/>
-                  <a:t>A</a:t>
+                  <a:t>7A</a:t>
                 </a:r>
               </a:p>
             </p:txBody>
@@ -6560,7 +5958,7 @@
             <a:p>
               <a:r>
                 <a:rPr lang="en-US" sz="2000" b="1" dirty="0"/>
-                <a:t>Fig. 7 </a:t>
+                <a:t>Fig. 8 </a:t>
               </a:r>
               <a:r>
                 <a:rPr lang="en-US" sz="2000" dirty="0"/>
@@ -6614,7 +6012,7 @@
           <a:p>
             <a:r>
               <a:rPr lang="en-GB" sz="2400" b="1" dirty="0"/>
-              <a:t>7A</a:t>
+              <a:t>8A</a:t>
             </a:r>
             <a:endParaRPr lang="en-GB" sz="2400" b="1" noProof="0" dirty="0"/>
           </a:p>
@@ -6635,7 +6033,7 @@
           <p:nvPr/>
         </p:nvPicPr>
         <p:blipFill>
-          <a:blip r:embed="rId20"/>
+          <a:blip r:embed="rId12"/>
           <a:srcRect l="15812" t="14850" r="36306" b="8618"/>
           <a:stretch>
             <a:fillRect/>
@@ -6666,7 +6064,7 @@
           <p:nvPr/>
         </p:nvPicPr>
         <p:blipFill>
-          <a:blip r:embed="rId21"/>
+          <a:blip r:embed="rId13"/>
           <a:srcRect l="15812" t="14454" r="9096" b="9014"/>
           <a:stretch>
             <a:fillRect/>
@@ -6676,37 +6074,6 @@
           <a:xfrm>
             <a:off x="23079698" y="31311292"/>
             <a:ext cx="5007430" cy="3149600"/>
-          </a:xfrm>
-          <a:prstGeom prst="rect">
-            <a:avLst/>
-          </a:prstGeom>
-        </p:spPr>
-      </p:pic>
-      <p:pic>
-        <p:nvPicPr>
-          <p:cNvPr id="42" name="Picture 41" descr="A blue pie chart with red and green circles&#10;&#10;AI-generated content may be incorrect.">
-            <a:extLst>
-              <a:ext uri="{FF2B5EF4-FFF2-40B4-BE49-F238E27FC236}">
-                <a16:creationId xmlns:a16="http://schemas.microsoft.com/office/drawing/2014/main" id="{81EE9FCF-780D-3734-ACF4-944385396C65}"/>
-              </a:ext>
-            </a:extLst>
-          </p:cNvPr>
-          <p:cNvPicPr>
-            <a:picLocks noChangeAspect="1"/>
-          </p:cNvPicPr>
-          <p:nvPr/>
-        </p:nvPicPr>
-        <p:blipFill>
-          <a:blip r:embed="rId22"/>
-          <a:srcRect l="19350" t="12381" r="13613" b="8617"/>
-          <a:stretch>
-            <a:fillRect/>
-          </a:stretch>
-        </p:blipFill>
-        <p:spPr>
-          <a:xfrm>
-            <a:off x="1429593" y="625036"/>
-            <a:ext cx="4470400" cy="3251201"/>
           </a:xfrm>
           <a:prstGeom prst="rect">
             <a:avLst/>
@@ -6728,7 +6095,7 @@
           <p:nvPr/>
         </p:nvPicPr>
         <p:blipFill>
-          <a:blip r:embed="rId23"/>
+          <a:blip r:embed="rId14"/>
           <a:stretch>
             <a:fillRect/>
           </a:stretch>
@@ -6792,10 +6159,10 @@
         </p:nvGrpSpPr>
         <p:grpSpPr>
           <a:xfrm>
-            <a:off x="1429593" y="16532598"/>
-            <a:ext cx="10082469" cy="9115045"/>
-            <a:chOff x="1429593" y="16532598"/>
-            <a:chExt cx="11250087" cy="10304184"/>
+            <a:off x="747819" y="15655559"/>
+            <a:ext cx="7840124" cy="9723619"/>
+            <a:chOff x="1429593" y="16606125"/>
+            <a:chExt cx="8748063" cy="10992152"/>
           </a:xfrm>
         </p:grpSpPr>
         <p:sp>
@@ -6812,8 +6179,8 @@
           </p:nvSpPr>
           <p:spPr>
             <a:xfrm>
-              <a:off x="1429593" y="23666683"/>
-              <a:ext cx="11250087" cy="3170099"/>
+              <a:off x="1429593" y="23666682"/>
+              <a:ext cx="8748063" cy="3931595"/>
             </a:xfrm>
             <a:prstGeom prst="rect">
               <a:avLst/>
@@ -6840,7 +6207,7 @@
               </a:r>
               <a:r>
                 <a:rPr lang="de-DE" sz="2000" dirty="0" err="1"/>
-                <a:t>used</a:t>
+                <a:t>for</a:t>
               </a:r>
               <a:r>
                 <a:rPr lang="de-DE" sz="2000" dirty="0"/>
@@ -6848,7 +6215,7 @@
               </a:r>
               <a:r>
                 <a:rPr lang="de-DE" sz="2000" dirty="0" err="1"/>
-                <a:t>to</a:t>
+                <a:t>the</a:t>
               </a:r>
               <a:r>
                 <a:rPr lang="de-DE" sz="2000" dirty="0"/>
@@ -6856,7 +6223,7 @@
               </a:r>
               <a:r>
                 <a:rPr lang="de-DE" sz="2000" dirty="0" err="1"/>
-                <a:t>classify</a:t>
+                <a:t>classification</a:t>
               </a:r>
               <a:r>
                 <a:rPr lang="de-DE" sz="2000" dirty="0"/>
@@ -6864,7 +6231,7 @@
               </a:r>
               <a:r>
                 <a:rPr lang="de-DE" sz="2000" dirty="0" err="1"/>
-                <a:t>proteins</a:t>
+                <a:t>of</a:t>
               </a:r>
               <a:r>
                 <a:rPr lang="de-DE" sz="2000" dirty="0"/>
@@ -6872,7 +6239,15 @@
               </a:r>
               <a:r>
                 <a:rPr lang="de-DE" sz="2000" dirty="0" err="1"/>
-                <a:t>as</a:t>
+                <a:t>proteins</a:t>
+              </a:r>
+              <a:r>
+                <a:rPr lang="de-DE" sz="2000" dirty="0"/>
+                <a:t> </a:t>
+              </a:r>
+              <a:r>
+                <a:rPr lang="de-DE" sz="2000" dirty="0" err="1"/>
+                <a:t>regarding</a:t>
               </a:r>
               <a:r>
                 <a:rPr lang="de-DE" sz="2000" dirty="0"/>
@@ -6880,95 +6255,105 @@
               </a:r>
               <a:r>
                 <a:rPr lang="de-DE" sz="2000" dirty="0" err="1"/>
-                <a:t>dependent</a:t>
-              </a:r>
-              <a:r>
-                <a:rPr lang="de-DE" sz="2000" dirty="0"/>
-                <a:t> (</a:t>
-              </a:r>
-              <a:r>
-                <a:rPr lang="de-DE" sz="2000" dirty="0" err="1"/>
-                <a:t>selected</a:t>
-              </a:r>
-              <a:r>
-                <a:rPr lang="de-DE" sz="2000" dirty="0"/>
-                <a:t>) </a:t>
-              </a:r>
-              <a:r>
-                <a:rPr lang="de-DE" sz="2000" dirty="0" err="1"/>
-                <a:t>or</a:t>
-              </a:r>
-              <a:r>
-                <a:rPr lang="de-DE" sz="2000" dirty="0"/>
-                <a:t> non-RNA-</a:t>
-              </a:r>
-              <a:r>
-                <a:rPr lang="de-DE" sz="2000" dirty="0" err="1"/>
-                <a:t>dependent</a:t>
-              </a:r>
-              <a:r>
-                <a:rPr lang="de-DE" sz="2000" dirty="0"/>
-                <a:t> (not </a:t>
-              </a:r>
-              <a:r>
-                <a:rPr lang="de-DE" sz="2000" dirty="0" err="1"/>
-                <a:t>selected</a:t>
-              </a:r>
-              <a:r>
-                <a:rPr lang="de-DE" sz="2000" dirty="0"/>
-                <a:t>)</a:t>
-              </a:r>
+                <a:t>dependency</a:t>
+              </a:r>
+              <a:endParaRPr lang="de-DE" sz="2000" dirty="0"/>
             </a:p>
             <a:p>
               <a:endParaRPr lang="de-DE" sz="2000" dirty="0"/>
             </a:p>
             <a:p>
               <a:r>
-                <a:rPr lang="en-US" sz="2000" b="1" dirty="0"/>
-                <a:t>Selected proteins</a:t>
-              </a:r>
-              <a:r>
-                <a:rPr lang="en-US" sz="2000" dirty="0"/>
-                <a:t> met one of the following conditions:</a:t>
-              </a:r>
-              <a:br>
-                <a:rPr lang="en-US" sz="2000" dirty="0"/>
-              </a:br>
-              <a:r>
-                <a:rPr lang="en-US" sz="2000" dirty="0"/>
-                <a:t>– A center of mass (COM) shift of ≥ 2 fractions (color: orange)</a:t>
-              </a:r>
-              <a:br>
-                <a:rPr lang="en-US" sz="2000" dirty="0"/>
-              </a:br>
-              <a:r>
-                <a:rPr lang="en-US" sz="2000" dirty="0"/>
-                <a:t>– No COM shift, but a main maximum shift of ≥ 3 fractions and a correlation value &lt; 0.7 between control (CTRL) and RNase samples (RNASE) (color: red)</a:t>
+                <a:rPr lang="de-DE" sz="2000" b="1" dirty="0"/>
+                <a:t>Selected (RNA-</a:t>
+              </a:r>
+              <a:r>
+                <a:rPr lang="de-DE" sz="2000" b="1" dirty="0" err="1"/>
+                <a:t>dependent</a:t>
+              </a:r>
+              <a:r>
+                <a:rPr lang="de-DE" sz="2000" b="1" dirty="0"/>
+                <a:t>):</a:t>
               </a:r>
             </a:p>
             <a:p>
+              <a:pPr marL="342900" indent="-342900">
+                <a:buFont typeface="Arial" panose="020B0604020202020204" pitchFamily="34" charset="0"/>
+                <a:buChar char="•"/>
+              </a:pPr>
+              <a:r>
+                <a:rPr lang="en-US" sz="2000" dirty="0"/>
+                <a:t>COM shift ≥ 2 fractions </a:t>
+              </a:r>
+              <a:r>
+                <a:rPr lang="en-US" sz="2000" i="1" dirty="0"/>
+                <a:t>(orange)</a:t>
+              </a:r>
+              <a:endParaRPr lang="en-US" sz="2000" dirty="0"/>
+            </a:p>
+            <a:p>
+              <a:pPr marL="342900" indent="-342900">
+                <a:buFont typeface="Arial" panose="020B0604020202020204" pitchFamily="34" charset="0"/>
+                <a:buChar char="•"/>
+              </a:pPr>
+              <a:r>
+                <a:rPr lang="en-US" sz="2000" dirty="0"/>
+                <a:t>or: no COM shift, but main peak shift ≥ 3 fractions and correlation &lt; 0.7 </a:t>
+              </a:r>
+              <a:r>
+                <a:rPr lang="en-US" sz="2000" i="1" dirty="0"/>
+                <a:t>(red)</a:t>
+              </a:r>
+            </a:p>
+            <a:p>
+              <a:endParaRPr lang="en-US" sz="2000" dirty="0"/>
+            </a:p>
+            <a:p>
               <a:r>
                 <a:rPr lang="en-US" sz="2000" b="1" dirty="0"/>
-                <a:t>Not selected proteins</a:t>
-              </a:r>
+                <a:t>Not selected (not RNA-dependent:</a:t>
+              </a:r>
+            </a:p>
+            <a:p>
+              <a:pPr marL="342900" indent="-342900">
+                <a:buFont typeface="Arial" panose="020B0604020202020204" pitchFamily="34" charset="0"/>
+                <a:buChar char="•"/>
+              </a:pPr>
               <a:r>
                 <a:rPr lang="en-US" sz="2000" dirty="0"/>
-                <a:t> met one of the following:</a:t>
-              </a:r>
-              <a:br>
+                <a:t>No COM shift ≥ 2 and no peak shift ≥ 3 </a:t>
+              </a:r>
+              <a:r>
+                <a:rPr lang="en-US" sz="2000" i="1" dirty="0"/>
+                <a:t>(purple)</a:t>
+              </a:r>
+              <a:endParaRPr lang="en-US" sz="2000" dirty="0"/>
+            </a:p>
+            <a:p>
+              <a:pPr marL="342900" indent="-342900">
+                <a:buFont typeface="Arial" panose="020B0604020202020204" pitchFamily="34" charset="0"/>
+                <a:buChar char="•"/>
+              </a:pPr>
+              <a:r>
                 <a:rPr lang="en-US" sz="2000" dirty="0"/>
-              </a:br>
+                <a:t>or: peak shift without COM shift </a:t>
+              </a:r>
+              <a:r>
+                <a:rPr lang="en-US" sz="2000" b="1" dirty="0"/>
+                <a:t>and</a:t>
+              </a:r>
               <a:r>
                 <a:rPr lang="en-US" sz="2000" dirty="0"/>
-                <a:t>– No COM shift ≥ 2 fractions and no main maximum shift ≥ 3 fractions (color: purple)</a:t>
-              </a:r>
-              <a:br>
-                <a:rPr lang="en-US" sz="2000" dirty="0"/>
-              </a:br>
-              <a:r>
-                <a:rPr lang="en-US" sz="2000" dirty="0"/>
-                <a:t>– Or a main maximum shift with no COM shift, and a correlation value ≥ 0.7 between CTRL and RNASE (color: dark blue)</a:t>
-              </a:r>
+                <a:t> correlation ≥ 0.7 </a:t>
+              </a:r>
+              <a:r>
+                <a:rPr lang="en-US" sz="2000" i="1" dirty="0"/>
+                <a:t>(dark blue)</a:t>
+              </a:r>
+              <a:endParaRPr lang="en-US" sz="2000" dirty="0"/>
+            </a:p>
+            <a:p>
+              <a:endParaRPr lang="de-DE" sz="2000" dirty="0"/>
             </a:p>
           </p:txBody>
         </p:sp>
@@ -6987,7 +6372,7 @@
             <p:nvPr/>
           </p:nvPicPr>
           <p:blipFill>
-            <a:blip r:embed="rId24"/>
+            <a:blip r:embed="rId15"/>
             <a:stretch>
               <a:fillRect/>
             </a:stretch>
@@ -7016,7 +6401,7 @@
           </p:nvSpPr>
           <p:spPr>
             <a:xfrm>
-              <a:off x="2640338" y="16532598"/>
+              <a:off x="1726192" y="16606125"/>
               <a:ext cx="560060" cy="461665"/>
             </a:xfrm>
             <a:prstGeom prst="rect">
@@ -7040,10 +6425,10 @@
       </p:grpSp>
       <p:grpSp>
         <p:nvGrpSpPr>
-          <p:cNvPr id="111" name="Gruppieren 110">
+          <p:cNvPr id="5" name="Gruppieren 4">
             <a:extLst>
               <a:ext uri="{FF2B5EF4-FFF2-40B4-BE49-F238E27FC236}">
-                <a16:creationId xmlns:a16="http://schemas.microsoft.com/office/drawing/2014/main" id="{9C9CBD95-5602-5446-4D28-C330E2CDC2E5}"/>
+                <a16:creationId xmlns:a16="http://schemas.microsoft.com/office/drawing/2014/main" id="{0A62461E-7D49-D7EA-DF78-D32CBFC583BB}"/>
               </a:ext>
             </a:extLst>
           </p:cNvPr>
@@ -7052,18 +6437,18 @@
         </p:nvGrpSpPr>
         <p:grpSpPr>
           <a:xfrm>
-            <a:off x="15792737" y="19237043"/>
-            <a:ext cx="11502103" cy="7126596"/>
-            <a:chOff x="15792737" y="19237043"/>
-            <a:chExt cx="11502103" cy="7126596"/>
+            <a:off x="9341538" y="15543138"/>
+            <a:ext cx="13076502" cy="4677883"/>
+            <a:chOff x="11526370" y="15734215"/>
+            <a:chExt cx="12399909" cy="4677883"/>
           </a:xfrm>
         </p:grpSpPr>
         <p:grpSp>
           <p:nvGrpSpPr>
-            <p:cNvPr id="107" name="Gruppieren 106">
+            <p:cNvPr id="111" name="Gruppieren 110">
               <a:extLst>
                 <a:ext uri="{FF2B5EF4-FFF2-40B4-BE49-F238E27FC236}">
-                  <a16:creationId xmlns:a16="http://schemas.microsoft.com/office/drawing/2014/main" id="{23C62F07-7DE6-4BE2-833A-3997C63B4C72}"/>
+                  <a16:creationId xmlns:a16="http://schemas.microsoft.com/office/drawing/2014/main" id="{9C9CBD95-5602-5446-4D28-C330E2CDC2E5}"/>
                 </a:ext>
               </a:extLst>
             </p:cNvPr>
@@ -7072,18 +6457,18 @@
           </p:nvGrpSpPr>
           <p:grpSpPr>
             <a:xfrm>
-              <a:off x="15792737" y="19237043"/>
-              <a:ext cx="11502103" cy="7126596"/>
-              <a:chOff x="15792737" y="19622701"/>
-              <a:chExt cx="11502103" cy="7126596"/>
+              <a:off x="11526370" y="15747702"/>
+              <a:ext cx="12399909" cy="4664396"/>
+              <a:chOff x="15902258" y="19196409"/>
+              <a:chExt cx="12399909" cy="4664396"/>
             </a:xfrm>
           </p:grpSpPr>
           <p:grpSp>
             <p:nvGrpSpPr>
-              <p:cNvPr id="58" name="Gruppieren 57">
+              <p:cNvPr id="107" name="Gruppieren 106">
                 <a:extLst>
                   <a:ext uri="{FF2B5EF4-FFF2-40B4-BE49-F238E27FC236}">
-                    <a16:creationId xmlns:a16="http://schemas.microsoft.com/office/drawing/2014/main" id="{C9DAA528-66BB-4FAA-43DD-8EB3808217E5}"/>
+                    <a16:creationId xmlns:a16="http://schemas.microsoft.com/office/drawing/2014/main" id="{23C62F07-7DE6-4BE2-833A-3997C63B4C72}"/>
                   </a:ext>
                 </a:extLst>
               </p:cNvPr>
@@ -7092,18 +6477,176 @@
             </p:nvGrpSpPr>
             <p:grpSpPr>
               <a:xfrm>
-                <a:off x="15792737" y="19648112"/>
-                <a:ext cx="11502103" cy="7101185"/>
-                <a:chOff x="11739278" y="20640668"/>
-                <a:chExt cx="11094443" cy="7101185"/>
+                <a:off x="15902258" y="19196409"/>
+                <a:ext cx="12399909" cy="4366798"/>
+                <a:chOff x="15902258" y="19582067"/>
+                <a:chExt cx="12399909" cy="4366798"/>
               </a:xfrm>
             </p:grpSpPr>
+            <p:grpSp>
+              <p:nvGrpSpPr>
+                <p:cNvPr id="58" name="Gruppieren 57">
+                  <a:extLst>
+                    <a:ext uri="{FF2B5EF4-FFF2-40B4-BE49-F238E27FC236}">
+                      <a16:creationId xmlns:a16="http://schemas.microsoft.com/office/drawing/2014/main" id="{C9DAA528-66BB-4FAA-43DD-8EB3808217E5}"/>
+                    </a:ext>
+                  </a:extLst>
+                </p:cNvPr>
+                <p:cNvGrpSpPr/>
+                <p:nvPr/>
+              </p:nvGrpSpPr>
+              <p:grpSpPr>
+                <a:xfrm>
+                  <a:off x="15902258" y="19582067"/>
+                  <a:ext cx="12399909" cy="4366798"/>
+                  <a:chOff x="11844917" y="20574623"/>
+                  <a:chExt cx="11960427" cy="4366798"/>
+                </a:xfrm>
+              </p:grpSpPr>
+              <p:sp>
+                <p:nvSpPr>
+                  <p:cNvPr id="16" name="Textfeld 15">
+                    <a:extLst>
+                      <a:ext uri="{FF2B5EF4-FFF2-40B4-BE49-F238E27FC236}">
+                        <a16:creationId xmlns:a16="http://schemas.microsoft.com/office/drawing/2014/main" id="{447642A8-D5C5-97E6-FC45-3440DC69F80C}"/>
+                      </a:ext>
+                    </a:extLst>
+                  </p:cNvPr>
+                  <p:cNvSpPr txBox="1"/>
+                  <p:nvPr/>
+                </p:nvSpPr>
+                <p:spPr>
+                  <a:xfrm>
+                    <a:off x="19991854" y="20574623"/>
+                    <a:ext cx="3813490" cy="3477875"/>
+                  </a:xfrm>
+                  <a:prstGeom prst="rect">
+                    <a:avLst/>
+                  </a:prstGeom>
+                  <a:noFill/>
+                </p:spPr>
+                <p:txBody>
+                  <a:bodyPr wrap="square" rtlCol="0">
+                    <a:spAutoFit/>
+                  </a:bodyPr>
+                  <a:lstStyle/>
+                  <a:p>
+                    <a:r>
+                      <a:rPr lang="en-US" sz="2000" b="1" dirty="0"/>
+                      <a:t>Fig. 4 – COM shifts between control and RNase conditions for selected and not selected proteins</a:t>
+                    </a:r>
+                  </a:p>
+                  <a:p>
+                    <a:endParaRPr lang="en-US" sz="2000" dirty="0"/>
+                  </a:p>
+                  <a:p>
+                    <a:r>
+                      <a:rPr lang="en-US" sz="2000" dirty="0"/>
+                      <a:t>Each dot represents a protein. X-axis: COM in control, Y-axis: COM in RNase.</a:t>
+                    </a:r>
+                    <a:br>
+                      <a:rPr lang="en-US" sz="2000" dirty="0"/>
+                    </a:br>
+                    <a:r>
+                      <a:rPr lang="en-US" sz="2000" dirty="0"/>
+                      <a:t>Colors match Fig. 3 and indicate subsets of selected or not selected proteins.</a:t>
+                    </a:r>
+                    <a:br>
+                      <a:rPr lang="en-US" sz="2000" dirty="0"/>
+                    </a:br>
+                    <a:r>
+                      <a:rPr lang="en-US" sz="2000" b="1" dirty="0"/>
+                      <a:t>A)</a:t>
+                    </a:r>
+                    <a:r>
+                      <a:rPr lang="en-US" sz="2000" dirty="0"/>
+                      <a:t> Selected proteins </a:t>
+                    </a:r>
+                  </a:p>
+                  <a:p>
+                    <a:r>
+                      <a:rPr lang="en-US" sz="2000" b="1" dirty="0"/>
+                      <a:t>B)</a:t>
+                    </a:r>
+                    <a:r>
+                      <a:rPr lang="en-US" sz="2000" dirty="0"/>
+                      <a:t> Not selected proteins</a:t>
+                    </a:r>
+                  </a:p>
+                </p:txBody>
+              </p:sp>
+              <p:pic>
+                <p:nvPicPr>
+                  <p:cNvPr id="3" name="Grafik 2">
+                    <a:extLst>
+                      <a:ext uri="{FF2B5EF4-FFF2-40B4-BE49-F238E27FC236}">
+                        <a16:creationId xmlns:a16="http://schemas.microsoft.com/office/drawing/2014/main" id="{E350437B-ED1C-6C1F-B7B5-D62894857DEB}"/>
+                      </a:ext>
+                    </a:extLst>
+                  </p:cNvPr>
+                  <p:cNvPicPr>
+                    <a:picLocks noChangeAspect="1"/>
+                  </p:cNvPicPr>
+                  <p:nvPr/>
+                </p:nvPicPr>
+                <p:blipFill>
+                  <a:blip r:embed="rId16"/>
+                  <a:stretch>
+                    <a:fillRect/>
+                  </a:stretch>
+                </p:blipFill>
+                <p:spPr>
+                  <a:xfrm>
+                    <a:off x="12223017" y="21360021"/>
+                    <a:ext cx="7532838" cy="3581400"/>
+                  </a:xfrm>
+                  <a:prstGeom prst="rect">
+                    <a:avLst/>
+                  </a:prstGeom>
+                </p:spPr>
+              </p:pic>
+              <p:sp>
+                <p:nvSpPr>
+                  <p:cNvPr id="13" name="Textfeld 12">
+                    <a:extLst>
+                      <a:ext uri="{FF2B5EF4-FFF2-40B4-BE49-F238E27FC236}">
+                        <a16:creationId xmlns:a16="http://schemas.microsoft.com/office/drawing/2014/main" id="{F73536A9-0711-76AB-2150-D8D633ED16E4}"/>
+                      </a:ext>
+                    </a:extLst>
+                  </p:cNvPr>
+                  <p:cNvSpPr txBox="1"/>
+                  <p:nvPr/>
+                </p:nvSpPr>
+                <p:spPr>
+                  <a:xfrm>
+                    <a:off x="11844917" y="20640668"/>
+                    <a:ext cx="562670" cy="461665"/>
+                  </a:xfrm>
+                  <a:prstGeom prst="rect">
+                    <a:avLst/>
+                  </a:prstGeom>
+                  <a:noFill/>
+                </p:spPr>
+                <p:txBody>
+                  <a:bodyPr wrap="square" rtlCol="0">
+                    <a:spAutoFit/>
+                  </a:bodyPr>
+                  <a:lstStyle/>
+                  <a:p>
+                    <a:r>
+                      <a:rPr lang="de-DE" sz="2400" b="1" dirty="0"/>
+                      <a:t>4A</a:t>
+                    </a:r>
+                  </a:p>
+                </p:txBody>
+              </p:sp>
+            </p:grpSp>
             <p:sp>
               <p:nvSpPr>
-                <p:cNvPr id="16" name="Textfeld 15">
+                <p:cNvPr id="86" name="Textfeld 85">
                   <a:extLst>
                     <a:ext uri="{FF2B5EF4-FFF2-40B4-BE49-F238E27FC236}">
-                      <a16:creationId xmlns:a16="http://schemas.microsoft.com/office/drawing/2014/main" id="{447642A8-D5C5-97E6-FC45-3440DC69F80C}"/>
+                      <a16:creationId xmlns:a16="http://schemas.microsoft.com/office/drawing/2014/main" id="{8F383064-90E6-5A65-5B94-9D70E31CEB09}"/>
                     </a:ext>
                   </a:extLst>
                 </p:cNvPr>
@@ -7112,8 +6655,8 @@
               </p:nvSpPr>
               <p:spPr>
                 <a:xfrm>
-                  <a:off x="11739278" y="25433529"/>
-                  <a:ext cx="11094443" cy="2308324"/>
+                  <a:off x="16652542" y="19659579"/>
+                  <a:ext cx="3192312" cy="707886"/>
                 </a:xfrm>
                 <a:prstGeom prst="rect">
                   <a:avLst/>
@@ -7126,795 +6669,61 @@
                 </a:bodyPr>
                 <a:lstStyle/>
                 <a:p>
+                  <a:pPr algn="ctr"/>
                   <a:r>
-                    <a:rPr lang="de-DE" b="1" dirty="0"/>
-                    <a:t>Fig 4 </a:t>
+                    <a:rPr lang="de-DE" sz="2000" dirty="0" err="1"/>
+                    <a:t>Comparison</a:t>
                   </a:r>
                   <a:r>
-                    <a:rPr lang="de-DE" dirty="0" err="1"/>
-                    <a:t>Scatter</a:t>
-                  </a:r>
-                  <a:r>
-                    <a:rPr lang="de-DE" dirty="0"/>
-                    <a:t> Plots </a:t>
-                  </a:r>
-                  <a:r>
-                    <a:rPr lang="de-DE" dirty="0" err="1"/>
-                    <a:t>showing</a:t>
-                  </a:r>
-                  <a:r>
-                    <a:rPr lang="de-DE" dirty="0"/>
+                    <a:rPr lang="de-DE" sz="2000" dirty="0"/>
                     <a:t> </a:t>
                   </a:r>
                   <a:r>
-                    <a:rPr lang="de-DE" dirty="0" err="1"/>
-                    <a:t>altered</a:t>
+                    <a:rPr lang="de-DE" sz="2000" dirty="0" err="1"/>
+                    <a:t>of</a:t>
                   </a:r>
                   <a:r>
-                    <a:rPr lang="de-DE" dirty="0"/>
+                    <a:rPr lang="de-DE" sz="2000" dirty="0"/>
+                    <a:t> COM </a:t>
+                  </a:r>
+                  <a:r>
+                    <a:rPr lang="de-DE" sz="2000" dirty="0" err="1"/>
+                    <a:t>values</a:t>
+                  </a:r>
+                  <a:r>
+                    <a:rPr lang="de-DE" sz="2000" dirty="0"/>
                     <a:t> </a:t>
                   </a:r>
                   <a:r>
-                    <a:rPr lang="de-DE" dirty="0" err="1"/>
-                    <a:t>locations</a:t>
+                    <a:rPr lang="de-DE" sz="2000" dirty="0" err="1"/>
+                    <a:t>among</a:t>
                   </a:r>
                   <a:r>
-                    <a:rPr lang="de-DE" dirty="0"/>
+                    <a:rPr lang="de-DE" sz="2000" dirty="0"/>
                     <a:t> </a:t>
                   </a:r>
                   <a:r>
-                    <a:rPr lang="de-DE" dirty="0" err="1"/>
-                    <a:t>for</a:t>
+                    <a:rPr lang="de-DE" sz="2000" b="1" dirty="0" err="1"/>
+                    <a:t>selected</a:t>
                   </a:r>
                   <a:r>
-                    <a:rPr lang="de-DE" dirty="0"/>
+                    <a:rPr lang="de-DE" sz="2000" b="1" dirty="0"/>
                     <a:t> </a:t>
                   </a:r>
                   <a:r>
-                    <a:rPr lang="de-DE" dirty="0" err="1"/>
-                    <a:t>the</a:t>
-                  </a:r>
-                  <a:r>
-                    <a:rPr lang="de-DE" dirty="0"/>
-                    <a:t> </a:t>
-                  </a:r>
-                  <a:r>
-                    <a:rPr lang="de-DE" dirty="0" err="1"/>
-                    <a:t>center</a:t>
-                  </a:r>
-                  <a:r>
-                    <a:rPr lang="de-DE" dirty="0"/>
-                    <a:t> </a:t>
-                  </a:r>
-                  <a:r>
-                    <a:rPr lang="de-DE" dirty="0" err="1"/>
-                    <a:t>of</a:t>
-                  </a:r>
-                  <a:r>
-                    <a:rPr lang="de-DE" dirty="0"/>
-                    <a:t> </a:t>
-                  </a:r>
-                  <a:r>
-                    <a:rPr lang="de-DE" dirty="0" err="1"/>
-                    <a:t>mass</a:t>
-                  </a:r>
-                  <a:r>
-                    <a:rPr lang="de-DE" dirty="0"/>
-                    <a:t> (COM) </a:t>
-                  </a:r>
-                  <a:r>
-                    <a:rPr lang="de-DE" dirty="0" err="1"/>
-                    <a:t>values</a:t>
-                  </a:r>
-                  <a:r>
-                    <a:rPr lang="de-DE" dirty="0"/>
-                    <a:t> </a:t>
-                  </a:r>
-                  <a:r>
-                    <a:rPr lang="de-DE" dirty="0" err="1"/>
-                    <a:t>between</a:t>
-                  </a:r>
-                  <a:r>
-                    <a:rPr lang="de-DE" dirty="0"/>
-                    <a:t> </a:t>
-                  </a:r>
-                  <a:r>
-                    <a:rPr lang="de-DE" dirty="0" err="1"/>
-                    <a:t>control</a:t>
-                  </a:r>
-                  <a:r>
-                    <a:rPr lang="de-DE" dirty="0"/>
-                    <a:t> and </a:t>
-                  </a:r>
-                  <a:r>
-                    <a:rPr lang="de-DE" dirty="0" err="1"/>
-                    <a:t>rnase</a:t>
-                  </a:r>
-                  <a:r>
-                    <a:rPr lang="de-DE" dirty="0"/>
-                    <a:t> </a:t>
-                  </a:r>
-                  <a:r>
-                    <a:rPr lang="de-DE" dirty="0" err="1"/>
-                    <a:t>for</a:t>
-                  </a:r>
-                  <a:r>
-                    <a:rPr lang="de-DE" dirty="0"/>
-                    <a:t> </a:t>
-                  </a:r>
-                  <a:r>
-                    <a:rPr lang="de-DE" dirty="0" err="1"/>
-                    <a:t>the</a:t>
-                  </a:r>
-                  <a:r>
-                    <a:rPr lang="de-DE" dirty="0"/>
-                    <a:t> </a:t>
-                  </a:r>
-                  <a:r>
-                    <a:rPr lang="de-DE" dirty="0" err="1"/>
-                    <a:t>selected</a:t>
-                  </a:r>
-                  <a:r>
-                    <a:rPr lang="de-DE" dirty="0"/>
-                    <a:t> and not </a:t>
-                  </a:r>
-                  <a:r>
-                    <a:rPr lang="de-DE" dirty="0" err="1"/>
-                    <a:t>selected</a:t>
-                  </a:r>
-                  <a:r>
-                    <a:rPr lang="de-DE" dirty="0"/>
-                    <a:t> </a:t>
-                  </a:r>
-                  <a:r>
-                    <a:rPr lang="de-DE" dirty="0" err="1"/>
+                    <a:rPr lang="de-DE" sz="2000" b="1" dirty="0" err="1"/>
                     <a:t>proteins</a:t>
                   </a:r>
-                  <a:endParaRPr lang="de-DE" dirty="0"/>
-                </a:p>
-                <a:p>
-                  <a:endParaRPr lang="de-DE" dirty="0"/>
-                </a:p>
-                <a:p>
-                  <a:r>
-                    <a:rPr lang="de-DE" dirty="0" err="1"/>
-                    <a:t>Each</a:t>
-                  </a:r>
-                  <a:r>
-                    <a:rPr lang="de-DE" dirty="0"/>
-                    <a:t> </a:t>
-                  </a:r>
-                  <a:r>
-                    <a:rPr lang="de-DE" dirty="0" err="1"/>
-                    <a:t>dot</a:t>
-                  </a:r>
-                  <a:r>
-                    <a:rPr lang="de-DE" dirty="0"/>
-                    <a:t> </a:t>
-                  </a:r>
-                  <a:r>
-                    <a:rPr lang="de-DE" dirty="0" err="1"/>
-                    <a:t>represents</a:t>
-                  </a:r>
-                  <a:r>
-                    <a:rPr lang="de-DE" dirty="0"/>
-                    <a:t> a </a:t>
-                  </a:r>
-                  <a:r>
-                    <a:rPr lang="de-DE" dirty="0" err="1"/>
-                    <a:t>protein</a:t>
-                  </a:r>
-                  <a:r>
-                    <a:rPr lang="de-DE" dirty="0"/>
-                    <a:t>. </a:t>
-                  </a:r>
-                  <a:r>
-                    <a:rPr lang="de-DE" b="1" dirty="0"/>
-                    <a:t>A) </a:t>
-                  </a:r>
-                  <a:r>
-                    <a:rPr lang="de-DE" dirty="0" err="1"/>
-                    <a:t>Scatter</a:t>
-                  </a:r>
-                  <a:r>
-                    <a:rPr lang="de-DE" dirty="0"/>
-                    <a:t> </a:t>
-                  </a:r>
-                  <a:r>
-                    <a:rPr lang="de-DE" dirty="0" err="1"/>
-                    <a:t>plot</a:t>
-                  </a:r>
-                  <a:r>
-                    <a:rPr lang="de-DE" dirty="0"/>
-                    <a:t> </a:t>
-                  </a:r>
-                  <a:r>
-                    <a:rPr lang="de-DE" dirty="0" err="1"/>
-                    <a:t>for</a:t>
-                  </a:r>
-                  <a:r>
-                    <a:rPr lang="de-DE" dirty="0"/>
-                    <a:t> </a:t>
-                  </a:r>
-                  <a:r>
-                    <a:rPr lang="de-DE" dirty="0" err="1"/>
-                    <a:t>the</a:t>
-                  </a:r>
-                  <a:r>
-                    <a:rPr lang="de-DE" dirty="0"/>
-                    <a:t> </a:t>
-                  </a:r>
-                  <a:r>
-                    <a:rPr lang="de-DE" dirty="0" err="1"/>
-                    <a:t>selected</a:t>
-                  </a:r>
-                  <a:r>
-                    <a:rPr lang="de-DE" dirty="0"/>
-                    <a:t> </a:t>
-                  </a:r>
-                  <a:r>
-                    <a:rPr lang="de-DE" dirty="0" err="1"/>
-                    <a:t>proteins</a:t>
-                  </a:r>
-                  <a:r>
-                    <a:rPr lang="de-DE" dirty="0"/>
-                    <a:t>. The COM </a:t>
-                  </a:r>
-                  <a:r>
-                    <a:rPr lang="de-DE" dirty="0" err="1"/>
-                    <a:t>values</a:t>
-                  </a:r>
-                  <a:r>
-                    <a:rPr lang="de-DE" dirty="0"/>
-                    <a:t> </a:t>
-                  </a:r>
-                  <a:r>
-                    <a:rPr lang="de-DE" dirty="0" err="1"/>
-                    <a:t>for</a:t>
-                  </a:r>
-                  <a:r>
-                    <a:rPr lang="de-DE" dirty="0"/>
-                    <a:t> </a:t>
-                  </a:r>
-                  <a:r>
-                    <a:rPr lang="de-DE" dirty="0" err="1"/>
-                    <a:t>the</a:t>
-                  </a:r>
-                  <a:r>
-                    <a:rPr lang="de-DE" dirty="0"/>
-                    <a:t> </a:t>
-                  </a:r>
-                  <a:r>
-                    <a:rPr lang="de-DE" dirty="0" err="1"/>
-                    <a:t>protein</a:t>
-                  </a:r>
-                  <a:r>
-                    <a:rPr lang="de-DE" dirty="0"/>
-                    <a:t> in </a:t>
-                  </a:r>
-                  <a:r>
-                    <a:rPr lang="de-DE" dirty="0" err="1"/>
-                    <a:t>the</a:t>
-                  </a:r>
-                  <a:r>
-                    <a:rPr lang="de-DE" dirty="0"/>
-                    <a:t> </a:t>
-                  </a:r>
-                  <a:r>
-                    <a:rPr lang="de-DE" dirty="0" err="1"/>
-                    <a:t>control</a:t>
-                  </a:r>
-                  <a:r>
-                    <a:rPr lang="de-DE" dirty="0"/>
-                    <a:t> </a:t>
-                  </a:r>
-                  <a:r>
-                    <a:rPr lang="de-DE" dirty="0" err="1"/>
-                    <a:t>distributions</a:t>
-                  </a:r>
-                  <a:r>
-                    <a:rPr lang="de-DE" dirty="0"/>
-                    <a:t> </a:t>
-                  </a:r>
-                  <a:r>
-                    <a:rPr lang="de-DE" dirty="0" err="1"/>
-                    <a:t>are</a:t>
-                  </a:r>
-                  <a:r>
-                    <a:rPr lang="de-DE" dirty="0"/>
-                    <a:t> on </a:t>
-                  </a:r>
-                  <a:r>
-                    <a:rPr lang="de-DE" dirty="0" err="1"/>
-                    <a:t>the</a:t>
-                  </a:r>
-                  <a:r>
-                    <a:rPr lang="de-DE" dirty="0"/>
-                    <a:t> x-</a:t>
-                  </a:r>
-                  <a:r>
-                    <a:rPr lang="de-DE" dirty="0" err="1"/>
-                    <a:t>axis</a:t>
-                  </a:r>
-                  <a:r>
-                    <a:rPr lang="de-DE" dirty="0"/>
-                    <a:t>, </a:t>
-                  </a:r>
-                  <a:r>
-                    <a:rPr lang="de-DE" dirty="0" err="1"/>
-                    <a:t>those</a:t>
-                  </a:r>
-                  <a:r>
-                    <a:rPr lang="de-DE" dirty="0"/>
-                    <a:t> </a:t>
-                  </a:r>
-                  <a:r>
-                    <a:rPr lang="de-DE" dirty="0" err="1"/>
-                    <a:t>for</a:t>
-                  </a:r>
-                  <a:r>
-                    <a:rPr lang="de-DE" dirty="0"/>
-                    <a:t> </a:t>
-                  </a:r>
-                  <a:r>
-                    <a:rPr lang="de-DE" dirty="0" err="1"/>
-                    <a:t>the</a:t>
-                  </a:r>
-                  <a:r>
-                    <a:rPr lang="de-DE" dirty="0"/>
-                    <a:t> </a:t>
-                  </a:r>
-                  <a:r>
-                    <a:rPr lang="de-DE" dirty="0" err="1"/>
-                    <a:t>rnase</a:t>
-                  </a:r>
-                  <a:r>
-                    <a:rPr lang="de-DE" dirty="0"/>
-                    <a:t> </a:t>
-                  </a:r>
-                  <a:r>
-                    <a:rPr lang="de-DE" dirty="0" err="1"/>
-                    <a:t>distributions</a:t>
-                  </a:r>
-                  <a:r>
-                    <a:rPr lang="de-DE" dirty="0"/>
-                    <a:t> </a:t>
-                  </a:r>
-                  <a:r>
-                    <a:rPr lang="de-DE" dirty="0" err="1"/>
-                    <a:t>are</a:t>
-                  </a:r>
-                  <a:r>
-                    <a:rPr lang="de-DE" dirty="0"/>
-                    <a:t> on </a:t>
-                  </a:r>
-                  <a:r>
-                    <a:rPr lang="de-DE" dirty="0" err="1"/>
-                    <a:t>the</a:t>
-                  </a:r>
-                  <a:r>
-                    <a:rPr lang="de-DE" dirty="0"/>
-                    <a:t> y-</a:t>
-                  </a:r>
-                  <a:r>
-                    <a:rPr lang="de-DE" dirty="0" err="1"/>
-                    <a:t>axis</a:t>
-                  </a:r>
-                  <a:r>
-                    <a:rPr lang="de-DE" dirty="0"/>
-                    <a:t>. The </a:t>
-                  </a:r>
-                  <a:r>
-                    <a:rPr lang="de-DE" dirty="0" err="1"/>
-                    <a:t>colors</a:t>
-                  </a:r>
-                  <a:r>
-                    <a:rPr lang="de-DE" dirty="0"/>
-                    <a:t> </a:t>
-                  </a:r>
-                  <a:r>
-                    <a:rPr lang="de-DE" dirty="0" err="1"/>
-                    <a:t>are</a:t>
-                  </a:r>
-                  <a:r>
-                    <a:rPr lang="de-DE" dirty="0"/>
-                    <a:t> </a:t>
-                  </a:r>
-                  <a:r>
-                    <a:rPr lang="de-DE" dirty="0" err="1"/>
-                    <a:t>the</a:t>
-                  </a:r>
-                  <a:r>
-                    <a:rPr lang="de-DE" dirty="0"/>
-                    <a:t> same </a:t>
-                  </a:r>
-                  <a:r>
-                    <a:rPr lang="de-DE" dirty="0" err="1"/>
-                    <a:t>as</a:t>
-                  </a:r>
-                  <a:r>
-                    <a:rPr lang="de-DE" dirty="0"/>
-                    <a:t> in Fig 3, and </a:t>
-                  </a:r>
-                  <a:r>
-                    <a:rPr lang="de-DE" dirty="0" err="1"/>
-                    <a:t>describe</a:t>
-                  </a:r>
-                  <a:r>
-                    <a:rPr lang="de-DE" dirty="0"/>
-                    <a:t> </a:t>
-                  </a:r>
-                  <a:r>
-                    <a:rPr lang="de-DE" dirty="0" err="1"/>
-                    <a:t>the</a:t>
-                  </a:r>
-                  <a:r>
-                    <a:rPr lang="de-DE" dirty="0"/>
-                    <a:t> </a:t>
-                  </a:r>
-                  <a:r>
-                    <a:rPr lang="de-DE" dirty="0" err="1"/>
-                    <a:t>substes</a:t>
-                  </a:r>
-                  <a:r>
-                    <a:rPr lang="de-DE" dirty="0"/>
-                    <a:t> </a:t>
-                  </a:r>
-                  <a:r>
-                    <a:rPr lang="de-DE" dirty="0" err="1"/>
-                    <a:t>of</a:t>
-                  </a:r>
-                  <a:r>
-                    <a:rPr lang="de-DE" dirty="0"/>
-                    <a:t> </a:t>
-                  </a:r>
-                  <a:r>
-                    <a:rPr lang="de-DE" dirty="0" err="1"/>
-                    <a:t>the</a:t>
-                  </a:r>
-                  <a:r>
-                    <a:rPr lang="de-DE" dirty="0"/>
-                    <a:t> </a:t>
-                  </a:r>
-                  <a:r>
-                    <a:rPr lang="de-DE" dirty="0" err="1"/>
-                    <a:t>selected</a:t>
-                  </a:r>
-                  <a:r>
-                    <a:rPr lang="de-DE" dirty="0"/>
-                    <a:t> </a:t>
-                  </a:r>
-                  <a:r>
-                    <a:rPr lang="de-DE" dirty="0" err="1"/>
-                    <a:t>proteins</a:t>
-                  </a:r>
-                  <a:r>
-                    <a:rPr lang="de-DE" dirty="0"/>
-                    <a:t>. </a:t>
-                  </a:r>
-                  <a:r>
-                    <a:rPr lang="de-DE" b="1" dirty="0"/>
-                    <a:t>B) </a:t>
-                  </a:r>
-                  <a:r>
-                    <a:rPr lang="de-DE" dirty="0" err="1"/>
-                    <a:t>Scatter</a:t>
-                  </a:r>
-                  <a:r>
-                    <a:rPr lang="de-DE" dirty="0"/>
-                    <a:t> </a:t>
-                  </a:r>
-                  <a:r>
-                    <a:rPr lang="de-DE" dirty="0" err="1"/>
-                    <a:t>plot</a:t>
-                  </a:r>
-                  <a:r>
-                    <a:rPr lang="de-DE" dirty="0"/>
-                    <a:t> </a:t>
-                  </a:r>
-                  <a:r>
-                    <a:rPr lang="de-DE" dirty="0" err="1"/>
-                    <a:t>for</a:t>
-                  </a:r>
-                  <a:r>
-                    <a:rPr lang="de-DE" dirty="0"/>
-                    <a:t> </a:t>
-                  </a:r>
-                  <a:r>
-                    <a:rPr lang="de-DE" dirty="0" err="1"/>
-                    <a:t>the</a:t>
-                  </a:r>
-                  <a:r>
-                    <a:rPr lang="de-DE" dirty="0"/>
-                    <a:t> not </a:t>
-                  </a:r>
-                  <a:r>
-                    <a:rPr lang="de-DE" dirty="0" err="1"/>
-                    <a:t>selected</a:t>
-                  </a:r>
-                  <a:r>
-                    <a:rPr lang="de-DE" dirty="0"/>
-                    <a:t> </a:t>
-                  </a:r>
-                  <a:r>
-                    <a:rPr lang="de-DE" dirty="0" err="1"/>
-                    <a:t>proteins</a:t>
-                  </a:r>
-                  <a:r>
-                    <a:rPr lang="de-DE" dirty="0"/>
-                    <a:t>. The COM </a:t>
-                  </a:r>
-                  <a:r>
-                    <a:rPr lang="de-DE" dirty="0" err="1"/>
-                    <a:t>values</a:t>
-                  </a:r>
-                  <a:r>
-                    <a:rPr lang="de-DE" dirty="0"/>
-                    <a:t> </a:t>
-                  </a:r>
-                  <a:r>
-                    <a:rPr lang="de-DE" dirty="0" err="1"/>
-                    <a:t>for</a:t>
-                  </a:r>
-                  <a:r>
-                    <a:rPr lang="de-DE" dirty="0"/>
-                    <a:t> </a:t>
-                  </a:r>
-                  <a:r>
-                    <a:rPr lang="de-DE" dirty="0" err="1"/>
-                    <a:t>the</a:t>
-                  </a:r>
-                  <a:r>
-                    <a:rPr lang="de-DE" dirty="0"/>
-                    <a:t> </a:t>
-                  </a:r>
-                  <a:r>
-                    <a:rPr lang="de-DE" dirty="0" err="1"/>
-                    <a:t>proteins</a:t>
-                  </a:r>
-                  <a:r>
-                    <a:rPr lang="de-DE" dirty="0"/>
-                    <a:t> in </a:t>
-                  </a:r>
-                  <a:r>
-                    <a:rPr lang="de-DE" dirty="0" err="1"/>
-                    <a:t>the</a:t>
-                  </a:r>
-                  <a:r>
-                    <a:rPr lang="de-DE" dirty="0"/>
-                    <a:t> </a:t>
-                  </a:r>
-                  <a:r>
-                    <a:rPr lang="de-DE" dirty="0" err="1"/>
-                    <a:t>control</a:t>
-                  </a:r>
-                  <a:r>
-                    <a:rPr lang="de-DE" dirty="0"/>
-                    <a:t> </a:t>
-                  </a:r>
-                  <a:r>
-                    <a:rPr lang="de-DE" dirty="0" err="1"/>
-                    <a:t>distributions</a:t>
-                  </a:r>
-                  <a:r>
-                    <a:rPr lang="de-DE" dirty="0"/>
-                    <a:t> </a:t>
-                  </a:r>
-                  <a:r>
-                    <a:rPr lang="de-DE" dirty="0" err="1"/>
-                    <a:t>are</a:t>
-                  </a:r>
-                  <a:r>
-                    <a:rPr lang="de-DE" dirty="0"/>
-                    <a:t> on </a:t>
-                  </a:r>
-                  <a:r>
-                    <a:rPr lang="de-DE" dirty="0" err="1"/>
-                    <a:t>the</a:t>
-                  </a:r>
-                  <a:r>
-                    <a:rPr lang="de-DE" dirty="0"/>
-                    <a:t> x-</a:t>
-                  </a:r>
-                  <a:r>
-                    <a:rPr lang="de-DE" dirty="0" err="1"/>
-                    <a:t>axis</a:t>
-                  </a:r>
-                  <a:r>
-                    <a:rPr lang="de-DE" dirty="0"/>
-                    <a:t>, </a:t>
-                  </a:r>
-                  <a:r>
-                    <a:rPr lang="de-DE" dirty="0" err="1"/>
-                    <a:t>those</a:t>
-                  </a:r>
-                  <a:r>
-                    <a:rPr lang="de-DE" dirty="0"/>
-                    <a:t> </a:t>
-                  </a:r>
-                  <a:r>
-                    <a:rPr lang="de-DE" dirty="0" err="1"/>
-                    <a:t>for</a:t>
-                  </a:r>
-                  <a:r>
-                    <a:rPr lang="de-DE" dirty="0"/>
-                    <a:t> </a:t>
-                  </a:r>
-                  <a:r>
-                    <a:rPr lang="de-DE" dirty="0" err="1"/>
-                    <a:t>the</a:t>
-                  </a:r>
-                  <a:r>
-                    <a:rPr lang="de-DE" dirty="0"/>
-                    <a:t> </a:t>
-                  </a:r>
-                  <a:r>
-                    <a:rPr lang="de-DE" dirty="0" err="1"/>
-                    <a:t>rnase</a:t>
-                  </a:r>
-                  <a:r>
-                    <a:rPr lang="de-DE" dirty="0"/>
-                    <a:t> </a:t>
-                  </a:r>
-                  <a:r>
-                    <a:rPr lang="de-DE" dirty="0" err="1"/>
-                    <a:t>distributions</a:t>
-                  </a:r>
-                  <a:r>
-                    <a:rPr lang="de-DE" dirty="0"/>
-                    <a:t> </a:t>
-                  </a:r>
-                  <a:r>
-                    <a:rPr lang="de-DE" dirty="0" err="1"/>
-                    <a:t>are</a:t>
-                  </a:r>
-                  <a:r>
-                    <a:rPr lang="de-DE" dirty="0"/>
-                    <a:t> on </a:t>
-                  </a:r>
-                  <a:r>
-                    <a:rPr lang="de-DE" dirty="0" err="1"/>
-                    <a:t>the</a:t>
-                  </a:r>
-                  <a:r>
-                    <a:rPr lang="de-DE" dirty="0"/>
-                    <a:t> y-</a:t>
-                  </a:r>
-                  <a:r>
-                    <a:rPr lang="de-DE" dirty="0" err="1"/>
-                    <a:t>axis</a:t>
-                  </a:r>
-                  <a:r>
-                    <a:rPr lang="de-DE" dirty="0"/>
-                    <a:t>. The </a:t>
-                  </a:r>
-                  <a:r>
-                    <a:rPr lang="de-DE" dirty="0" err="1"/>
-                    <a:t>colors</a:t>
-                  </a:r>
-                  <a:r>
-                    <a:rPr lang="de-DE" dirty="0"/>
-                    <a:t> </a:t>
-                  </a:r>
-                  <a:r>
-                    <a:rPr lang="de-DE" dirty="0" err="1"/>
-                    <a:t>are</a:t>
-                  </a:r>
-                  <a:r>
-                    <a:rPr lang="de-DE" dirty="0"/>
-                    <a:t> </a:t>
-                  </a:r>
-                  <a:r>
-                    <a:rPr lang="de-DE" dirty="0" err="1"/>
-                    <a:t>the</a:t>
-                  </a:r>
-                  <a:r>
-                    <a:rPr lang="de-DE" dirty="0"/>
-                    <a:t> same </a:t>
-                  </a:r>
-                  <a:r>
-                    <a:rPr lang="de-DE" dirty="0" err="1"/>
-                    <a:t>as</a:t>
-                  </a:r>
-                  <a:r>
-                    <a:rPr lang="de-DE" dirty="0"/>
-                    <a:t> in Fig 3 and </a:t>
-                  </a:r>
-                  <a:r>
-                    <a:rPr lang="de-DE" dirty="0" err="1"/>
-                    <a:t>describe</a:t>
-                  </a:r>
-                  <a:r>
-                    <a:rPr lang="de-DE" dirty="0"/>
-                    <a:t> </a:t>
-                  </a:r>
-                  <a:r>
-                    <a:rPr lang="de-DE" dirty="0" err="1"/>
-                    <a:t>the</a:t>
-                  </a:r>
-                  <a:r>
-                    <a:rPr lang="de-DE" dirty="0"/>
-                    <a:t> </a:t>
-                  </a:r>
-                  <a:r>
-                    <a:rPr lang="de-DE" dirty="0" err="1"/>
-                    <a:t>subsets</a:t>
-                  </a:r>
-                  <a:r>
-                    <a:rPr lang="de-DE" dirty="0"/>
-                    <a:t> </a:t>
-                  </a:r>
-                  <a:r>
-                    <a:rPr lang="de-DE" dirty="0" err="1"/>
-                    <a:t>of</a:t>
-                  </a:r>
-                  <a:r>
-                    <a:rPr lang="de-DE" dirty="0"/>
-                    <a:t> </a:t>
-                  </a:r>
-                  <a:r>
-                    <a:rPr lang="de-DE" dirty="0" err="1"/>
-                    <a:t>the</a:t>
-                  </a:r>
-                  <a:r>
-                    <a:rPr lang="de-DE" dirty="0"/>
-                    <a:t> not </a:t>
-                  </a:r>
-                  <a:r>
-                    <a:rPr lang="de-DE" dirty="0" err="1"/>
-                    <a:t>selected</a:t>
-                  </a:r>
-                  <a:r>
-                    <a:rPr lang="de-DE" dirty="0"/>
-                    <a:t> </a:t>
-                  </a:r>
-                  <a:r>
-                    <a:rPr lang="de-DE" dirty="0" err="1"/>
-                    <a:t>proteins</a:t>
-                  </a:r>
-                  <a:r>
-                    <a:rPr lang="de-DE" dirty="0"/>
-                    <a:t>.</a:t>
-                  </a:r>
+                  <a:endParaRPr lang="de-DE" sz="2000" b="1" dirty="0"/>
                 </a:p>
               </p:txBody>
             </p:sp>
-            <p:pic>
-              <p:nvPicPr>
-                <p:cNvPr id="3" name="Grafik 2">
+            <p:sp>
+              <p:nvSpPr>
+                <p:cNvPr id="103" name="Textfeld 102">
                   <a:extLst>
                     <a:ext uri="{FF2B5EF4-FFF2-40B4-BE49-F238E27FC236}">
-                      <a16:creationId xmlns:a16="http://schemas.microsoft.com/office/drawing/2014/main" id="{E350437B-ED1C-6C1F-B7B5-D62894857DEB}"/>
-                    </a:ext>
-                  </a:extLst>
-                </p:cNvPr>
-                <p:cNvPicPr>
-                  <a:picLocks noChangeAspect="1"/>
-                </p:cNvPicPr>
-                <p:nvPr/>
-              </p:nvPicPr>
-              <p:blipFill>
-                <a:blip r:embed="rId25"/>
-                <a:stretch>
-                  <a:fillRect/>
-                </a:stretch>
-              </p:blipFill>
-              <p:spPr>
-                <a:xfrm>
-                  <a:off x="12223018" y="21360021"/>
-                  <a:ext cx="7429500" cy="3581400"/>
-                </a:xfrm>
-                <a:prstGeom prst="rect">
-                  <a:avLst/>
-                </a:prstGeom>
-              </p:spPr>
-            </p:pic>
-            <p:sp>
-              <p:nvSpPr>
-                <p:cNvPr id="13" name="Textfeld 12">
-                  <a:extLst>
-                    <a:ext uri="{FF2B5EF4-FFF2-40B4-BE49-F238E27FC236}">
-                      <a16:creationId xmlns:a16="http://schemas.microsoft.com/office/drawing/2014/main" id="{F73536A9-0711-76AB-2150-D8D633ED16E4}"/>
+                      <a16:creationId xmlns:a16="http://schemas.microsoft.com/office/drawing/2014/main" id="{AB4E7CB8-A598-13F0-B9B2-D78BEC70F685}"/>
                     </a:ext>
                   </a:extLst>
                 </p:cNvPr>
@@ -7923,8 +6732,8 @@
               </p:nvSpPr>
               <p:spPr>
                 <a:xfrm>
-                  <a:off x="11844917" y="20640668"/>
-                  <a:ext cx="562670" cy="461665"/>
+                  <a:off x="20852867" y="19622701"/>
+                  <a:ext cx="3251015" cy="707886"/>
                 </a:xfrm>
                 <a:prstGeom prst="rect">
                   <a:avLst/>
@@ -7937,9 +6746,58 @@
                 </a:bodyPr>
                 <a:lstStyle/>
                 <a:p>
+                  <a:pPr algn="ctr"/>
                   <a:r>
-                    <a:rPr lang="de-DE" sz="2400" b="1" dirty="0"/>
-                    <a:t>4A</a:t>
+                    <a:rPr lang="de-DE" sz="2000" dirty="0" err="1"/>
+                    <a:t>Comparison</a:t>
+                  </a:r>
+                  <a:r>
+                    <a:rPr lang="de-DE" sz="2000" dirty="0"/>
+                    <a:t> </a:t>
+                  </a:r>
+                  <a:r>
+                    <a:rPr lang="de-DE" sz="2000" dirty="0" err="1"/>
+                    <a:t>of</a:t>
+                  </a:r>
+                  <a:r>
+                    <a:rPr lang="de-DE" sz="2000" dirty="0"/>
+                    <a:t> COM </a:t>
+                  </a:r>
+                  <a:r>
+                    <a:rPr lang="de-DE" sz="2000" dirty="0" err="1"/>
+                    <a:t>values</a:t>
+                  </a:r>
+                  <a:r>
+                    <a:rPr lang="de-DE" sz="2000" dirty="0"/>
+                    <a:t> </a:t>
+                  </a:r>
+                  <a:r>
+                    <a:rPr lang="de-DE" sz="2000" dirty="0" err="1"/>
+                    <a:t>among</a:t>
+                  </a:r>
+                  <a:r>
+                    <a:rPr lang="de-DE" sz="2000" dirty="0"/>
+                    <a:t> </a:t>
+                  </a:r>
+                  <a:r>
+                    <a:rPr lang="de-DE" sz="2000" b="1" dirty="0"/>
+                    <a:t>not </a:t>
+                  </a:r>
+                  <a:r>
+                    <a:rPr lang="de-DE" sz="2000" b="1" dirty="0" err="1"/>
+                    <a:t>selected</a:t>
+                  </a:r>
+                  <a:r>
+                    <a:rPr lang="de-DE" sz="2000" b="1" dirty="0"/>
+                    <a:t> </a:t>
+                  </a:r>
+                  <a:r>
+                    <a:rPr lang="de-DE" sz="2000" b="1" dirty="0" err="1"/>
+                    <a:t>proteins</a:t>
+                  </a:r>
+                  <a:r>
+                    <a:rPr lang="de-DE" sz="2000" b="1" dirty="0"/>
+                    <a:t> </a:t>
                   </a:r>
                 </a:p>
               </p:txBody>
@@ -7947,10 +6805,10 @@
           </p:grpSp>
           <p:sp>
             <p:nvSpPr>
-              <p:cNvPr id="86" name="Textfeld 85">
+              <p:cNvPr id="105" name="Textfeld 104">
                 <a:extLst>
                   <a:ext uri="{FF2B5EF4-FFF2-40B4-BE49-F238E27FC236}">
-                    <a16:creationId xmlns:a16="http://schemas.microsoft.com/office/drawing/2014/main" id="{8F383064-90E6-5A65-5B94-9D70E31CEB09}"/>
+                    <a16:creationId xmlns:a16="http://schemas.microsoft.com/office/drawing/2014/main" id="{5F9ED2BC-0A0F-C483-4F5D-F873DE275C76}"/>
                   </a:ext>
                 </a:extLst>
               </p:cNvPr>
@@ -7958,9 +6816,9 @@
               <p:nvPr/>
             </p:nvSpPr>
             <p:spPr>
-              <a:xfrm>
-                <a:off x="16652542" y="19659579"/>
-                <a:ext cx="3192312" cy="707886"/>
+              <a:xfrm rot="16200000">
+                <a:off x="14651364" y="21422911"/>
+                <a:ext cx="2935032" cy="369332"/>
               </a:xfrm>
               <a:prstGeom prst="rect">
                 <a:avLst/>
@@ -7973,61 +6831,51 @@
               </a:bodyPr>
               <a:lstStyle/>
               <a:p>
-                <a:pPr algn="ctr"/>
                 <a:r>
-                  <a:rPr lang="de-DE" sz="2000" dirty="0" err="1"/>
-                  <a:t>Comparison</a:t>
+                  <a:rPr lang="de-DE" dirty="0"/>
+                  <a:t>COM </a:t>
                 </a:r>
                 <a:r>
-                  <a:rPr lang="de-DE" sz="2000" dirty="0"/>
+                  <a:rPr lang="de-DE" dirty="0" err="1"/>
+                  <a:t>values</a:t>
+                </a:r>
+                <a:r>
+                  <a:rPr lang="de-DE" dirty="0"/>
                   <a:t> </a:t>
                 </a:r>
                 <a:r>
-                  <a:rPr lang="de-DE" sz="2000" dirty="0" err="1"/>
-                  <a:t>of</a:t>
+                  <a:rPr lang="de-DE" dirty="0" err="1"/>
+                  <a:t>for</a:t>
                 </a:r>
                 <a:r>
-                  <a:rPr lang="de-DE" sz="2000" dirty="0"/>
-                  <a:t> COM </a:t>
-                </a:r>
-                <a:r>
-                  <a:rPr lang="de-DE" sz="2000" dirty="0" err="1"/>
-                  <a:t>values</a:t>
-                </a:r>
-                <a:r>
-                  <a:rPr lang="de-DE" sz="2000" dirty="0"/>
+                  <a:rPr lang="de-DE" dirty="0"/>
                   <a:t> </a:t>
                 </a:r>
                 <a:r>
-                  <a:rPr lang="de-DE" sz="2000" dirty="0" err="1"/>
-                  <a:t>among</a:t>
+                  <a:rPr lang="de-DE" dirty="0" err="1"/>
+                  <a:t>rnase</a:t>
                 </a:r>
                 <a:r>
-                  <a:rPr lang="de-DE" sz="2000" dirty="0"/>
+                  <a:rPr lang="de-DE" dirty="0"/>
                   <a:t> </a:t>
                 </a:r>
                 <a:r>
-                  <a:rPr lang="de-DE" sz="2000" dirty="0" err="1"/>
-                  <a:t>selected</a:t>
+                  <a:rPr lang="de-DE" dirty="0" err="1"/>
+                  <a:t>subset</a:t>
                 </a:r>
                 <a:r>
-                  <a:rPr lang="de-DE" sz="2000" dirty="0"/>
+                  <a:rPr lang="de-DE" dirty="0"/>
                   <a:t> </a:t>
                 </a:r>
-                <a:r>
-                  <a:rPr lang="de-DE" sz="2000" dirty="0" err="1"/>
-                  <a:t>proteins</a:t>
-                </a:r>
-                <a:endParaRPr lang="de-DE" sz="2000" dirty="0"/>
               </a:p>
             </p:txBody>
           </p:sp>
           <p:sp>
             <p:nvSpPr>
-              <p:cNvPr id="103" name="Textfeld 102">
+              <p:cNvPr id="106" name="Textfeld 105">
                 <a:extLst>
                   <a:ext uri="{FF2B5EF4-FFF2-40B4-BE49-F238E27FC236}">
-                    <a16:creationId xmlns:a16="http://schemas.microsoft.com/office/drawing/2014/main" id="{AB4E7CB8-A598-13F0-B9B2-D78BEC70F685}"/>
+                    <a16:creationId xmlns:a16="http://schemas.microsoft.com/office/drawing/2014/main" id="{8D1B04E8-EAF5-ECB8-5E63-D5FF547E5ADE}"/>
                   </a:ext>
                 </a:extLst>
               </p:cNvPr>
@@ -8036,8 +6884,8 @@
             </p:nvSpPr>
             <p:spPr>
               <a:xfrm>
-                <a:off x="20852867" y="19622701"/>
-                <a:ext cx="3251015" cy="707886"/>
+                <a:off x="16610403" y="23466005"/>
+                <a:ext cx="3362669" cy="369332"/>
               </a:xfrm>
               <a:prstGeom prst="rect">
                 <a:avLst/>
@@ -8050,53 +6898,174 @@
               </a:bodyPr>
               <a:lstStyle/>
               <a:p>
-                <a:pPr algn="ctr"/>
                 <a:r>
-                  <a:rPr lang="de-DE" sz="2000" dirty="0" err="1"/>
-                  <a:t>Comparison</a:t>
+                  <a:rPr lang="de-DE" dirty="0"/>
+                  <a:t>COM </a:t>
                 </a:r>
                 <a:r>
-                  <a:rPr lang="de-DE" sz="2000" dirty="0"/>
+                  <a:rPr lang="de-DE" dirty="0" err="1"/>
+                  <a:t>values</a:t>
+                </a:r>
+                <a:r>
+                  <a:rPr lang="de-DE" dirty="0"/>
                   <a:t> </a:t>
                 </a:r>
                 <a:r>
-                  <a:rPr lang="de-DE" sz="2000" dirty="0" err="1"/>
-                  <a:t>of</a:t>
+                  <a:rPr lang="de-DE" dirty="0" err="1"/>
+                  <a:t>for</a:t>
                 </a:r>
                 <a:r>
-                  <a:rPr lang="de-DE" sz="2000" dirty="0"/>
-                  <a:t> COM </a:t>
+                  <a:rPr lang="de-DE" dirty="0"/>
+                  <a:t> </a:t>
                 </a:r>
                 <a:r>
-                  <a:rPr lang="de-DE" sz="2000" dirty="0" err="1"/>
+                  <a:rPr lang="de-DE" dirty="0" err="1"/>
+                  <a:t>control</a:t>
+                </a:r>
+                <a:r>
+                  <a:rPr lang="de-DE" dirty="0"/>
+                  <a:t> </a:t>
+                </a:r>
+                <a:r>
+                  <a:rPr lang="de-DE" dirty="0" err="1"/>
+                  <a:t>subset</a:t>
+                </a:r>
+                <a:r>
+                  <a:rPr lang="de-DE" dirty="0"/>
+                  <a:t> </a:t>
+                </a:r>
+              </a:p>
+            </p:txBody>
+          </p:sp>
+          <p:sp>
+            <p:nvSpPr>
+              <p:cNvPr id="108" name="Textfeld 107">
+                <a:extLst>
+                  <a:ext uri="{FF2B5EF4-FFF2-40B4-BE49-F238E27FC236}">
+                    <a16:creationId xmlns:a16="http://schemas.microsoft.com/office/drawing/2014/main" id="{AD7C890B-D8D5-6293-7F59-08EE74FCE78B}"/>
+                  </a:ext>
+                </a:extLst>
+              </p:cNvPr>
+              <p:cNvSpPr txBox="1"/>
+              <p:nvPr/>
+            </p:nvSpPr>
+            <p:spPr>
+              <a:xfrm>
+                <a:off x="20950227" y="23491473"/>
+                <a:ext cx="3362669" cy="369332"/>
+              </a:xfrm>
+              <a:prstGeom prst="rect">
+                <a:avLst/>
+              </a:prstGeom>
+              <a:noFill/>
+            </p:spPr>
+            <p:txBody>
+              <a:bodyPr wrap="square" rtlCol="0">
+                <a:spAutoFit/>
+              </a:bodyPr>
+              <a:lstStyle/>
+              <a:p>
+                <a:r>
+                  <a:rPr lang="de-DE" dirty="0"/>
+                  <a:t>COM </a:t>
+                </a:r>
+                <a:r>
+                  <a:rPr lang="de-DE" dirty="0" err="1"/>
                   <a:t>values</a:t>
                 </a:r>
                 <a:r>
-                  <a:rPr lang="de-DE" sz="2000" dirty="0"/>
+                  <a:rPr lang="de-DE" dirty="0"/>
                   <a:t> </a:t>
                 </a:r>
                 <a:r>
-                  <a:rPr lang="de-DE" sz="2000" dirty="0" err="1"/>
-                  <a:t>among</a:t>
+                  <a:rPr lang="de-DE" dirty="0" err="1"/>
+                  <a:t>for</a:t>
                 </a:r>
                 <a:r>
-                  <a:rPr lang="de-DE" sz="2000" dirty="0"/>
-                  <a:t> not </a:t>
-                </a:r>
-                <a:r>
-                  <a:rPr lang="de-DE" sz="2000" dirty="0" err="1"/>
-                  <a:t>selected</a:t>
-                </a:r>
-                <a:r>
-                  <a:rPr lang="de-DE" sz="2000" dirty="0"/>
+                  <a:rPr lang="de-DE" dirty="0"/>
                   <a:t> </a:t>
                 </a:r>
                 <a:r>
-                  <a:rPr lang="de-DE" sz="2000" dirty="0" err="1"/>
-                  <a:t>proteins</a:t>
+                  <a:rPr lang="de-DE" dirty="0" err="1"/>
+                  <a:t>control</a:t>
                 </a:r>
                 <a:r>
-                  <a:rPr lang="de-DE" sz="2000" dirty="0"/>
+                  <a:rPr lang="de-DE" dirty="0"/>
+                  <a:t> </a:t>
+                </a:r>
+                <a:r>
+                  <a:rPr lang="de-DE" dirty="0" err="1"/>
+                  <a:t>subset</a:t>
+                </a:r>
+                <a:r>
+                  <a:rPr lang="de-DE" dirty="0"/>
+                  <a:t> </a:t>
+                </a:r>
+              </a:p>
+            </p:txBody>
+          </p:sp>
+          <p:sp>
+            <p:nvSpPr>
+              <p:cNvPr id="109" name="Textfeld 108">
+                <a:extLst>
+                  <a:ext uri="{FF2B5EF4-FFF2-40B4-BE49-F238E27FC236}">
+                    <a16:creationId xmlns:a16="http://schemas.microsoft.com/office/drawing/2014/main" id="{ACCC85E4-8390-BE42-D396-7298C1ADDA18}"/>
+                  </a:ext>
+                </a:extLst>
+              </p:cNvPr>
+              <p:cNvSpPr txBox="1"/>
+              <p:nvPr/>
+            </p:nvSpPr>
+            <p:spPr>
+              <a:xfrm rot="16200000">
+                <a:off x="18968097" y="21354922"/>
+                <a:ext cx="2935032" cy="369332"/>
+              </a:xfrm>
+              <a:prstGeom prst="rect">
+                <a:avLst/>
+              </a:prstGeom>
+              <a:noFill/>
+            </p:spPr>
+            <p:txBody>
+              <a:bodyPr wrap="square" rtlCol="0">
+                <a:spAutoFit/>
+              </a:bodyPr>
+              <a:lstStyle/>
+              <a:p>
+                <a:r>
+                  <a:rPr lang="de-DE" dirty="0"/>
+                  <a:t>COM </a:t>
+                </a:r>
+                <a:r>
+                  <a:rPr lang="de-DE" dirty="0" err="1"/>
+                  <a:t>values</a:t>
+                </a:r>
+                <a:r>
+                  <a:rPr lang="de-DE" dirty="0"/>
+                  <a:t> </a:t>
+                </a:r>
+                <a:r>
+                  <a:rPr lang="de-DE" dirty="0" err="1"/>
+                  <a:t>for</a:t>
+                </a:r>
+                <a:r>
+                  <a:rPr lang="de-DE" dirty="0"/>
+                  <a:t> </a:t>
+                </a:r>
+                <a:r>
+                  <a:rPr lang="de-DE" dirty="0" err="1"/>
+                  <a:t>rnase</a:t>
+                </a:r>
+                <a:r>
+                  <a:rPr lang="de-DE" dirty="0"/>
+                  <a:t> </a:t>
+                </a:r>
+                <a:r>
+                  <a:rPr lang="de-DE" dirty="0" err="1"/>
+                  <a:t>subset</a:t>
+                </a:r>
+                <a:r>
+                  <a:rPr lang="de-DE" dirty="0"/>
                   <a:t> </a:t>
                 </a:r>
               </a:p>
@@ -8105,10 +7074,10 @@
         </p:grpSp>
         <p:sp>
           <p:nvSpPr>
-            <p:cNvPr id="105" name="Textfeld 104">
+            <p:cNvPr id="112" name="Textfeld 111">
               <a:extLst>
                 <a:ext uri="{FF2B5EF4-FFF2-40B4-BE49-F238E27FC236}">
-                  <a16:creationId xmlns:a16="http://schemas.microsoft.com/office/drawing/2014/main" id="{5F9ED2BC-0A0F-C483-4F5D-F873DE275C76}"/>
+                  <a16:creationId xmlns:a16="http://schemas.microsoft.com/office/drawing/2014/main" id="{15B72768-09D0-DD00-EC13-1575C27200AE}"/>
                 </a:ext>
               </a:extLst>
             </p:cNvPr>
@@ -8116,9 +7085,9 @@
             <p:nvPr/>
           </p:nvSpPr>
           <p:spPr>
-            <a:xfrm rot="16200000">
-              <a:off x="14651364" y="21422911"/>
-              <a:ext cx="2935032" cy="369332"/>
+            <a:xfrm>
+              <a:off x="15987214" y="15734215"/>
+              <a:ext cx="369333" cy="461665"/>
             </a:xfrm>
             <a:prstGeom prst="rect">
               <a:avLst/>
@@ -8132,50 +7101,69 @@
             <a:lstStyle/>
             <a:p>
               <a:r>
-                <a:rPr lang="de-DE" dirty="0"/>
-                <a:t>COM </a:t>
-              </a:r>
-              <a:r>
-                <a:rPr lang="de-DE" dirty="0" err="1"/>
-                <a:t>values</a:t>
-              </a:r>
-              <a:r>
-                <a:rPr lang="de-DE" dirty="0"/>
-                <a:t> </a:t>
-              </a:r>
-              <a:r>
-                <a:rPr lang="de-DE" dirty="0" err="1"/>
-                <a:t>for</a:t>
-              </a:r>
-              <a:r>
-                <a:rPr lang="de-DE" dirty="0"/>
-                <a:t> </a:t>
-              </a:r>
-              <a:r>
-                <a:rPr lang="de-DE" dirty="0" err="1"/>
-                <a:t>rnase</a:t>
-              </a:r>
-              <a:r>
-                <a:rPr lang="de-DE" dirty="0"/>
-                <a:t> </a:t>
-              </a:r>
-              <a:r>
-                <a:rPr lang="de-DE" dirty="0" err="1"/>
-                <a:t>subset</a:t>
-              </a:r>
-              <a:r>
-                <a:rPr lang="de-DE" dirty="0"/>
-                <a:t> </a:t>
+                <a:rPr lang="de-DE" sz="2400" b="1" dirty="0"/>
+                <a:t>B</a:t>
               </a:r>
             </a:p>
           </p:txBody>
         </p:sp>
+      </p:grpSp>
+      <p:grpSp>
+        <p:nvGrpSpPr>
+          <p:cNvPr id="65" name="Gruppieren 64">
+            <a:extLst>
+              <a:ext uri="{FF2B5EF4-FFF2-40B4-BE49-F238E27FC236}">
+                <a16:creationId xmlns:a16="http://schemas.microsoft.com/office/drawing/2014/main" id="{885998D2-F722-FB70-60D1-28A16771B1EA}"/>
+              </a:ext>
+            </a:extLst>
+          </p:cNvPr>
+          <p:cNvGrpSpPr/>
+          <p:nvPr/>
+        </p:nvGrpSpPr>
+        <p:grpSpPr>
+          <a:xfrm>
+            <a:off x="10957242" y="7853349"/>
+            <a:ext cx="7053033" cy="5049893"/>
+            <a:chOff x="10957242" y="7853349"/>
+            <a:chExt cx="7053033" cy="5049893"/>
+          </a:xfrm>
+        </p:grpSpPr>
+        <p:pic>
+          <p:nvPicPr>
+            <p:cNvPr id="113" name="Grafik 112">
+              <a:extLst>
+                <a:ext uri="{FF2B5EF4-FFF2-40B4-BE49-F238E27FC236}">
+                  <a16:creationId xmlns:a16="http://schemas.microsoft.com/office/drawing/2014/main" id="{BBC23134-B231-171D-9286-617A45D01EB0}"/>
+                </a:ext>
+              </a:extLst>
+            </p:cNvPr>
+            <p:cNvPicPr>
+              <a:picLocks noChangeAspect="1"/>
+            </p:cNvPicPr>
+            <p:nvPr/>
+          </p:nvPicPr>
+          <p:blipFill>
+            <a:blip r:embed="rId17"/>
+            <a:stretch>
+              <a:fillRect/>
+            </a:stretch>
+          </p:blipFill>
+          <p:spPr>
+            <a:xfrm>
+              <a:off x="10989388" y="8065466"/>
+              <a:ext cx="6501979" cy="3150834"/>
+            </a:xfrm>
+            <a:prstGeom prst="rect">
+              <a:avLst/>
+            </a:prstGeom>
+          </p:spPr>
+        </p:pic>
         <p:sp>
           <p:nvSpPr>
-            <p:cNvPr id="106" name="Textfeld 105">
+            <p:cNvPr id="114" name="Textfeld 113">
               <a:extLst>
                 <a:ext uri="{FF2B5EF4-FFF2-40B4-BE49-F238E27FC236}">
-                  <a16:creationId xmlns:a16="http://schemas.microsoft.com/office/drawing/2014/main" id="{8D1B04E8-EAF5-ECB8-5E63-D5FF547E5ADE}"/>
+                  <a16:creationId xmlns:a16="http://schemas.microsoft.com/office/drawing/2014/main" id="{9602B440-6D5E-1C7B-F677-70B9F3C3BD9C}"/>
                 </a:ext>
               </a:extLst>
             </p:cNvPr>
@@ -8184,8 +7172,8 @@
           </p:nvSpPr>
           <p:spPr>
             <a:xfrm>
-              <a:off x="16610403" y="23466005"/>
-              <a:ext cx="3362669" cy="369332"/>
+              <a:off x="10957242" y="11272026"/>
+              <a:ext cx="7053033" cy="1631216"/>
             </a:xfrm>
             <a:prstGeom prst="rect">
               <a:avLst/>
@@ -8199,50 +7187,243 @@
             <a:lstStyle/>
             <a:p>
               <a:r>
-                <a:rPr lang="de-DE" dirty="0"/>
-                <a:t>COM </a:t>
-              </a:r>
-              <a:r>
-                <a:rPr lang="de-DE" dirty="0" err="1"/>
-                <a:t>values</a:t>
-              </a:r>
-              <a:r>
-                <a:rPr lang="de-DE" dirty="0"/>
+                <a:rPr lang="de-DE" sz="2000" b="1" dirty="0"/>
+                <a:t>Fig 1 </a:t>
+              </a:r>
+              <a:r>
+                <a:rPr lang="de-DE" sz="2000" dirty="0" err="1"/>
+                <a:t>Schematic</a:t>
+              </a:r>
+              <a:r>
+                <a:rPr lang="de-DE" sz="2000" dirty="0"/>
+                <a:t> Illustration </a:t>
+              </a:r>
+              <a:r>
+                <a:rPr lang="de-DE" sz="2000" dirty="0" err="1"/>
+                <a:t>of</a:t>
+              </a:r>
+              <a:r>
+                <a:rPr lang="de-DE" sz="2000" dirty="0"/>
+                <a:t> RNA-</a:t>
+              </a:r>
+              <a:r>
+                <a:rPr lang="de-DE" sz="2000" dirty="0" err="1"/>
+                <a:t>dependency</a:t>
+              </a:r>
+              <a:r>
+                <a:rPr lang="de-DE" sz="2000" dirty="0"/>
+                <a:t>.</a:t>
+              </a:r>
+            </a:p>
+            <a:p>
+              <a:endParaRPr lang="de-DE" sz="2000" dirty="0"/>
+            </a:p>
+            <a:p>
+              <a:r>
+                <a:rPr lang="de-DE" sz="2000" dirty="0"/>
+                <a:t>A </a:t>
+              </a:r>
+              <a:r>
+                <a:rPr lang="de-DE" sz="2000" dirty="0" err="1"/>
+                <a:t>protein</a:t>
+              </a:r>
+              <a:r>
+                <a:rPr lang="de-DE" sz="2000" dirty="0"/>
                 <a:t> </a:t>
               </a:r>
               <a:r>
-                <a:rPr lang="de-DE" dirty="0" err="1"/>
-                <a:t>for</a:t>
-              </a:r>
-              <a:r>
-                <a:rPr lang="de-DE" dirty="0"/>
+                <a:rPr lang="de-DE" sz="2000" dirty="0" err="1"/>
+                <a:t>is</a:t>
+              </a:r>
+              <a:r>
+                <a:rPr lang="de-DE" sz="2000" dirty="0"/>
                 <a:t> </a:t>
               </a:r>
               <a:r>
-                <a:rPr lang="de-DE" dirty="0" err="1"/>
-                <a:t>control</a:t>
-              </a:r>
-              <a:r>
-                <a:rPr lang="de-DE" dirty="0"/>
+                <a:rPr lang="de-DE" sz="2000" dirty="0" err="1"/>
+                <a:t>considered</a:t>
+              </a:r>
+              <a:r>
+                <a:rPr lang="de-DE" sz="2000" dirty="0"/>
+                <a:t> RNA-</a:t>
+              </a:r>
+              <a:r>
+                <a:rPr lang="de-DE" sz="2000" dirty="0" err="1"/>
+                <a:t>dependent</a:t>
+              </a:r>
+              <a:r>
+                <a:rPr lang="de-DE" sz="2000" dirty="0"/>
                 <a:t> </a:t>
               </a:r>
               <a:r>
-                <a:rPr lang="de-DE" dirty="0" err="1"/>
-                <a:t>subset</a:t>
-              </a:r>
-              <a:r>
-                <a:rPr lang="de-DE" dirty="0"/>
+                <a:rPr lang="de-DE" sz="2000" dirty="0" err="1"/>
+                <a:t>if</a:t>
+              </a:r>
+              <a:r>
+                <a:rPr lang="de-DE" sz="2000" dirty="0"/>
                 <a:t> </a:t>
+              </a:r>
+              <a:r>
+                <a:rPr lang="de-DE" sz="2000" dirty="0" err="1"/>
+                <a:t>its</a:t>
+              </a:r>
+              <a:r>
+                <a:rPr lang="de-DE" sz="2000" dirty="0"/>
+                <a:t> </a:t>
+              </a:r>
+              <a:r>
+                <a:rPr lang="de-DE" sz="2000" dirty="0" err="1"/>
+                <a:t>interactome</a:t>
+              </a:r>
+              <a:r>
+                <a:rPr lang="de-DE" sz="2000" dirty="0"/>
+                <a:t> </a:t>
+              </a:r>
+              <a:r>
+                <a:rPr lang="de-DE" sz="2000" dirty="0" err="1"/>
+                <a:t>is</a:t>
+              </a:r>
+              <a:r>
+                <a:rPr lang="de-DE" sz="2000" dirty="0"/>
+                <a:t> </a:t>
+              </a:r>
+              <a:r>
+                <a:rPr lang="de-DE" sz="2000" dirty="0" err="1"/>
+                <a:t>dependent</a:t>
+              </a:r>
+              <a:r>
+                <a:rPr lang="de-DE" sz="2000" dirty="0"/>
+                <a:t> on RNA. </a:t>
+              </a:r>
+              <a:r>
+                <a:rPr lang="de-DE" sz="2000" dirty="0" err="1"/>
+                <a:t>It</a:t>
+              </a:r>
+              <a:r>
+                <a:rPr lang="de-DE" sz="2000" dirty="0"/>
+                <a:t> </a:t>
+              </a:r>
+              <a:r>
+                <a:rPr lang="de-DE" sz="2000" dirty="0" err="1"/>
+                <a:t>is</a:t>
+              </a:r>
+              <a:r>
+                <a:rPr lang="de-DE" sz="2000" dirty="0"/>
+                <a:t> </a:t>
+              </a:r>
+              <a:r>
+                <a:rPr lang="de-DE" sz="2000" dirty="0" err="1"/>
+                <a:t>either</a:t>
+              </a:r>
+              <a:r>
+                <a:rPr lang="de-DE" sz="2000" dirty="0"/>
+                <a:t> </a:t>
+              </a:r>
+              <a:r>
+                <a:rPr lang="de-DE" sz="2000" dirty="0" err="1"/>
+                <a:t>is</a:t>
+              </a:r>
+              <a:r>
+                <a:rPr lang="de-DE" sz="2000" dirty="0"/>
+                <a:t> </a:t>
+              </a:r>
+              <a:r>
+                <a:rPr lang="de-DE" sz="2000" dirty="0" err="1"/>
+                <a:t>directly</a:t>
+              </a:r>
+              <a:r>
+                <a:rPr lang="de-DE" sz="2000" dirty="0"/>
+                <a:t> </a:t>
+              </a:r>
+              <a:r>
+                <a:rPr lang="de-DE" sz="2000" dirty="0" err="1"/>
+                <a:t>or</a:t>
+              </a:r>
+              <a:r>
+                <a:rPr lang="de-DE" sz="2000" dirty="0"/>
+                <a:t> </a:t>
+              </a:r>
+              <a:r>
+                <a:rPr lang="de-DE" sz="2000" dirty="0" err="1"/>
+                <a:t>indirectly</a:t>
+              </a:r>
+              <a:r>
+                <a:rPr lang="de-DE" sz="2000" dirty="0"/>
+                <a:t> </a:t>
+              </a:r>
+              <a:r>
+                <a:rPr lang="de-DE" sz="2000" dirty="0" err="1"/>
+                <a:t>attached</a:t>
+              </a:r>
+              <a:r>
+                <a:rPr lang="de-DE" sz="2000" dirty="0"/>
+                <a:t> </a:t>
+              </a:r>
+              <a:r>
+                <a:rPr lang="de-DE" sz="2000" dirty="0" err="1"/>
+                <a:t>to</a:t>
+              </a:r>
+              <a:r>
+                <a:rPr lang="de-DE" sz="2000" dirty="0"/>
+                <a:t> RNA, ist </a:t>
+              </a:r>
+              <a:r>
+                <a:rPr lang="de-DE" sz="2000" dirty="0" err="1"/>
+                <a:t>functionality</a:t>
+              </a:r>
+              <a:r>
+                <a:rPr lang="de-DE" sz="2000" dirty="0"/>
+                <a:t> in </a:t>
+              </a:r>
+              <a:r>
+                <a:rPr lang="de-DE" sz="2000" dirty="0" err="1"/>
+                <a:t>biological</a:t>
+              </a:r>
+              <a:r>
+                <a:rPr lang="de-DE" sz="2000" dirty="0"/>
+                <a:t> </a:t>
+              </a:r>
+              <a:r>
+                <a:rPr lang="de-DE" sz="2000" dirty="0" err="1"/>
+                <a:t>context</a:t>
+              </a:r>
+              <a:r>
+                <a:rPr lang="de-DE" sz="2000" dirty="0"/>
+                <a:t> </a:t>
+              </a:r>
+              <a:r>
+                <a:rPr lang="de-DE" sz="2000" dirty="0" err="1"/>
+                <a:t>is</a:t>
+              </a:r>
+              <a:r>
+                <a:rPr lang="de-DE" sz="2000" dirty="0"/>
+                <a:t> </a:t>
+              </a:r>
+              <a:r>
+                <a:rPr lang="de-DE" sz="2000" dirty="0" err="1"/>
+                <a:t>associated</a:t>
+              </a:r>
+              <a:r>
+                <a:rPr lang="de-DE" sz="2000" dirty="0"/>
+                <a:t> </a:t>
+              </a:r>
+              <a:r>
+                <a:rPr lang="de-DE" sz="2000" dirty="0" err="1"/>
+                <a:t>with</a:t>
+              </a:r>
+              <a:r>
+                <a:rPr lang="de-DE" sz="2000" dirty="0"/>
+                <a:t> RNA</a:t>
               </a:r>
             </a:p>
           </p:txBody>
         </p:sp>
         <p:sp>
           <p:nvSpPr>
-            <p:cNvPr id="108" name="Textfeld 107">
+            <p:cNvPr id="115" name="Textfeld 114">
               <a:extLst>
                 <a:ext uri="{FF2B5EF4-FFF2-40B4-BE49-F238E27FC236}">
-                  <a16:creationId xmlns:a16="http://schemas.microsoft.com/office/drawing/2014/main" id="{AD7C890B-D8D5-6293-7F59-08EE74FCE78B}"/>
+                  <a16:creationId xmlns:a16="http://schemas.microsoft.com/office/drawing/2014/main" id="{99212C4C-1E85-02E2-ED7B-9C6C2240AFA2}"/>
                 </a:ext>
               </a:extLst>
             </p:cNvPr>
@@ -8251,8 +7432,8 @@
           </p:nvSpPr>
           <p:spPr>
             <a:xfrm>
-              <a:off x="20950227" y="23491473"/>
-              <a:ext cx="3362669" cy="369332"/>
+              <a:off x="10989388" y="7853349"/>
+              <a:ext cx="648470" cy="461665"/>
             </a:xfrm>
             <a:prstGeom prst="rect">
               <a:avLst/>
@@ -8266,50 +7447,240 @@
             <a:lstStyle/>
             <a:p>
               <a:r>
-                <a:rPr lang="de-DE" dirty="0"/>
-                <a:t>COM </a:t>
-              </a:r>
-              <a:r>
-                <a:rPr lang="de-DE" dirty="0" err="1"/>
-                <a:t>values</a:t>
-              </a:r>
-              <a:r>
-                <a:rPr lang="de-DE" dirty="0"/>
-                <a:t> </a:t>
-              </a:r>
-              <a:r>
-                <a:rPr lang="de-DE" dirty="0" err="1"/>
-                <a:t>for</a:t>
-              </a:r>
-              <a:r>
-                <a:rPr lang="de-DE" dirty="0"/>
-                <a:t> </a:t>
-              </a:r>
-              <a:r>
-                <a:rPr lang="de-DE" dirty="0" err="1"/>
-                <a:t>control</a:t>
-              </a:r>
-              <a:r>
-                <a:rPr lang="de-DE" dirty="0"/>
-                <a:t> </a:t>
-              </a:r>
-              <a:r>
-                <a:rPr lang="de-DE" dirty="0" err="1"/>
-                <a:t>subset</a:t>
-              </a:r>
-              <a:r>
-                <a:rPr lang="de-DE" dirty="0"/>
-                <a:t> </a:t>
+                <a:rPr lang="de-DE" sz="2400" b="1" dirty="0"/>
+                <a:t>1</a:t>
               </a:r>
             </a:p>
           </p:txBody>
         </p:sp>
+      </p:grpSp>
+      <p:grpSp>
+        <p:nvGrpSpPr>
+          <p:cNvPr id="30" name="Group 109">
+            <a:extLst>
+              <a:ext uri="{FF2B5EF4-FFF2-40B4-BE49-F238E27FC236}">
+                <a16:creationId xmlns:a16="http://schemas.microsoft.com/office/drawing/2014/main" id="{F2D5F26A-63E2-0772-0CF8-488F160AC957}"/>
+              </a:ext>
+            </a:extLst>
+          </p:cNvPr>
+          <p:cNvGrpSpPr/>
+          <p:nvPr/>
+        </p:nvGrpSpPr>
+        <p:grpSpPr>
+          <a:xfrm>
+            <a:off x="9347369" y="20854063"/>
+            <a:ext cx="12020642" cy="5746172"/>
+            <a:chOff x="6343061" y="15742343"/>
+            <a:chExt cx="12020642" cy="5746172"/>
+          </a:xfrm>
+        </p:grpSpPr>
+        <p:grpSp>
+          <p:nvGrpSpPr>
+            <p:cNvPr id="44" name="Group 104">
+              <a:extLst>
+                <a:ext uri="{FF2B5EF4-FFF2-40B4-BE49-F238E27FC236}">
+                  <a16:creationId xmlns:a16="http://schemas.microsoft.com/office/drawing/2014/main" id="{5AAC7284-41A1-8794-3E39-02CAE7C04C0A}"/>
+                </a:ext>
+              </a:extLst>
+            </p:cNvPr>
+            <p:cNvGrpSpPr/>
+            <p:nvPr/>
+          </p:nvGrpSpPr>
+          <p:grpSpPr>
+            <a:xfrm>
+              <a:off x="6343061" y="15969640"/>
+              <a:ext cx="12020642" cy="5518875"/>
+              <a:chOff x="6343061" y="15969640"/>
+              <a:chExt cx="12020642" cy="5518875"/>
+            </a:xfrm>
+          </p:grpSpPr>
+          <p:pic>
+            <p:nvPicPr>
+              <p:cNvPr id="51" name="Picture 52" descr="A diagram of a graph&#10;&#10;AI-generated content may be incorrect.">
+                <a:extLst>
+                  <a:ext uri="{FF2B5EF4-FFF2-40B4-BE49-F238E27FC236}">
+                    <a16:creationId xmlns:a16="http://schemas.microsoft.com/office/drawing/2014/main" id="{701228F5-93D1-B50B-F6F4-72BFCF724B5E}"/>
+                  </a:ext>
+                </a:extLst>
+              </p:cNvPr>
+              <p:cNvPicPr>
+                <a:picLocks noChangeAspect="1"/>
+              </p:cNvPicPr>
+              <p:nvPr/>
+            </p:nvPicPr>
+            <p:blipFill>
+              <a:blip r:embed="rId18"/>
+              <a:stretch>
+                <a:fillRect/>
+              </a:stretch>
+            </p:blipFill>
+            <p:spPr>
+              <a:xfrm>
+                <a:off x="6343061" y="15969640"/>
+                <a:ext cx="3814597" cy="2860948"/>
+              </a:xfrm>
+              <a:prstGeom prst="rect">
+                <a:avLst/>
+              </a:prstGeom>
+            </p:spPr>
+          </p:pic>
+          <p:pic>
+            <p:nvPicPr>
+              <p:cNvPr id="54" name="Picture 54" descr="A diagram of a graph showing a number of blue dots&#10;&#10;AI-generated content may be incorrect.">
+                <a:extLst>
+                  <a:ext uri="{FF2B5EF4-FFF2-40B4-BE49-F238E27FC236}">
+                    <a16:creationId xmlns:a16="http://schemas.microsoft.com/office/drawing/2014/main" id="{12A65194-3EE6-DCF3-6E48-2C58E0C180BD}"/>
+                  </a:ext>
+                </a:extLst>
+              </p:cNvPr>
+              <p:cNvPicPr>
+                <a:picLocks noChangeAspect="1"/>
+              </p:cNvPicPr>
+              <p:nvPr/>
+            </p:nvPicPr>
+            <p:blipFill>
+              <a:blip r:embed="rId19"/>
+              <a:stretch>
+                <a:fillRect/>
+              </a:stretch>
+            </p:blipFill>
+            <p:spPr>
+              <a:xfrm>
+                <a:off x="6344438" y="18628600"/>
+                <a:ext cx="3813219" cy="2859915"/>
+              </a:xfrm>
+              <a:prstGeom prst="rect">
+                <a:avLst/>
+              </a:prstGeom>
+            </p:spPr>
+          </p:pic>
+          <p:pic>
+            <p:nvPicPr>
+              <p:cNvPr id="55" name="Picture 57" descr="A graph showing a curve of dots&#10;&#10;AI-generated content may be incorrect.">
+                <a:extLst>
+                  <a:ext uri="{FF2B5EF4-FFF2-40B4-BE49-F238E27FC236}">
+                    <a16:creationId xmlns:a16="http://schemas.microsoft.com/office/drawing/2014/main" id="{8BF8143B-DFA0-33B5-4F17-7A5B3C6A788F}"/>
+                  </a:ext>
+                </a:extLst>
+              </p:cNvPr>
+              <p:cNvPicPr>
+                <a:picLocks noChangeAspect="1"/>
+              </p:cNvPicPr>
+              <p:nvPr/>
+            </p:nvPicPr>
+            <p:blipFill>
+              <a:blip r:embed="rId20"/>
+              <a:stretch>
+                <a:fillRect/>
+              </a:stretch>
+            </p:blipFill>
+            <p:spPr>
+              <a:xfrm>
+                <a:off x="10448382" y="15969640"/>
+                <a:ext cx="3814597" cy="2860948"/>
+              </a:xfrm>
+              <a:prstGeom prst="rect">
+                <a:avLst/>
+              </a:prstGeom>
+            </p:spPr>
+          </p:pic>
+          <p:pic>
+            <p:nvPicPr>
+              <p:cNvPr id="56" name="Picture 60" descr="A graph showing a curve of a line&#10;&#10;AI-generated content may be incorrect.">
+                <a:extLst>
+                  <a:ext uri="{FF2B5EF4-FFF2-40B4-BE49-F238E27FC236}">
+                    <a16:creationId xmlns:a16="http://schemas.microsoft.com/office/drawing/2014/main" id="{833F0B54-27C1-FB21-6FE9-F005BE5D36E8}"/>
+                  </a:ext>
+                </a:extLst>
+              </p:cNvPr>
+              <p:cNvPicPr>
+                <a:picLocks noChangeAspect="1"/>
+              </p:cNvPicPr>
+              <p:nvPr/>
+            </p:nvPicPr>
+            <p:blipFill>
+              <a:blip r:embed="rId21"/>
+              <a:stretch>
+                <a:fillRect/>
+              </a:stretch>
+            </p:blipFill>
+            <p:spPr>
+              <a:xfrm>
+                <a:off x="10445325" y="18631015"/>
+                <a:ext cx="3810000" cy="2857500"/>
+              </a:xfrm>
+              <a:prstGeom prst="rect">
+                <a:avLst/>
+              </a:prstGeom>
+            </p:spPr>
+          </p:pic>
+          <p:pic>
+            <p:nvPicPr>
+              <p:cNvPr id="62" name="Picture 85" descr="A graph of a patient's elbow&#10;&#10;AI-generated content may be incorrect.">
+                <a:extLst>
+                  <a:ext uri="{FF2B5EF4-FFF2-40B4-BE49-F238E27FC236}">
+                    <a16:creationId xmlns:a16="http://schemas.microsoft.com/office/drawing/2014/main" id="{1E6C2B18-3112-6D3A-9901-627B79276187}"/>
+                  </a:ext>
+                </a:extLst>
+              </p:cNvPr>
+              <p:cNvPicPr>
+                <a:picLocks noChangeAspect="1"/>
+              </p:cNvPicPr>
+              <p:nvPr/>
+            </p:nvPicPr>
+            <p:blipFill>
+              <a:blip r:embed="rId22"/>
+              <a:stretch>
+                <a:fillRect/>
+              </a:stretch>
+            </p:blipFill>
+            <p:spPr>
+              <a:xfrm>
+                <a:off x="14553703" y="16057584"/>
+                <a:ext cx="3810000" cy="2857500"/>
+              </a:xfrm>
+              <a:prstGeom prst="rect">
+                <a:avLst/>
+              </a:prstGeom>
+            </p:spPr>
+          </p:pic>
+          <p:pic>
+            <p:nvPicPr>
+              <p:cNvPr id="63" name="Picture 103" descr="A graph of a line graph&#10;&#10;AI-generated content may be incorrect.">
+                <a:extLst>
+                  <a:ext uri="{FF2B5EF4-FFF2-40B4-BE49-F238E27FC236}">
+                    <a16:creationId xmlns:a16="http://schemas.microsoft.com/office/drawing/2014/main" id="{87D4E590-2CE4-E83D-5378-A12AB6C70C59}"/>
+                  </a:ext>
+                </a:extLst>
+              </p:cNvPr>
+              <p:cNvPicPr>
+                <a:picLocks noChangeAspect="1"/>
+              </p:cNvPicPr>
+              <p:nvPr/>
+            </p:nvPicPr>
+            <p:blipFill>
+              <a:blip r:embed="rId23"/>
+              <a:stretch>
+                <a:fillRect/>
+              </a:stretch>
+            </p:blipFill>
+            <p:spPr>
+              <a:xfrm>
+                <a:off x="14556002" y="18599432"/>
+                <a:ext cx="3807701" cy="2855776"/>
+              </a:xfrm>
+              <a:prstGeom prst="rect">
+                <a:avLst/>
+              </a:prstGeom>
+            </p:spPr>
+          </p:pic>
+        </p:grpSp>
         <p:sp>
           <p:nvSpPr>
-            <p:cNvPr id="109" name="Textfeld 108">
+            <p:cNvPr id="46" name="TextBox 105">
               <a:extLst>
                 <a:ext uri="{FF2B5EF4-FFF2-40B4-BE49-F238E27FC236}">
-                  <a16:creationId xmlns:a16="http://schemas.microsoft.com/office/drawing/2014/main" id="{ACCC85E4-8390-BE42-D396-7298C1ADDA18}"/>
+                  <a16:creationId xmlns:a16="http://schemas.microsoft.com/office/drawing/2014/main" id="{3512043F-66F8-EC1E-F88E-65A71874D70F}"/>
                 </a:ext>
               </a:extLst>
             </p:cNvPr>
@@ -8317,9 +7688,9 @@
             <p:nvPr/>
           </p:nvSpPr>
           <p:spPr>
-            <a:xfrm rot="16200000">
-              <a:off x="18968097" y="21354922"/>
-              <a:ext cx="2935032" cy="369332"/>
+            <a:xfrm>
+              <a:off x="6515900" y="15763772"/>
+              <a:ext cx="558327" cy="461665"/>
             </a:xfrm>
             <a:prstGeom prst="rect">
               <a:avLst/>
@@ -8333,40 +7704,82 @@
             <a:lstStyle/>
             <a:p>
               <a:r>
-                <a:rPr lang="de-DE" dirty="0"/>
-                <a:t>COM </a:t>
-              </a:r>
-              <a:r>
-                <a:rPr lang="de-DE" dirty="0" err="1"/>
-                <a:t>values</a:t>
-              </a:r>
-              <a:r>
-                <a:rPr lang="de-DE" dirty="0"/>
-                <a:t> </a:t>
-              </a:r>
-              <a:r>
-                <a:rPr lang="de-DE" dirty="0" err="1"/>
-                <a:t>for</a:t>
-              </a:r>
-              <a:r>
-                <a:rPr lang="de-DE" dirty="0"/>
-                <a:t> </a:t>
-              </a:r>
-              <a:r>
-                <a:rPr lang="de-DE" dirty="0" err="1"/>
-                <a:t>rnase</a:t>
-              </a:r>
-              <a:r>
-                <a:rPr lang="de-DE" dirty="0"/>
-                <a:t> </a:t>
-              </a:r>
-              <a:r>
-                <a:rPr lang="de-DE" dirty="0" err="1"/>
-                <a:t>subset</a:t>
-              </a:r>
-              <a:r>
-                <a:rPr lang="de-DE" dirty="0"/>
-                <a:t> </a:t>
+                <a:rPr lang="en-GB" sz="2400" b="1" dirty="0"/>
+                <a:t>6</a:t>
+              </a:r>
+              <a:r>
+                <a:rPr lang="en-GB" sz="2400" b="1" noProof="0" dirty="0"/>
+                <a:t>A</a:t>
+              </a:r>
+            </a:p>
+          </p:txBody>
+        </p:sp>
+        <p:sp>
+          <p:nvSpPr>
+            <p:cNvPr id="47" name="TextBox 106">
+              <a:extLst>
+                <a:ext uri="{FF2B5EF4-FFF2-40B4-BE49-F238E27FC236}">
+                  <a16:creationId xmlns:a16="http://schemas.microsoft.com/office/drawing/2014/main" id="{3AD17291-EDBC-55D9-13EA-4A251032C501}"/>
+                </a:ext>
+              </a:extLst>
+            </p:cNvPr>
+            <p:cNvSpPr txBox="1"/>
+            <p:nvPr/>
+          </p:nvSpPr>
+          <p:spPr>
+            <a:xfrm>
+              <a:off x="10856694" y="15742343"/>
+              <a:ext cx="390625" cy="461665"/>
+            </a:xfrm>
+            <a:prstGeom prst="rect">
+              <a:avLst/>
+            </a:prstGeom>
+            <a:noFill/>
+          </p:spPr>
+          <p:txBody>
+            <a:bodyPr wrap="square" rtlCol="0">
+              <a:spAutoFit/>
+            </a:bodyPr>
+            <a:lstStyle/>
+            <a:p>
+              <a:r>
+                <a:rPr lang="en-GB" sz="2400" b="1" noProof="0" dirty="0"/>
+                <a:t>B</a:t>
+              </a:r>
+            </a:p>
+          </p:txBody>
+        </p:sp>
+        <p:sp>
+          <p:nvSpPr>
+            <p:cNvPr id="48" name="TextBox 107">
+              <a:extLst>
+                <a:ext uri="{FF2B5EF4-FFF2-40B4-BE49-F238E27FC236}">
+                  <a16:creationId xmlns:a16="http://schemas.microsoft.com/office/drawing/2014/main" id="{94152693-56B7-C10A-EB74-4E3F1CFC6B49}"/>
+                </a:ext>
+              </a:extLst>
+            </p:cNvPr>
+            <p:cNvSpPr txBox="1"/>
+            <p:nvPr/>
+          </p:nvSpPr>
+          <p:spPr>
+            <a:xfrm>
+              <a:off x="14993991" y="15763772"/>
+              <a:ext cx="390625" cy="461665"/>
+            </a:xfrm>
+            <a:prstGeom prst="rect">
+              <a:avLst/>
+            </a:prstGeom>
+            <a:noFill/>
+          </p:spPr>
+          <p:txBody>
+            <a:bodyPr wrap="square" rtlCol="0">
+              <a:spAutoFit/>
+            </a:bodyPr>
+            <a:lstStyle/>
+            <a:p>
+              <a:r>
+                <a:rPr lang="en-GB" sz="2400" b="1" noProof="0" dirty="0"/>
+                <a:t>C</a:t>
               </a:r>
             </a:p>
           </p:txBody>
@@ -8374,10 +7787,10 @@
       </p:grpSp>
       <p:sp>
         <p:nvSpPr>
-          <p:cNvPr id="112" name="Textfeld 111">
+          <p:cNvPr id="64" name="Textfeld 63">
             <a:extLst>
               <a:ext uri="{FF2B5EF4-FFF2-40B4-BE49-F238E27FC236}">
-                <a16:creationId xmlns:a16="http://schemas.microsoft.com/office/drawing/2014/main" id="{15B72768-09D0-DD00-EC13-1575C27200AE}"/>
+                <a16:creationId xmlns:a16="http://schemas.microsoft.com/office/drawing/2014/main" id="{1288FC3D-AD3C-8F05-DCCF-298CE79300CE}"/>
               </a:ext>
             </a:extLst>
           </p:cNvPr>
@@ -8386,8 +7799,8 @@
         </p:nvSpPr>
         <p:spPr>
           <a:xfrm>
-            <a:off x="20197589" y="19179321"/>
-            <a:ext cx="369333" cy="461665"/>
+            <a:off x="21368011" y="23636030"/>
+            <a:ext cx="7923853" cy="2862322"/>
           </a:xfrm>
           <a:prstGeom prst="rect">
             <a:avLst/>
@@ -8400,19 +7813,95 @@
           </a:bodyPr>
           <a:lstStyle/>
           <a:p>
-            <a:r>
-              <a:rPr lang="de-DE" sz="2400" b="1" dirty="0"/>
-              <a:t>B</a:t>
+            <a:pPr algn="just"/>
+            <a:r>
+              <a:rPr lang="en-GB" b="1" dirty="0"/>
+              <a:t>Fig. 5 </a:t>
+            </a:r>
+            <a:r>
+              <a:rPr lang="en-GB" dirty="0"/>
+              <a:t>Principle Component Analyses and </a:t>
+            </a:r>
+            <a:r>
+              <a:rPr lang="en-GB" dirty="0" err="1"/>
+              <a:t>Elbowplots</a:t>
+            </a:r>
+            <a:r>
+              <a:rPr lang="en-GB" dirty="0"/>
+              <a:t> of the selected and the non-selected proteins. RNASE and CTRL are plotted separately for comparison in the PCA. The </a:t>
+            </a:r>
+            <a:r>
+              <a:rPr lang="en-GB" dirty="0" err="1"/>
+              <a:t>Elbowplots</a:t>
+            </a:r>
+            <a:r>
+              <a:rPr lang="en-GB" dirty="0"/>
+              <a:t> shows only RNASE.</a:t>
+            </a:r>
+          </a:p>
+          <a:p>
+            <a:pPr algn="just"/>
+            <a:endParaRPr lang="en-GB" dirty="0"/>
+          </a:p>
+          <a:p>
+            <a:pPr algn="just"/>
+            <a:r>
+              <a:rPr lang="en-GB" b="1" dirty="0"/>
+              <a:t>A) </a:t>
+            </a:r>
+            <a:r>
+              <a:rPr lang="en-GB" dirty="0"/>
+              <a:t>PCA of the selected proteins. The data points of the RNASE compared to the CTRL make up an overall similar shape, but a shift is visible in the density of the points. </a:t>
+            </a:r>
+            <a:r>
+              <a:rPr lang="en-GB" b="1" dirty="0"/>
+              <a:t>B) </a:t>
+            </a:r>
+            <a:r>
+              <a:rPr lang="en-GB" dirty="0"/>
+              <a:t>PCA</a:t>
+            </a:r>
+            <a:r>
+              <a:rPr lang="en-GB" b="1" dirty="0"/>
+              <a:t> </a:t>
+            </a:r>
+            <a:r>
+              <a:rPr lang="en-GB" dirty="0"/>
+              <a:t>of the non-selected proteins. The points of the RNASE and CTRL form mostly the same structure. </a:t>
+            </a:r>
+            <a:r>
+              <a:rPr lang="en-GB" b="1" dirty="0"/>
+              <a:t>C) </a:t>
+            </a:r>
+            <a:r>
+              <a:rPr lang="en-GB" dirty="0"/>
+              <a:t>Elbow-Plot of the RNASE. The </a:t>
+            </a:r>
+            <a:r>
+              <a:rPr lang="en-GB" dirty="0" err="1"/>
+              <a:t>knick</a:t>
+            </a:r>
+            <a:r>
+              <a:rPr lang="en-GB" dirty="0"/>
+              <a:t> of the elbow is between 3 and 4. To compare selected and non-selected proteins, we decided to use 3 clusters in the </a:t>
+            </a:r>
+            <a:r>
+              <a:rPr lang="en-GB" dirty="0" err="1"/>
+              <a:t>kmeans</a:t>
+            </a:r>
+            <a:r>
+              <a:rPr lang="en-GB" dirty="0"/>
+              <a:t> clustering.</a:t>
             </a:r>
           </a:p>
         </p:txBody>
       </p:sp>
       <p:pic>
         <p:nvPicPr>
-          <p:cNvPr id="113" name="Grafik 112">
+          <p:cNvPr id="80" name="Grafik 79">
             <a:extLst>
               <a:ext uri="{FF2B5EF4-FFF2-40B4-BE49-F238E27FC236}">
-                <a16:creationId xmlns:a16="http://schemas.microsoft.com/office/drawing/2014/main" id="{BBC23134-B231-171D-9286-617A45D01EB0}"/>
+                <a16:creationId xmlns:a16="http://schemas.microsoft.com/office/drawing/2014/main" id="{E35800D6-F7B5-B0EB-F3B9-A4DE3EF55A87}"/>
               </a:ext>
             </a:extLst>
           </p:cNvPr>
@@ -8422,15 +7911,15 @@
           <p:nvPr/>
         </p:nvPicPr>
         <p:blipFill>
-          <a:blip r:embed="rId26"/>
+          <a:blip r:embed="rId24"/>
           <a:stretch>
             <a:fillRect/>
           </a:stretch>
         </p:blipFill>
         <p:spPr>
           <a:xfrm>
-            <a:off x="11017083" y="8113990"/>
-            <a:ext cx="6501979" cy="3150834"/>
+            <a:off x="23626554" y="16191664"/>
+            <a:ext cx="3913718" cy="3609975"/>
           </a:xfrm>
           <a:prstGeom prst="rect">
             <a:avLst/>
@@ -8439,10 +7928,10 @@
       </p:pic>
       <p:sp>
         <p:nvSpPr>
-          <p:cNvPr id="114" name="Textfeld 113">
+          <p:cNvPr id="81" name="Textfeld 80">
             <a:extLst>
               <a:ext uri="{FF2B5EF4-FFF2-40B4-BE49-F238E27FC236}">
-                <a16:creationId xmlns:a16="http://schemas.microsoft.com/office/drawing/2014/main" id="{9602B440-6D5E-1C7B-F677-70B9F3C3BD9C}"/>
+                <a16:creationId xmlns:a16="http://schemas.microsoft.com/office/drawing/2014/main" id="{0BC393B5-C78B-2BB8-FD41-73042A3CEA4A}"/>
               </a:ext>
             </a:extLst>
           </p:cNvPr>
@@ -8450,9 +7939,9 @@
           <p:nvPr/>
         </p:nvSpPr>
         <p:spPr>
-          <a:xfrm>
-            <a:off x="10959740" y="11364733"/>
-            <a:ext cx="7053033" cy="1477328"/>
+          <a:xfrm rot="16200000">
+            <a:off x="22630645" y="17417692"/>
+            <a:ext cx="1559562" cy="369332"/>
           </a:xfrm>
           <a:prstGeom prst="rect">
             <a:avLst/>
@@ -8466,243 +7955,19 @@
           <a:lstStyle/>
           <a:p>
             <a:r>
-              <a:rPr lang="de-DE" b="1" dirty="0"/>
-              <a:t>Fig 1 </a:t>
-            </a:r>
-            <a:r>
               <a:rPr lang="de-DE" dirty="0" err="1"/>
-              <a:t>Schematic</a:t>
-            </a:r>
-            <a:r>
-              <a:rPr lang="de-DE" dirty="0"/>
-              <a:t> Illustration </a:t>
-            </a:r>
-            <a:r>
-              <a:rPr lang="de-DE" dirty="0" err="1"/>
-              <a:t>of</a:t>
-            </a:r>
-            <a:r>
-              <a:rPr lang="de-DE" dirty="0"/>
-              <a:t> RNA-</a:t>
-            </a:r>
-            <a:r>
-              <a:rPr lang="de-DE" dirty="0" err="1"/>
-              <a:t>dependency</a:t>
-            </a:r>
-            <a:r>
-              <a:rPr lang="de-DE" dirty="0"/>
-              <a:t>.</a:t>
-            </a:r>
-          </a:p>
-          <a:p>
+              <a:t>Frequency</a:t>
+            </a:r>
             <a:endParaRPr lang="de-DE" dirty="0"/>
           </a:p>
-          <a:p>
-            <a:r>
-              <a:rPr lang="de-DE" dirty="0"/>
-              <a:t>A </a:t>
-            </a:r>
-            <a:r>
-              <a:rPr lang="de-DE" dirty="0" err="1"/>
-              <a:t>protein</a:t>
-            </a:r>
-            <a:r>
-              <a:rPr lang="de-DE" dirty="0"/>
-              <a:t> </a:t>
-            </a:r>
-            <a:r>
-              <a:rPr lang="de-DE" dirty="0" err="1"/>
-              <a:t>is</a:t>
-            </a:r>
-            <a:r>
-              <a:rPr lang="de-DE" dirty="0"/>
-              <a:t> </a:t>
-            </a:r>
-            <a:r>
-              <a:rPr lang="de-DE" dirty="0" err="1"/>
-              <a:t>considered</a:t>
-            </a:r>
-            <a:r>
-              <a:rPr lang="de-DE" dirty="0"/>
-              <a:t> RNA-</a:t>
-            </a:r>
-            <a:r>
-              <a:rPr lang="de-DE" dirty="0" err="1"/>
-              <a:t>dependent</a:t>
-            </a:r>
-            <a:r>
-              <a:rPr lang="de-DE" dirty="0"/>
-              <a:t> </a:t>
-            </a:r>
-            <a:r>
-              <a:rPr lang="de-DE" dirty="0" err="1"/>
-              <a:t>if</a:t>
-            </a:r>
-            <a:r>
-              <a:rPr lang="de-DE" dirty="0"/>
-              <a:t> </a:t>
-            </a:r>
-            <a:r>
-              <a:rPr lang="de-DE" dirty="0" err="1"/>
-              <a:t>its</a:t>
-            </a:r>
-            <a:r>
-              <a:rPr lang="de-DE" dirty="0"/>
-              <a:t> </a:t>
-            </a:r>
-            <a:r>
-              <a:rPr lang="de-DE" dirty="0" err="1"/>
-              <a:t>interactome</a:t>
-            </a:r>
-            <a:r>
-              <a:rPr lang="de-DE" dirty="0"/>
-              <a:t> </a:t>
-            </a:r>
-            <a:r>
-              <a:rPr lang="de-DE" dirty="0" err="1"/>
-              <a:t>is</a:t>
-            </a:r>
-            <a:r>
-              <a:rPr lang="de-DE" dirty="0"/>
-              <a:t> </a:t>
-            </a:r>
-            <a:r>
-              <a:rPr lang="de-DE" dirty="0" err="1"/>
-              <a:t>dependent</a:t>
-            </a:r>
-            <a:r>
-              <a:rPr lang="de-DE" dirty="0"/>
-              <a:t> on RNA. </a:t>
-            </a:r>
-            <a:r>
-              <a:rPr lang="de-DE" dirty="0" err="1"/>
-              <a:t>It</a:t>
-            </a:r>
-            <a:r>
-              <a:rPr lang="de-DE" dirty="0"/>
-              <a:t> </a:t>
-            </a:r>
-            <a:r>
-              <a:rPr lang="de-DE" dirty="0" err="1"/>
-              <a:t>is</a:t>
-            </a:r>
-            <a:r>
-              <a:rPr lang="de-DE" dirty="0"/>
-              <a:t> </a:t>
-            </a:r>
-            <a:r>
-              <a:rPr lang="de-DE" dirty="0" err="1"/>
-              <a:t>either</a:t>
-            </a:r>
-            <a:r>
-              <a:rPr lang="de-DE" dirty="0"/>
-              <a:t> </a:t>
-            </a:r>
-            <a:r>
-              <a:rPr lang="de-DE" dirty="0" err="1"/>
-              <a:t>is</a:t>
-            </a:r>
-            <a:r>
-              <a:rPr lang="de-DE" dirty="0"/>
-              <a:t> </a:t>
-            </a:r>
-            <a:r>
-              <a:rPr lang="de-DE" dirty="0" err="1"/>
-              <a:t>directly</a:t>
-            </a:r>
-            <a:r>
-              <a:rPr lang="de-DE" dirty="0"/>
-              <a:t> </a:t>
-            </a:r>
-            <a:r>
-              <a:rPr lang="de-DE" dirty="0" err="1"/>
-              <a:t>or</a:t>
-            </a:r>
-            <a:r>
-              <a:rPr lang="de-DE" dirty="0"/>
-              <a:t> </a:t>
-            </a:r>
-            <a:r>
-              <a:rPr lang="de-DE" dirty="0" err="1"/>
-              <a:t>indirectly</a:t>
-            </a:r>
-            <a:r>
-              <a:rPr lang="de-DE" dirty="0"/>
-              <a:t> </a:t>
-            </a:r>
-            <a:r>
-              <a:rPr lang="de-DE" dirty="0" err="1"/>
-              <a:t>attached</a:t>
-            </a:r>
-            <a:r>
-              <a:rPr lang="de-DE" dirty="0"/>
-              <a:t> </a:t>
-            </a:r>
-            <a:r>
-              <a:rPr lang="de-DE" dirty="0" err="1"/>
-              <a:t>to</a:t>
-            </a:r>
-            <a:r>
-              <a:rPr lang="de-DE" dirty="0"/>
-              <a:t> RNA, ist </a:t>
-            </a:r>
-            <a:r>
-              <a:rPr lang="de-DE" dirty="0" err="1"/>
-              <a:t>functionality</a:t>
-            </a:r>
-            <a:r>
-              <a:rPr lang="de-DE" dirty="0"/>
-              <a:t> in </a:t>
-            </a:r>
-            <a:r>
-              <a:rPr lang="de-DE" dirty="0" err="1"/>
-              <a:t>biological</a:t>
-            </a:r>
-            <a:r>
-              <a:rPr lang="de-DE" dirty="0"/>
-              <a:t> </a:t>
-            </a:r>
-            <a:r>
-              <a:rPr lang="de-DE" dirty="0" err="1"/>
-              <a:t>context</a:t>
-            </a:r>
-            <a:r>
-              <a:rPr lang="de-DE" dirty="0"/>
-              <a:t> </a:t>
-            </a:r>
-            <a:r>
-              <a:rPr lang="de-DE" dirty="0" err="1"/>
-              <a:t>is</a:t>
-            </a:r>
-            <a:r>
-              <a:rPr lang="de-DE" dirty="0"/>
-              <a:t> </a:t>
-            </a:r>
-            <a:r>
-              <a:rPr lang="de-DE" dirty="0" err="1"/>
-              <a:t>associated</a:t>
-            </a:r>
-            <a:r>
-              <a:rPr lang="de-DE" dirty="0"/>
-              <a:t> </a:t>
-            </a:r>
-            <a:r>
-              <a:rPr lang="de-DE" dirty="0" err="1"/>
-              <a:t>with</a:t>
-            </a:r>
-            <a:r>
-              <a:rPr lang="de-DE" dirty="0"/>
-              <a:t> RNA</a:t>
-            </a:r>
-          </a:p>
-        </p:txBody>
-      </p:sp>
-      <p:sp>
-        <p:nvSpPr>
-          <p:cNvPr id="115" name="Textfeld 114">
+        </p:txBody>
+      </p:sp>
+      <p:sp>
+        <p:nvSpPr>
+          <p:cNvPr id="82" name="Textfeld 81">
             <a:extLst>
               <a:ext uri="{FF2B5EF4-FFF2-40B4-BE49-F238E27FC236}">
-                <a16:creationId xmlns:a16="http://schemas.microsoft.com/office/drawing/2014/main" id="{99212C4C-1E85-02E2-ED7B-9C6C2240AFA2}"/>
+                <a16:creationId xmlns:a16="http://schemas.microsoft.com/office/drawing/2014/main" id="{A8793E91-1DE6-7627-C829-6D993305B2B0}"/>
               </a:ext>
             </a:extLst>
           </p:cNvPr>
@@ -8711,8 +7976,8 @@
         </p:nvSpPr>
         <p:spPr>
           <a:xfrm>
-            <a:off x="10989388" y="7853349"/>
-            <a:ext cx="648470" cy="461665"/>
+            <a:off x="25008263" y="19759448"/>
+            <a:ext cx="1817047" cy="369332"/>
           </a:xfrm>
           <a:prstGeom prst="rect">
             <a:avLst/>
@@ -8726,8 +7991,151 @@
           <a:lstStyle/>
           <a:p>
             <a:r>
+              <a:rPr lang="de-DE" dirty="0" err="1"/>
+              <a:t>Isoelectric</a:t>
+            </a:r>
+            <a:r>
+              <a:rPr lang="de-DE" dirty="0"/>
+              <a:t> </a:t>
+            </a:r>
+            <a:r>
+              <a:rPr lang="de-DE" dirty="0" err="1"/>
+              <a:t>point</a:t>
+            </a:r>
+            <a:endParaRPr lang="de-DE" dirty="0"/>
+          </a:p>
+        </p:txBody>
+      </p:sp>
+      <p:sp>
+        <p:nvSpPr>
+          <p:cNvPr id="83" name="Textfeld 82">
+            <a:extLst>
+              <a:ext uri="{FF2B5EF4-FFF2-40B4-BE49-F238E27FC236}">
+                <a16:creationId xmlns:a16="http://schemas.microsoft.com/office/drawing/2014/main" id="{61CA8564-A72D-88F5-3A0E-4E566DA38655}"/>
+              </a:ext>
+            </a:extLst>
+          </p:cNvPr>
+          <p:cNvSpPr txBox="1"/>
+          <p:nvPr/>
+        </p:nvSpPr>
+        <p:spPr>
+          <a:xfrm>
+            <a:off x="23476949" y="20330887"/>
+            <a:ext cx="4998758" cy="1754326"/>
+          </a:xfrm>
+          <a:prstGeom prst="rect">
+            <a:avLst/>
+          </a:prstGeom>
+          <a:noFill/>
+        </p:spPr>
+        <p:txBody>
+          <a:bodyPr wrap="square" rtlCol="0">
+            <a:spAutoFit/>
+          </a:bodyPr>
+          <a:lstStyle/>
+          <a:p>
+            <a:r>
+              <a:rPr lang="en-US" b="1" dirty="0"/>
+              <a:t>Fig. 6 – Histogram of isoelectric points (</a:t>
+            </a:r>
+            <a:r>
+              <a:rPr lang="en-US" b="1" dirty="0" err="1"/>
+              <a:t>pI</a:t>
+            </a:r>
+            <a:r>
+              <a:rPr lang="en-US" b="1" dirty="0"/>
+              <a:t>) for selected proteins</a:t>
+            </a:r>
+            <a:br>
+              <a:rPr lang="en-US" dirty="0"/>
+            </a:br>
+            <a:r>
+              <a:rPr lang="en-US" dirty="0"/>
+              <a:t>The mean </a:t>
+            </a:r>
+            <a:r>
+              <a:rPr lang="en-US" dirty="0" err="1"/>
+              <a:t>pI</a:t>
+            </a:r>
+            <a:r>
+              <a:rPr lang="en-US" dirty="0"/>
+              <a:t> (8.16) is marked by a black line. A right-sided t-test against </a:t>
+            </a:r>
+            <a:r>
+              <a:rPr lang="en-US" dirty="0" err="1"/>
+              <a:t>pI</a:t>
+            </a:r>
+            <a:r>
+              <a:rPr lang="en-US" dirty="0"/>
+              <a:t> = 7.0 yielded a p-value of 2.2e-16, indicating that selected proteins have significantly higher isoelectric points.</a:t>
+            </a:r>
+            <a:endParaRPr lang="de-DE" dirty="0"/>
+          </a:p>
+        </p:txBody>
+      </p:sp>
+      <p:sp>
+        <p:nvSpPr>
+          <p:cNvPr id="84" name="Textfeld 83">
+            <a:extLst>
+              <a:ext uri="{FF2B5EF4-FFF2-40B4-BE49-F238E27FC236}">
+                <a16:creationId xmlns:a16="http://schemas.microsoft.com/office/drawing/2014/main" id="{E74BD1D1-81E5-0201-78E1-46E88BAC7B37}"/>
+              </a:ext>
+            </a:extLst>
+          </p:cNvPr>
+          <p:cNvSpPr txBox="1"/>
+          <p:nvPr/>
+        </p:nvSpPr>
+        <p:spPr>
+          <a:xfrm>
+            <a:off x="23225760" y="15669382"/>
+            <a:ext cx="400794" cy="522282"/>
+          </a:xfrm>
+          <a:prstGeom prst="rect">
+            <a:avLst/>
+          </a:prstGeom>
+          <a:noFill/>
+        </p:spPr>
+        <p:txBody>
+          <a:bodyPr wrap="square" rtlCol="0">
+            <a:spAutoFit/>
+          </a:bodyPr>
+          <a:lstStyle/>
+          <a:p>
+            <a:endParaRPr lang="de-DE" dirty="0"/>
+          </a:p>
+        </p:txBody>
+      </p:sp>
+      <p:sp>
+        <p:nvSpPr>
+          <p:cNvPr id="98" name="Textfeld 97">
+            <a:extLst>
+              <a:ext uri="{FF2B5EF4-FFF2-40B4-BE49-F238E27FC236}">
+                <a16:creationId xmlns:a16="http://schemas.microsoft.com/office/drawing/2014/main" id="{D70C59C4-30AB-EA5B-8DE4-B9E34DA2D83C}"/>
+              </a:ext>
+            </a:extLst>
+          </p:cNvPr>
+          <p:cNvSpPr txBox="1"/>
+          <p:nvPr/>
+        </p:nvSpPr>
+        <p:spPr>
+          <a:xfrm>
+            <a:off x="23220072" y="16003537"/>
+            <a:ext cx="518851" cy="461665"/>
+          </a:xfrm>
+          <a:prstGeom prst="rect">
+            <a:avLst/>
+          </a:prstGeom>
+          <a:noFill/>
+        </p:spPr>
+        <p:txBody>
+          <a:bodyPr wrap="square" rtlCol="0">
+            <a:spAutoFit/>
+          </a:bodyPr>
+          <a:lstStyle/>
+          <a:p>
+            <a:r>
               <a:rPr lang="de-DE" sz="2400" b="1" dirty="0"/>
-              <a:t>1</a:t>
+              <a:t>6</a:t>
             </a:r>
           </a:p>
         </p:txBody>
